--- a/Наработки/диздоки/Бирма/Бирма - иконки.pptx
+++ b/Наработки/диздоки/Бирма/Бирма - иконки.pptx
@@ -209,7 +209,7 @@
             <a:fld id="{33E3D7F9-E251-484C-A6FF-FA958879DF69}" type="datetimeFigureOut">
               <a:rPr lang="ru-RU" smtClean="0"/>
               <a:pPr/>
-              <a:t>12.04.2024</a:t>
+              <a:t>14.04.2024</a:t>
             </a:fld>
             <a:endParaRPr lang="ru-RU"/>
           </a:p>
@@ -699,7 +699,7 @@
             <a:fld id="{85A5DE44-605B-4D3B-B2B7-94543DF81A36}" type="datetimeFigureOut">
               <a:rPr lang="ru-RU" smtClean="0"/>
               <a:pPr/>
-              <a:t>12.04.2024</a:t>
+              <a:t>14.04.2024</a:t>
             </a:fld>
             <a:endParaRPr lang="ru-RU"/>
           </a:p>
@@ -871,7 +871,7 @@
             <a:fld id="{85A5DE44-605B-4D3B-B2B7-94543DF81A36}" type="datetimeFigureOut">
               <a:rPr lang="ru-RU" smtClean="0"/>
               <a:pPr/>
-              <a:t>12.04.2024</a:t>
+              <a:t>14.04.2024</a:t>
             </a:fld>
             <a:endParaRPr lang="ru-RU"/>
           </a:p>
@@ -1053,7 +1053,7 @@
             <a:fld id="{85A5DE44-605B-4D3B-B2B7-94543DF81A36}" type="datetimeFigureOut">
               <a:rPr lang="ru-RU" smtClean="0"/>
               <a:pPr/>
-              <a:t>12.04.2024</a:t>
+              <a:t>14.04.2024</a:t>
             </a:fld>
             <a:endParaRPr lang="ru-RU"/>
           </a:p>
@@ -1225,7 +1225,7 @@
             <a:fld id="{85A5DE44-605B-4D3B-B2B7-94543DF81A36}" type="datetimeFigureOut">
               <a:rPr lang="ru-RU" smtClean="0"/>
               <a:pPr/>
-              <a:t>12.04.2024</a:t>
+              <a:t>14.04.2024</a:t>
             </a:fld>
             <a:endParaRPr lang="ru-RU"/>
           </a:p>
@@ -1473,7 +1473,7 @@
             <a:fld id="{85A5DE44-605B-4D3B-B2B7-94543DF81A36}" type="datetimeFigureOut">
               <a:rPr lang="ru-RU" smtClean="0"/>
               <a:pPr/>
-              <a:t>12.04.2024</a:t>
+              <a:t>14.04.2024</a:t>
             </a:fld>
             <a:endParaRPr lang="ru-RU"/>
           </a:p>
@@ -1707,7 +1707,7 @@
             <a:fld id="{85A5DE44-605B-4D3B-B2B7-94543DF81A36}" type="datetimeFigureOut">
               <a:rPr lang="ru-RU" smtClean="0"/>
               <a:pPr/>
-              <a:t>12.04.2024</a:t>
+              <a:t>14.04.2024</a:t>
             </a:fld>
             <a:endParaRPr lang="ru-RU"/>
           </a:p>
@@ -2076,7 +2076,7 @@
             <a:fld id="{85A5DE44-605B-4D3B-B2B7-94543DF81A36}" type="datetimeFigureOut">
               <a:rPr lang="ru-RU" smtClean="0"/>
               <a:pPr/>
-              <a:t>12.04.2024</a:t>
+              <a:t>14.04.2024</a:t>
             </a:fld>
             <a:endParaRPr lang="ru-RU"/>
           </a:p>
@@ -2196,7 +2196,7 @@
             <a:fld id="{85A5DE44-605B-4D3B-B2B7-94543DF81A36}" type="datetimeFigureOut">
               <a:rPr lang="ru-RU" smtClean="0"/>
               <a:pPr/>
-              <a:t>12.04.2024</a:t>
+              <a:t>14.04.2024</a:t>
             </a:fld>
             <a:endParaRPr lang="ru-RU"/>
           </a:p>
@@ -2293,7 +2293,7 @@
             <a:fld id="{85A5DE44-605B-4D3B-B2B7-94543DF81A36}" type="datetimeFigureOut">
               <a:rPr lang="ru-RU" smtClean="0"/>
               <a:pPr/>
-              <a:t>12.04.2024</a:t>
+              <a:t>14.04.2024</a:t>
             </a:fld>
             <a:endParaRPr lang="ru-RU"/>
           </a:p>
@@ -2572,7 +2572,7 @@
             <a:fld id="{85A5DE44-605B-4D3B-B2B7-94543DF81A36}" type="datetimeFigureOut">
               <a:rPr lang="ru-RU" smtClean="0"/>
               <a:pPr/>
-              <a:t>12.04.2024</a:t>
+              <a:t>14.04.2024</a:t>
             </a:fld>
             <a:endParaRPr lang="ru-RU"/>
           </a:p>
@@ -2831,7 +2831,7 @@
             <a:fld id="{85A5DE44-605B-4D3B-B2B7-94543DF81A36}" type="datetimeFigureOut">
               <a:rPr lang="ru-RU" smtClean="0"/>
               <a:pPr/>
-              <a:t>12.04.2024</a:t>
+              <a:t>14.04.2024</a:t>
             </a:fld>
             <a:endParaRPr lang="ru-RU"/>
           </a:p>
@@ -3046,7 +3046,7 @@
             <a:fld id="{85A5DE44-605B-4D3B-B2B7-94543DF81A36}" type="datetimeFigureOut">
               <a:rPr lang="ru-RU" smtClean="0"/>
               <a:pPr/>
-              <a:t>12.04.2024</a:t>
+              <a:t>14.04.2024</a:t>
             </a:fld>
             <a:endParaRPr lang="ru-RU"/>
           </a:p>
@@ -12664,7 +12664,7 @@
         </p:nvSpPr>
         <p:spPr>
           <a:xfrm>
-            <a:off x="17435" y="6514641"/>
+            <a:off x="17435" y="6541937"/>
             <a:ext cx="2115918" cy="1080000"/>
           </a:xfrm>
           <a:prstGeom prst="rect">
@@ -12859,8 +12859,8 @@
         </p:nvCxnSpPr>
         <p:spPr>
           <a:xfrm rot="5400000">
-            <a:off x="1944747" y="5208111"/>
-            <a:ext cx="437177" cy="2175882"/>
+            <a:off x="1931099" y="5221759"/>
+            <a:ext cx="464473" cy="2175882"/>
           </a:xfrm>
           <a:prstGeom prst="bentConnector3">
             <a:avLst>
@@ -13464,8 +13464,8 @@
         </p:nvCxnSpPr>
         <p:spPr>
           <a:xfrm flipH="1">
-            <a:off x="1073120" y="7594641"/>
-            <a:ext cx="2274" cy="3940103"/>
+            <a:off x="1073120" y="7621937"/>
+            <a:ext cx="2274" cy="3912807"/>
           </a:xfrm>
           <a:prstGeom prst="straightConnector1">
             <a:avLst/>
@@ -29189,6 +29189,546 @@
           <a:xfrm>
             <a:off x="48539955" y="14608454"/>
             <a:ext cx="1404408" cy="1304094"/>
+          </a:xfrm>
+          <a:prstGeom prst="rect">
+            <a:avLst/>
+          </a:prstGeom>
+        </p:spPr>
+      </p:pic>
+      <p:pic>
+        <p:nvPicPr>
+          <p:cNvPr id="6" name="Рисунок 5">
+            <a:extLst>
+              <a:ext uri="{FF2B5EF4-FFF2-40B4-BE49-F238E27FC236}">
+                <a16:creationId xmlns:a16="http://schemas.microsoft.com/office/drawing/2014/main" id="{ACBEAFDC-93BC-48E3-9E60-0A515A86E40E}"/>
+              </a:ext>
+            </a:extLst>
+          </p:cNvPr>
+          <p:cNvPicPr>
+            <a:picLocks noChangeAspect="1"/>
+          </p:cNvPicPr>
+          <p:nvPr/>
+        </p:nvPicPr>
+        <p:blipFill>
+          <a:blip r:embed="rId35">
+            <a:extLst>
+              <a:ext uri="{28A0092B-C50C-407E-A947-70E740481C1C}">
+                <a14:useLocalDpi xmlns:a14="http://schemas.microsoft.com/office/drawing/2010/main" val="0"/>
+              </a:ext>
+            </a:extLst>
+          </a:blip>
+          <a:stretch>
+            <a:fillRect/>
+          </a:stretch>
+        </p:blipFill>
+        <p:spPr>
+          <a:xfrm>
+            <a:off x="43678536" y="9861270"/>
+            <a:ext cx="1410198" cy="1240974"/>
+          </a:xfrm>
+          <a:prstGeom prst="rect">
+            <a:avLst/>
+          </a:prstGeom>
+        </p:spPr>
+      </p:pic>
+      <p:pic>
+        <p:nvPicPr>
+          <p:cNvPr id="18" name="Рисунок 17">
+            <a:extLst>
+              <a:ext uri="{FF2B5EF4-FFF2-40B4-BE49-F238E27FC236}">
+                <a16:creationId xmlns:a16="http://schemas.microsoft.com/office/drawing/2014/main" id="{3A7C3F3D-775B-4183-A227-EEE926E04066}"/>
+              </a:ext>
+            </a:extLst>
+          </p:cNvPr>
+          <p:cNvPicPr>
+            <a:picLocks noChangeAspect="1"/>
+          </p:cNvPicPr>
+          <p:nvPr/>
+        </p:nvPicPr>
+        <p:blipFill>
+          <a:blip r:embed="rId36">
+            <a:extLst>
+              <a:ext uri="{28A0092B-C50C-407E-A947-70E740481C1C}">
+                <a14:useLocalDpi xmlns:a14="http://schemas.microsoft.com/office/drawing/2010/main" val="0"/>
+              </a:ext>
+            </a:extLst>
+          </a:blip>
+          <a:stretch>
+            <a:fillRect/>
+          </a:stretch>
+        </p:blipFill>
+        <p:spPr>
+          <a:xfrm>
+            <a:off x="7039796" y="11232253"/>
+            <a:ext cx="1529368" cy="1529368"/>
+          </a:xfrm>
+          <a:prstGeom prst="rect">
+            <a:avLst/>
+          </a:prstGeom>
+        </p:spPr>
+      </p:pic>
+      <p:pic>
+        <p:nvPicPr>
+          <p:cNvPr id="26" name="Рисунок 25">
+            <a:extLst>
+              <a:ext uri="{FF2B5EF4-FFF2-40B4-BE49-F238E27FC236}">
+                <a16:creationId xmlns:a16="http://schemas.microsoft.com/office/drawing/2014/main" id="{F086EB83-5A80-4ACF-83AB-A982C4587DD6}"/>
+              </a:ext>
+            </a:extLst>
+          </p:cNvPr>
+          <p:cNvPicPr>
+            <a:picLocks noChangeAspect="1"/>
+          </p:cNvPicPr>
+          <p:nvPr/>
+        </p:nvPicPr>
+        <p:blipFill>
+          <a:blip r:embed="rId37">
+            <a:extLst>
+              <a:ext uri="{28A0092B-C50C-407E-A947-70E740481C1C}">
+                <a14:useLocalDpi xmlns:a14="http://schemas.microsoft.com/office/drawing/2010/main" val="0"/>
+              </a:ext>
+            </a:extLst>
+          </a:blip>
+          <a:stretch>
+            <a:fillRect/>
+          </a:stretch>
+        </p:blipFill>
+        <p:spPr>
+          <a:xfrm>
+            <a:off x="16163402" y="9779432"/>
+            <a:ext cx="1653304" cy="1454909"/>
+          </a:xfrm>
+          <a:prstGeom prst="rect">
+            <a:avLst/>
+          </a:prstGeom>
+        </p:spPr>
+      </p:pic>
+      <p:pic>
+        <p:nvPicPr>
+          <p:cNvPr id="30" name="Рисунок 29">
+            <a:extLst>
+              <a:ext uri="{FF2B5EF4-FFF2-40B4-BE49-F238E27FC236}">
+                <a16:creationId xmlns:a16="http://schemas.microsoft.com/office/drawing/2014/main" id="{A06F15C6-7BF3-4042-8604-57B470E93AEA}"/>
+              </a:ext>
+            </a:extLst>
+          </p:cNvPr>
+          <p:cNvPicPr>
+            <a:picLocks noChangeAspect="1"/>
+          </p:cNvPicPr>
+          <p:nvPr/>
+        </p:nvPicPr>
+        <p:blipFill>
+          <a:blip r:embed="rId38">
+            <a:extLst>
+              <a:ext uri="{28A0092B-C50C-407E-A947-70E740481C1C}">
+                <a14:useLocalDpi xmlns:a14="http://schemas.microsoft.com/office/drawing/2010/main" val="0"/>
+              </a:ext>
+            </a:extLst>
+          </a:blip>
+          <a:stretch>
+            <a:fillRect/>
+          </a:stretch>
+        </p:blipFill>
+        <p:spPr>
+          <a:xfrm>
+            <a:off x="3517528" y="19176715"/>
+            <a:ext cx="1694681" cy="1355745"/>
+          </a:xfrm>
+          <a:prstGeom prst="rect">
+            <a:avLst/>
+          </a:prstGeom>
+        </p:spPr>
+      </p:pic>
+      <p:pic>
+        <p:nvPicPr>
+          <p:cNvPr id="22" name="Рисунок 21">
+            <a:extLst>
+              <a:ext uri="{FF2B5EF4-FFF2-40B4-BE49-F238E27FC236}">
+                <a16:creationId xmlns:a16="http://schemas.microsoft.com/office/drawing/2014/main" id="{16314D97-4415-43BC-8395-A4C6E58F0B40}"/>
+              </a:ext>
+            </a:extLst>
+          </p:cNvPr>
+          <p:cNvPicPr>
+            <a:picLocks noChangeAspect="1"/>
+          </p:cNvPicPr>
+          <p:nvPr/>
+        </p:nvPicPr>
+        <p:blipFill>
+          <a:blip r:embed="rId39">
+            <a:extLst>
+              <a:ext uri="{28A0092B-C50C-407E-A947-70E740481C1C}">
+                <a14:useLocalDpi xmlns:a14="http://schemas.microsoft.com/office/drawing/2010/main" val="0"/>
+              </a:ext>
+            </a:extLst>
+          </a:blip>
+          <a:stretch>
+            <a:fillRect/>
+          </a:stretch>
+        </p:blipFill>
+        <p:spPr>
+          <a:xfrm>
+            <a:off x="4666251" y="14794055"/>
+            <a:ext cx="1571258" cy="1257006"/>
+          </a:xfrm>
+          <a:prstGeom prst="rect">
+            <a:avLst/>
+          </a:prstGeom>
+        </p:spPr>
+      </p:pic>
+      <p:pic>
+        <p:nvPicPr>
+          <p:cNvPr id="32" name="Рисунок 31">
+            <a:extLst>
+              <a:ext uri="{FF2B5EF4-FFF2-40B4-BE49-F238E27FC236}">
+                <a16:creationId xmlns:a16="http://schemas.microsoft.com/office/drawing/2014/main" id="{B8649EC5-CF36-4B3E-95C5-1D6DD421990F}"/>
+              </a:ext>
+            </a:extLst>
+          </p:cNvPr>
+          <p:cNvPicPr>
+            <a:picLocks noChangeAspect="1"/>
+          </p:cNvPicPr>
+          <p:nvPr/>
+        </p:nvPicPr>
+        <p:blipFill>
+          <a:blip r:embed="rId40">
+            <a:extLst>
+              <a:ext uri="{28A0092B-C50C-407E-A947-70E740481C1C}">
+                <a14:useLocalDpi xmlns:a14="http://schemas.microsoft.com/office/drawing/2010/main" val="0"/>
+              </a:ext>
+            </a:extLst>
+          </a:blip>
+          <a:stretch>
+            <a:fillRect/>
+          </a:stretch>
+        </p:blipFill>
+        <p:spPr>
+          <a:xfrm>
+            <a:off x="247673" y="14762871"/>
+            <a:ext cx="1636975" cy="1309579"/>
+          </a:xfrm>
+          <a:prstGeom prst="rect">
+            <a:avLst/>
+          </a:prstGeom>
+        </p:spPr>
+      </p:pic>
+      <p:pic>
+        <p:nvPicPr>
+          <p:cNvPr id="40" name="Рисунок 39">
+            <a:extLst>
+              <a:ext uri="{FF2B5EF4-FFF2-40B4-BE49-F238E27FC236}">
+                <a16:creationId xmlns:a16="http://schemas.microsoft.com/office/drawing/2014/main" id="{5EBADDBC-610E-4D9E-B1AC-ADFF2B8AC164}"/>
+              </a:ext>
+            </a:extLst>
+          </p:cNvPr>
+          <p:cNvPicPr>
+            <a:picLocks noChangeAspect="1"/>
+          </p:cNvPicPr>
+          <p:nvPr/>
+        </p:nvPicPr>
+        <p:blipFill>
+          <a:blip r:embed="rId41">
+            <a:extLst>
+              <a:ext uri="{28A0092B-C50C-407E-A947-70E740481C1C}">
+                <a14:useLocalDpi xmlns:a14="http://schemas.microsoft.com/office/drawing/2010/main" val="0"/>
+              </a:ext>
+            </a:extLst>
+          </a:blip>
+          <a:stretch>
+            <a:fillRect/>
+          </a:stretch>
+        </p:blipFill>
+        <p:spPr>
+          <a:xfrm>
+            <a:off x="2488600" y="14791229"/>
+            <a:ext cx="1565900" cy="1252719"/>
+          </a:xfrm>
+          <a:prstGeom prst="rect">
+            <a:avLst/>
+          </a:prstGeom>
+        </p:spPr>
+      </p:pic>
+      <p:pic>
+        <p:nvPicPr>
+          <p:cNvPr id="44" name="Рисунок 43">
+            <a:extLst>
+              <a:ext uri="{FF2B5EF4-FFF2-40B4-BE49-F238E27FC236}">
+                <a16:creationId xmlns:a16="http://schemas.microsoft.com/office/drawing/2014/main" id="{48FAC34E-03F7-4436-AE1B-89EA43BCC8AC}"/>
+              </a:ext>
+            </a:extLst>
+          </p:cNvPr>
+          <p:cNvPicPr>
+            <a:picLocks noChangeAspect="1"/>
+          </p:cNvPicPr>
+          <p:nvPr/>
+        </p:nvPicPr>
+        <p:blipFill>
+          <a:blip r:embed="rId42">
+            <a:extLst>
+              <a:ext uri="{28A0092B-C50C-407E-A947-70E740481C1C}">
+                <a14:useLocalDpi xmlns:a14="http://schemas.microsoft.com/office/drawing/2010/main" val="0"/>
+              </a:ext>
+            </a:extLst>
+          </a:blip>
+          <a:stretch>
+            <a:fillRect/>
+          </a:stretch>
+        </p:blipFill>
+        <p:spPr>
+          <a:xfrm>
+            <a:off x="1458251" y="16251008"/>
+            <a:ext cx="1474525" cy="1474525"/>
+          </a:xfrm>
+          <a:prstGeom prst="rect">
+            <a:avLst/>
+          </a:prstGeom>
+        </p:spPr>
+      </p:pic>
+      <p:pic>
+        <p:nvPicPr>
+          <p:cNvPr id="48" name="Рисунок 47">
+            <a:extLst>
+              <a:ext uri="{FF2B5EF4-FFF2-40B4-BE49-F238E27FC236}">
+                <a16:creationId xmlns:a16="http://schemas.microsoft.com/office/drawing/2014/main" id="{3FE8B1F0-8E72-4D31-BB2F-94E7BA88D1BE}"/>
+              </a:ext>
+            </a:extLst>
+          </p:cNvPr>
+          <p:cNvPicPr>
+            <a:picLocks noChangeAspect="1"/>
+          </p:cNvPicPr>
+          <p:nvPr/>
+        </p:nvPicPr>
+        <p:blipFill>
+          <a:blip r:embed="rId43">
+            <a:extLst>
+              <a:ext uri="{28A0092B-C50C-407E-A947-70E740481C1C}">
+                <a14:useLocalDpi xmlns:a14="http://schemas.microsoft.com/office/drawing/2010/main" val="0"/>
+              </a:ext>
+            </a:extLst>
+          </a:blip>
+          <a:stretch>
+            <a:fillRect/>
+          </a:stretch>
+        </p:blipFill>
+        <p:spPr>
+          <a:xfrm>
+            <a:off x="2460257" y="17655889"/>
+            <a:ext cx="1603813" cy="1411355"/>
+          </a:xfrm>
+          <a:prstGeom prst="rect">
+            <a:avLst/>
+          </a:prstGeom>
+        </p:spPr>
+      </p:pic>
+      <p:pic>
+        <p:nvPicPr>
+          <p:cNvPr id="52" name="Рисунок 51">
+            <a:extLst>
+              <a:ext uri="{FF2B5EF4-FFF2-40B4-BE49-F238E27FC236}">
+                <a16:creationId xmlns:a16="http://schemas.microsoft.com/office/drawing/2014/main" id="{CD4656B8-2239-4D8D-863E-415B309B1275}"/>
+              </a:ext>
+            </a:extLst>
+          </p:cNvPr>
+          <p:cNvPicPr>
+            <a:picLocks noChangeAspect="1"/>
+          </p:cNvPicPr>
+          <p:nvPr/>
+        </p:nvPicPr>
+        <p:blipFill>
+          <a:blip r:embed="rId44">
+            <a:extLst>
+              <a:ext uri="{28A0092B-C50C-407E-A947-70E740481C1C}">
+                <a14:useLocalDpi xmlns:a14="http://schemas.microsoft.com/office/drawing/2010/main" val="0"/>
+              </a:ext>
+            </a:extLst>
+          </a:blip>
+          <a:stretch>
+            <a:fillRect/>
+          </a:stretch>
+        </p:blipFill>
+        <p:spPr>
+          <a:xfrm>
+            <a:off x="1345956" y="19196834"/>
+            <a:ext cx="1663699" cy="1330960"/>
+          </a:xfrm>
+          <a:prstGeom prst="rect">
+            <a:avLst/>
+          </a:prstGeom>
+        </p:spPr>
+      </p:pic>
+      <p:pic>
+        <p:nvPicPr>
+          <p:cNvPr id="8" name="Рисунок 7">
+            <a:extLst>
+              <a:ext uri="{FF2B5EF4-FFF2-40B4-BE49-F238E27FC236}">
+                <a16:creationId xmlns:a16="http://schemas.microsoft.com/office/drawing/2014/main" id="{17DF049C-E7FE-4EFB-9771-849DA9647D6E}"/>
+              </a:ext>
+            </a:extLst>
+          </p:cNvPr>
+          <p:cNvPicPr>
+            <a:picLocks noChangeAspect="1"/>
+          </p:cNvPicPr>
+          <p:nvPr/>
+        </p:nvPicPr>
+        <p:blipFill>
+          <a:blip r:embed="rId45">
+            <a:extLst>
+              <a:ext uri="{28A0092B-C50C-407E-A947-70E740481C1C}">
+                <a14:useLocalDpi xmlns:a14="http://schemas.microsoft.com/office/drawing/2010/main" val="0"/>
+              </a:ext>
+            </a:extLst>
+          </a:blip>
+          <a:stretch>
+            <a:fillRect/>
+          </a:stretch>
+        </p:blipFill>
+        <p:spPr>
+          <a:xfrm>
+            <a:off x="5639184" y="18968916"/>
+            <a:ext cx="1777271" cy="1719940"/>
+          </a:xfrm>
+          <a:prstGeom prst="rect">
+            <a:avLst/>
+          </a:prstGeom>
+        </p:spPr>
+      </p:pic>
+      <p:pic>
+        <p:nvPicPr>
+          <p:cNvPr id="14" name="Рисунок 13">
+            <a:extLst>
+              <a:ext uri="{FF2B5EF4-FFF2-40B4-BE49-F238E27FC236}">
+                <a16:creationId xmlns:a16="http://schemas.microsoft.com/office/drawing/2014/main" id="{E81E5676-C073-4580-A5C6-8855072376CE}"/>
+              </a:ext>
+            </a:extLst>
+          </p:cNvPr>
+          <p:cNvPicPr>
+            <a:picLocks noChangeAspect="1"/>
+          </p:cNvPicPr>
+          <p:nvPr/>
+        </p:nvPicPr>
+        <p:blipFill>
+          <a:blip r:embed="rId46">
+            <a:extLst>
+              <a:ext uri="{28A0092B-C50C-407E-A947-70E740481C1C}">
+                <a14:useLocalDpi xmlns:a14="http://schemas.microsoft.com/office/drawing/2010/main" val="0"/>
+              </a:ext>
+            </a:extLst>
+          </a:blip>
+          <a:stretch>
+            <a:fillRect/>
+          </a:stretch>
+        </p:blipFill>
+        <p:spPr>
+          <a:xfrm>
+            <a:off x="234535" y="17548937"/>
+            <a:ext cx="1652016" cy="1636283"/>
+          </a:xfrm>
+          <a:prstGeom prst="rect">
+            <a:avLst/>
+          </a:prstGeom>
+        </p:spPr>
+      </p:pic>
+      <p:pic>
+        <p:nvPicPr>
+          <p:cNvPr id="33" name="Рисунок 32">
+            <a:extLst>
+              <a:ext uri="{FF2B5EF4-FFF2-40B4-BE49-F238E27FC236}">
+                <a16:creationId xmlns:a16="http://schemas.microsoft.com/office/drawing/2014/main" id="{92FF5F04-E1C3-4A4B-9AF7-55E589DA7B11}"/>
+              </a:ext>
+            </a:extLst>
+          </p:cNvPr>
+          <p:cNvPicPr>
+            <a:picLocks noChangeAspect="1"/>
+          </p:cNvPicPr>
+          <p:nvPr/>
+        </p:nvPicPr>
+        <p:blipFill>
+          <a:blip r:embed="rId47">
+            <a:extLst>
+              <a:ext uri="{28A0092B-C50C-407E-A947-70E740481C1C}">
+                <a14:useLocalDpi xmlns:a14="http://schemas.microsoft.com/office/drawing/2010/main" val="0"/>
+              </a:ext>
+            </a:extLst>
+          </a:blip>
+          <a:stretch>
+            <a:fillRect/>
+          </a:stretch>
+        </p:blipFill>
+        <p:spPr>
+          <a:xfrm>
+            <a:off x="9356615" y="14721652"/>
+            <a:ext cx="1593913" cy="1333683"/>
+          </a:xfrm>
+          <a:prstGeom prst="rect">
+            <a:avLst/>
+          </a:prstGeom>
+        </p:spPr>
+      </p:pic>
+      <p:pic>
+        <p:nvPicPr>
+          <p:cNvPr id="38" name="Рисунок 37">
+            <a:extLst>
+              <a:ext uri="{FF2B5EF4-FFF2-40B4-BE49-F238E27FC236}">
+                <a16:creationId xmlns:a16="http://schemas.microsoft.com/office/drawing/2014/main" id="{9CFBD725-3D08-4895-8655-5118857A69C2}"/>
+              </a:ext>
+            </a:extLst>
+          </p:cNvPr>
+          <p:cNvPicPr>
+            <a:picLocks noChangeAspect="1"/>
+          </p:cNvPicPr>
+          <p:nvPr/>
+        </p:nvPicPr>
+        <p:blipFill>
+          <a:blip r:embed="rId48">
+            <a:extLst>
+              <a:ext uri="{28A0092B-C50C-407E-A947-70E740481C1C}">
+                <a14:useLocalDpi xmlns:a14="http://schemas.microsoft.com/office/drawing/2010/main" val="0"/>
+              </a:ext>
+            </a:extLst>
+          </a:blip>
+          <a:stretch>
+            <a:fillRect/>
+          </a:stretch>
+        </p:blipFill>
+        <p:spPr>
+          <a:xfrm>
+            <a:off x="9348609" y="25547920"/>
+            <a:ext cx="1807077" cy="1436394"/>
+          </a:xfrm>
+          <a:prstGeom prst="rect">
+            <a:avLst/>
+          </a:prstGeom>
+        </p:spPr>
+      </p:pic>
+      <p:pic>
+        <p:nvPicPr>
+          <p:cNvPr id="46" name="Рисунок 45">
+            <a:extLst>
+              <a:ext uri="{FF2B5EF4-FFF2-40B4-BE49-F238E27FC236}">
+                <a16:creationId xmlns:a16="http://schemas.microsoft.com/office/drawing/2014/main" id="{9A0DD535-10B0-420E-8EC7-B384D4E9F353}"/>
+              </a:ext>
+            </a:extLst>
+          </p:cNvPr>
+          <p:cNvPicPr>
+            <a:picLocks noChangeAspect="1"/>
+          </p:cNvPicPr>
+          <p:nvPr/>
+        </p:nvPicPr>
+        <p:blipFill>
+          <a:blip r:embed="rId49">
+            <a:extLst>
+              <a:ext uri="{28A0092B-C50C-407E-A947-70E740481C1C}">
+                <a14:useLocalDpi xmlns:a14="http://schemas.microsoft.com/office/drawing/2010/main" val="0"/>
+              </a:ext>
+            </a:extLst>
+          </a:blip>
+          <a:stretch>
+            <a:fillRect/>
+          </a:stretch>
+        </p:blipFill>
+        <p:spPr>
+          <a:xfrm>
+            <a:off x="11691725" y="25583926"/>
+            <a:ext cx="1698193" cy="1349846"/>
           </a:xfrm>
           <a:prstGeom prst="rect">
             <a:avLst/>

--- a/Наработки/диздоки/Бирма/Бирма - иконки.pptx
+++ b/Наработки/диздоки/Бирма/Бирма - иконки.pptx
@@ -209,7 +209,7 @@
             <a:fld id="{33E3D7F9-E251-484C-A6FF-FA958879DF69}" type="datetimeFigureOut">
               <a:rPr lang="ru-RU" smtClean="0"/>
               <a:pPr/>
-              <a:t>14.04.2024</a:t>
+              <a:t>15.04.2024</a:t>
             </a:fld>
             <a:endParaRPr lang="ru-RU"/>
           </a:p>
@@ -699,7 +699,7 @@
             <a:fld id="{85A5DE44-605B-4D3B-B2B7-94543DF81A36}" type="datetimeFigureOut">
               <a:rPr lang="ru-RU" smtClean="0"/>
               <a:pPr/>
-              <a:t>14.04.2024</a:t>
+              <a:t>15.04.2024</a:t>
             </a:fld>
             <a:endParaRPr lang="ru-RU"/>
           </a:p>
@@ -871,7 +871,7 @@
             <a:fld id="{85A5DE44-605B-4D3B-B2B7-94543DF81A36}" type="datetimeFigureOut">
               <a:rPr lang="ru-RU" smtClean="0"/>
               <a:pPr/>
-              <a:t>14.04.2024</a:t>
+              <a:t>15.04.2024</a:t>
             </a:fld>
             <a:endParaRPr lang="ru-RU"/>
           </a:p>
@@ -1053,7 +1053,7 @@
             <a:fld id="{85A5DE44-605B-4D3B-B2B7-94543DF81A36}" type="datetimeFigureOut">
               <a:rPr lang="ru-RU" smtClean="0"/>
               <a:pPr/>
-              <a:t>14.04.2024</a:t>
+              <a:t>15.04.2024</a:t>
             </a:fld>
             <a:endParaRPr lang="ru-RU"/>
           </a:p>
@@ -1225,7 +1225,7 @@
             <a:fld id="{85A5DE44-605B-4D3B-B2B7-94543DF81A36}" type="datetimeFigureOut">
               <a:rPr lang="ru-RU" smtClean="0"/>
               <a:pPr/>
-              <a:t>14.04.2024</a:t>
+              <a:t>15.04.2024</a:t>
             </a:fld>
             <a:endParaRPr lang="ru-RU"/>
           </a:p>
@@ -1473,7 +1473,7 @@
             <a:fld id="{85A5DE44-605B-4D3B-B2B7-94543DF81A36}" type="datetimeFigureOut">
               <a:rPr lang="ru-RU" smtClean="0"/>
               <a:pPr/>
-              <a:t>14.04.2024</a:t>
+              <a:t>15.04.2024</a:t>
             </a:fld>
             <a:endParaRPr lang="ru-RU"/>
           </a:p>
@@ -1707,7 +1707,7 @@
             <a:fld id="{85A5DE44-605B-4D3B-B2B7-94543DF81A36}" type="datetimeFigureOut">
               <a:rPr lang="ru-RU" smtClean="0"/>
               <a:pPr/>
-              <a:t>14.04.2024</a:t>
+              <a:t>15.04.2024</a:t>
             </a:fld>
             <a:endParaRPr lang="ru-RU"/>
           </a:p>
@@ -2076,7 +2076,7 @@
             <a:fld id="{85A5DE44-605B-4D3B-B2B7-94543DF81A36}" type="datetimeFigureOut">
               <a:rPr lang="ru-RU" smtClean="0"/>
               <a:pPr/>
-              <a:t>14.04.2024</a:t>
+              <a:t>15.04.2024</a:t>
             </a:fld>
             <a:endParaRPr lang="ru-RU"/>
           </a:p>
@@ -2196,7 +2196,7 @@
             <a:fld id="{85A5DE44-605B-4D3B-B2B7-94543DF81A36}" type="datetimeFigureOut">
               <a:rPr lang="ru-RU" smtClean="0"/>
               <a:pPr/>
-              <a:t>14.04.2024</a:t>
+              <a:t>15.04.2024</a:t>
             </a:fld>
             <a:endParaRPr lang="ru-RU"/>
           </a:p>
@@ -2293,7 +2293,7 @@
             <a:fld id="{85A5DE44-605B-4D3B-B2B7-94543DF81A36}" type="datetimeFigureOut">
               <a:rPr lang="ru-RU" smtClean="0"/>
               <a:pPr/>
-              <a:t>14.04.2024</a:t>
+              <a:t>15.04.2024</a:t>
             </a:fld>
             <a:endParaRPr lang="ru-RU"/>
           </a:p>
@@ -2572,7 +2572,7 @@
             <a:fld id="{85A5DE44-605B-4D3B-B2B7-94543DF81A36}" type="datetimeFigureOut">
               <a:rPr lang="ru-RU" smtClean="0"/>
               <a:pPr/>
-              <a:t>14.04.2024</a:t>
+              <a:t>15.04.2024</a:t>
             </a:fld>
             <a:endParaRPr lang="ru-RU"/>
           </a:p>
@@ -2831,7 +2831,7 @@
             <a:fld id="{85A5DE44-605B-4D3B-B2B7-94543DF81A36}" type="datetimeFigureOut">
               <a:rPr lang="ru-RU" smtClean="0"/>
               <a:pPr/>
-              <a:t>14.04.2024</a:t>
+              <a:t>15.04.2024</a:t>
             </a:fld>
             <a:endParaRPr lang="ru-RU"/>
           </a:p>
@@ -3046,7 +3046,7 @@
             <a:fld id="{85A5DE44-605B-4D3B-B2B7-94543DF81A36}" type="datetimeFigureOut">
               <a:rPr lang="ru-RU" smtClean="0"/>
               <a:pPr/>
-              <a:t>14.04.2024</a:t>
+              <a:t>15.04.2024</a:t>
             </a:fld>
             <a:endParaRPr lang="ru-RU"/>
           </a:p>
@@ -11142,7 +11142,7 @@
         </p:nvSpPr>
         <p:spPr>
           <a:xfrm>
-            <a:off x="4634912" y="27236572"/>
+            <a:off x="4634912" y="27224540"/>
             <a:ext cx="2115918" cy="1080000"/>
           </a:xfrm>
           <a:prstGeom prst="rect">
@@ -11435,7 +11435,7 @@
         </p:nvSpPr>
         <p:spPr>
           <a:xfrm>
-            <a:off x="9210912" y="28829259"/>
+            <a:off x="9198880" y="28829259"/>
             <a:ext cx="2115918" cy="1080000"/>
           </a:xfrm>
           <a:prstGeom prst="rect">
@@ -11912,8 +11912,8 @@
         </p:nvCxnSpPr>
         <p:spPr>
           <a:xfrm rot="16200000" flipH="1">
-            <a:off x="8825397" y="27385785"/>
-            <a:ext cx="532712" cy="2354235"/>
+            <a:off x="8819381" y="27391801"/>
+            <a:ext cx="532712" cy="2342203"/>
           </a:xfrm>
           <a:prstGeom prst="bentConnector3">
             <a:avLst>
@@ -12184,8 +12184,8 @@
         </p:nvCxnSpPr>
         <p:spPr>
           <a:xfrm rot="5400000">
-            <a:off x="4913093" y="27978966"/>
-            <a:ext cx="442173" cy="1117384"/>
+            <a:off x="4907077" y="27972950"/>
+            <a:ext cx="454205" cy="1117384"/>
           </a:xfrm>
           <a:prstGeom prst="bentConnector3">
             <a:avLst>
@@ -12222,8 +12222,8 @@
         </p:nvCxnSpPr>
         <p:spPr>
           <a:xfrm rot="5400000">
-            <a:off x="6553545" y="25875481"/>
-            <a:ext cx="500418" cy="2221765"/>
+            <a:off x="6559561" y="25869465"/>
+            <a:ext cx="488386" cy="2221765"/>
           </a:xfrm>
           <a:prstGeom prst="bentConnector3">
             <a:avLst>
@@ -19457,6 +19457,7 @@
         <p:nvCxnSpPr>
           <p:cNvPr id="664" name="Соединительная линия уступом 663"/>
           <p:cNvCxnSpPr>
+            <a:cxnSpLocks/>
             <a:stCxn id="411" idx="2"/>
             <a:endCxn id="431" idx="0"/>
           </p:cNvCxnSpPr>
@@ -19921,13 +19922,8 @@
             <a:pPr algn="ctr"/>
             <a:r>
               <a:rPr lang="ru-RU" sz="1400" dirty="0"/>
-              <a:t>Постепенное </a:t>
-            </a:r>
-            <a:r>
-              <a:rPr lang="ru-RU" sz="1400" dirty="0" err="1"/>
-              <a:t>импортозамещение</a:t>
-            </a:r>
-            <a:endParaRPr lang="ru-RU" sz="1400" dirty="0"/>
+              <a:t>Постепенное импортозамещение</a:t>
+            </a:r>
           </a:p>
         </p:txBody>
       </p:sp>
@@ -28107,8 +28103,8 @@
         </p:blipFill>
         <p:spPr>
           <a:xfrm>
-            <a:off x="28753305" y="13357581"/>
-            <a:ext cx="1245285" cy="1091373"/>
+            <a:off x="28670278" y="13274080"/>
+            <a:ext cx="1422532" cy="1246713"/>
           </a:xfrm>
           <a:prstGeom prst="rect">
             <a:avLst/>
@@ -29583,8 +29579,8 @@
         </p:blipFill>
         <p:spPr>
           <a:xfrm>
-            <a:off x="5639184" y="18968916"/>
-            <a:ext cx="1777271" cy="1719940"/>
+            <a:off x="5688405" y="18968916"/>
+            <a:ext cx="1715738" cy="1660392"/>
           </a:xfrm>
           <a:prstGeom prst="rect">
             <a:avLst/>
@@ -29729,6 +29725,1158 @@
           <a:xfrm>
             <a:off x="11691725" y="25583926"/>
             <a:ext cx="1698193" cy="1349846"/>
+          </a:xfrm>
+          <a:prstGeom prst="rect">
+            <a:avLst/>
+          </a:prstGeom>
+        </p:spPr>
+      </p:pic>
+      <p:pic>
+        <p:nvPicPr>
+          <p:cNvPr id="12" name="Рисунок 11">
+            <a:extLst>
+              <a:ext uri="{FF2B5EF4-FFF2-40B4-BE49-F238E27FC236}">
+                <a16:creationId xmlns:a16="http://schemas.microsoft.com/office/drawing/2014/main" id="{D92F9A18-D64F-429D-8EDE-747C6C82237F}"/>
+              </a:ext>
+            </a:extLst>
+          </p:cNvPr>
+          <p:cNvPicPr>
+            <a:picLocks noChangeAspect="1"/>
+          </p:cNvPicPr>
+          <p:nvPr/>
+        </p:nvPicPr>
+        <p:blipFill>
+          <a:blip r:embed="rId50">
+            <a:extLst>
+              <a:ext uri="{28A0092B-C50C-407E-A947-70E740481C1C}">
+                <a14:useLocalDpi xmlns:a14="http://schemas.microsoft.com/office/drawing/2010/main" val="0"/>
+              </a:ext>
+            </a:extLst>
+          </a:blip>
+          <a:stretch>
+            <a:fillRect/>
+          </a:stretch>
+        </p:blipFill>
+        <p:spPr>
+          <a:xfrm>
+            <a:off x="10712373" y="13276687"/>
+            <a:ext cx="1404453" cy="1235919"/>
+          </a:xfrm>
+          <a:prstGeom prst="rect">
+            <a:avLst/>
+          </a:prstGeom>
+        </p:spPr>
+      </p:pic>
+      <p:pic>
+        <p:nvPicPr>
+          <p:cNvPr id="34" name="Рисунок 33">
+            <a:extLst>
+              <a:ext uri="{FF2B5EF4-FFF2-40B4-BE49-F238E27FC236}">
+                <a16:creationId xmlns:a16="http://schemas.microsoft.com/office/drawing/2014/main" id="{B198A228-0D72-438C-B01D-23AE5AF1442C}"/>
+              </a:ext>
+            </a:extLst>
+          </p:cNvPr>
+          <p:cNvPicPr>
+            <a:picLocks noChangeAspect="1"/>
+          </p:cNvPicPr>
+          <p:nvPr/>
+        </p:nvPicPr>
+        <p:blipFill>
+          <a:blip r:embed="rId51">
+            <a:extLst>
+              <a:ext uri="{28A0092B-C50C-407E-A947-70E740481C1C}">
+                <a14:useLocalDpi xmlns:a14="http://schemas.microsoft.com/office/drawing/2010/main" val="0"/>
+              </a:ext>
+            </a:extLst>
+          </a:blip>
+          <a:stretch>
+            <a:fillRect/>
+          </a:stretch>
+        </p:blipFill>
+        <p:spPr>
+          <a:xfrm>
+            <a:off x="15162552" y="13264245"/>
+            <a:ext cx="1403312" cy="1234914"/>
+          </a:xfrm>
+          <a:prstGeom prst="rect">
+            <a:avLst/>
+          </a:prstGeom>
+        </p:spPr>
+      </p:pic>
+      <p:pic>
+        <p:nvPicPr>
+          <p:cNvPr id="42" name="Рисунок 41">
+            <a:extLst>
+              <a:ext uri="{FF2B5EF4-FFF2-40B4-BE49-F238E27FC236}">
+                <a16:creationId xmlns:a16="http://schemas.microsoft.com/office/drawing/2014/main" id="{55495627-E605-4A61-B057-D887D4D85DA5}"/>
+              </a:ext>
+            </a:extLst>
+          </p:cNvPr>
+          <p:cNvPicPr>
+            <a:picLocks noChangeAspect="1"/>
+          </p:cNvPicPr>
+          <p:nvPr/>
+        </p:nvPicPr>
+        <p:blipFill>
+          <a:blip r:embed="rId52">
+            <a:extLst>
+              <a:ext uri="{28A0092B-C50C-407E-A947-70E740481C1C}">
+                <a14:useLocalDpi xmlns:a14="http://schemas.microsoft.com/office/drawing/2010/main" val="0"/>
+              </a:ext>
+            </a:extLst>
+          </a:blip>
+          <a:stretch>
+            <a:fillRect/>
+          </a:stretch>
+        </p:blipFill>
+        <p:spPr>
+          <a:xfrm>
+            <a:off x="12971125" y="14804370"/>
+            <a:ext cx="1331126" cy="1171391"/>
+          </a:xfrm>
+          <a:prstGeom prst="rect">
+            <a:avLst/>
+          </a:prstGeom>
+        </p:spPr>
+      </p:pic>
+      <p:pic>
+        <p:nvPicPr>
+          <p:cNvPr id="54" name="Рисунок 53">
+            <a:extLst>
+              <a:ext uri="{FF2B5EF4-FFF2-40B4-BE49-F238E27FC236}">
+                <a16:creationId xmlns:a16="http://schemas.microsoft.com/office/drawing/2014/main" id="{3F5A0603-3570-4B9F-9354-91A77295B9D0}"/>
+              </a:ext>
+            </a:extLst>
+          </p:cNvPr>
+          <p:cNvPicPr>
+            <a:picLocks noChangeAspect="1"/>
+          </p:cNvPicPr>
+          <p:nvPr/>
+        </p:nvPicPr>
+        <p:blipFill>
+          <a:blip r:embed="rId53">
+            <a:extLst>
+              <a:ext uri="{28A0092B-C50C-407E-A947-70E740481C1C}">
+                <a14:useLocalDpi xmlns:a14="http://schemas.microsoft.com/office/drawing/2010/main" val="0"/>
+              </a:ext>
+            </a:extLst>
+          </a:blip>
+          <a:stretch>
+            <a:fillRect/>
+          </a:stretch>
+        </p:blipFill>
+        <p:spPr>
+          <a:xfrm>
+            <a:off x="11736969" y="16362181"/>
+            <a:ext cx="1513023" cy="1210418"/>
+          </a:xfrm>
+          <a:prstGeom prst="rect">
+            <a:avLst/>
+          </a:prstGeom>
+        </p:spPr>
+      </p:pic>
+      <p:pic>
+        <p:nvPicPr>
+          <p:cNvPr id="58" name="Рисунок 57">
+            <a:extLst>
+              <a:ext uri="{FF2B5EF4-FFF2-40B4-BE49-F238E27FC236}">
+                <a16:creationId xmlns:a16="http://schemas.microsoft.com/office/drawing/2014/main" id="{74DB3747-FB9A-4E33-845B-0905B81A91BC}"/>
+              </a:ext>
+            </a:extLst>
+          </p:cNvPr>
+          <p:cNvPicPr>
+            <a:picLocks noChangeAspect="1"/>
+          </p:cNvPicPr>
+          <p:nvPr/>
+        </p:nvPicPr>
+        <p:blipFill>
+          <a:blip r:embed="rId54">
+            <a:extLst>
+              <a:ext uri="{28A0092B-C50C-407E-A947-70E740481C1C}">
+                <a14:useLocalDpi xmlns:a14="http://schemas.microsoft.com/office/drawing/2010/main" val="0"/>
+              </a:ext>
+            </a:extLst>
+          </a:blip>
+          <a:stretch>
+            <a:fillRect/>
+          </a:stretch>
+        </p:blipFill>
+        <p:spPr>
+          <a:xfrm>
+            <a:off x="14046805" y="16353296"/>
+            <a:ext cx="1563302" cy="1250641"/>
+          </a:xfrm>
+          <a:prstGeom prst="rect">
+            <a:avLst/>
+          </a:prstGeom>
+        </p:spPr>
+      </p:pic>
+      <p:pic>
+        <p:nvPicPr>
+          <p:cNvPr id="61" name="Рисунок 60">
+            <a:extLst>
+              <a:ext uri="{FF2B5EF4-FFF2-40B4-BE49-F238E27FC236}">
+                <a16:creationId xmlns:a16="http://schemas.microsoft.com/office/drawing/2014/main" id="{7C0D1A82-C84D-40E0-BA60-D9E898CCC9A4}"/>
+              </a:ext>
+            </a:extLst>
+          </p:cNvPr>
+          <p:cNvPicPr>
+            <a:picLocks noChangeAspect="1"/>
+          </p:cNvPicPr>
+          <p:nvPr/>
+        </p:nvPicPr>
+        <p:blipFill>
+          <a:blip r:embed="rId55">
+            <a:extLst>
+              <a:ext uri="{28A0092B-C50C-407E-A947-70E740481C1C}">
+                <a14:useLocalDpi xmlns:a14="http://schemas.microsoft.com/office/drawing/2010/main" val="0"/>
+              </a:ext>
+            </a:extLst>
+          </a:blip>
+          <a:stretch>
+            <a:fillRect/>
+          </a:stretch>
+        </p:blipFill>
+        <p:spPr>
+          <a:xfrm>
+            <a:off x="12906432" y="17783487"/>
+            <a:ext cx="1456049" cy="1164839"/>
+          </a:xfrm>
+          <a:prstGeom prst="rect">
+            <a:avLst/>
+          </a:prstGeom>
+        </p:spPr>
+      </p:pic>
+      <p:pic>
+        <p:nvPicPr>
+          <p:cNvPr id="63" name="Рисунок 62">
+            <a:extLst>
+              <a:ext uri="{FF2B5EF4-FFF2-40B4-BE49-F238E27FC236}">
+                <a16:creationId xmlns:a16="http://schemas.microsoft.com/office/drawing/2014/main" id="{9F5A17E4-A0E6-4EBF-9A47-2ED8E39C35DD}"/>
+              </a:ext>
+            </a:extLst>
+          </p:cNvPr>
+          <p:cNvPicPr>
+            <a:picLocks noChangeAspect="1"/>
+          </p:cNvPicPr>
+          <p:nvPr/>
+        </p:nvPicPr>
+        <p:blipFill>
+          <a:blip r:embed="rId56">
+            <a:extLst>
+              <a:ext uri="{28A0092B-C50C-407E-A947-70E740481C1C}">
+                <a14:useLocalDpi xmlns:a14="http://schemas.microsoft.com/office/drawing/2010/main" val="0"/>
+              </a:ext>
+            </a:extLst>
+          </a:blip>
+          <a:stretch>
+            <a:fillRect/>
+          </a:stretch>
+        </p:blipFill>
+        <p:spPr>
+          <a:xfrm>
+            <a:off x="15160060" y="17731947"/>
+            <a:ext cx="1543643" cy="1234914"/>
+          </a:xfrm>
+          <a:prstGeom prst="rect">
+            <a:avLst/>
+          </a:prstGeom>
+        </p:spPr>
+      </p:pic>
+      <p:pic>
+        <p:nvPicPr>
+          <p:cNvPr id="454" name="Рисунок 453">
+            <a:extLst>
+              <a:ext uri="{FF2B5EF4-FFF2-40B4-BE49-F238E27FC236}">
+                <a16:creationId xmlns:a16="http://schemas.microsoft.com/office/drawing/2014/main" id="{594B4418-78DD-4C57-AB0C-DEB36EB85634}"/>
+              </a:ext>
+            </a:extLst>
+          </p:cNvPr>
+          <p:cNvPicPr>
+            <a:picLocks noChangeAspect="1"/>
+          </p:cNvPicPr>
+          <p:nvPr/>
+        </p:nvPicPr>
+        <p:blipFill>
+          <a:blip r:embed="rId57">
+            <a:extLst>
+              <a:ext uri="{28A0092B-C50C-407E-A947-70E740481C1C}">
+                <a14:useLocalDpi xmlns:a14="http://schemas.microsoft.com/office/drawing/2010/main" val="0"/>
+              </a:ext>
+            </a:extLst>
+          </a:blip>
+          <a:stretch>
+            <a:fillRect/>
+          </a:stretch>
+        </p:blipFill>
+        <p:spPr>
+          <a:xfrm>
+            <a:off x="10629749" y="17740682"/>
+            <a:ext cx="1524956" cy="1219965"/>
+          </a:xfrm>
+          <a:prstGeom prst="rect">
+            <a:avLst/>
+          </a:prstGeom>
+        </p:spPr>
+      </p:pic>
+      <p:pic>
+        <p:nvPicPr>
+          <p:cNvPr id="28" name="Рисунок 27">
+            <a:extLst>
+              <a:ext uri="{FF2B5EF4-FFF2-40B4-BE49-F238E27FC236}">
+                <a16:creationId xmlns:a16="http://schemas.microsoft.com/office/drawing/2014/main" id="{1F8DEC16-9880-4F9E-B2E7-7D2AF0D62A29}"/>
+              </a:ext>
+            </a:extLst>
+          </p:cNvPr>
+          <p:cNvPicPr>
+            <a:picLocks noChangeAspect="1"/>
+          </p:cNvPicPr>
+          <p:nvPr/>
+        </p:nvPicPr>
+        <p:blipFill>
+          <a:blip r:embed="rId58">
+            <a:extLst>
+              <a:ext uri="{28A0092B-C50C-407E-A947-70E740481C1C}">
+                <a14:useLocalDpi xmlns:a14="http://schemas.microsoft.com/office/drawing/2010/main" val="0"/>
+              </a:ext>
+            </a:extLst>
+          </a:blip>
+          <a:stretch>
+            <a:fillRect/>
+          </a:stretch>
+        </p:blipFill>
+        <p:spPr>
+          <a:xfrm>
+            <a:off x="17344243" y="13202241"/>
+            <a:ext cx="1630273" cy="1304218"/>
+          </a:xfrm>
+          <a:prstGeom prst="rect">
+            <a:avLst/>
+          </a:prstGeom>
+        </p:spPr>
+      </p:pic>
+      <p:pic>
+        <p:nvPicPr>
+          <p:cNvPr id="50" name="Рисунок 49">
+            <a:extLst>
+              <a:ext uri="{FF2B5EF4-FFF2-40B4-BE49-F238E27FC236}">
+                <a16:creationId xmlns:a16="http://schemas.microsoft.com/office/drawing/2014/main" id="{99E25CC1-4C98-4D27-B3CB-BD585C294193}"/>
+              </a:ext>
+            </a:extLst>
+          </p:cNvPr>
+          <p:cNvPicPr>
+            <a:picLocks noChangeAspect="1"/>
+          </p:cNvPicPr>
+          <p:nvPr/>
+        </p:nvPicPr>
+        <p:blipFill>
+          <a:blip r:embed="rId59">
+            <a:extLst>
+              <a:ext uri="{28A0092B-C50C-407E-A947-70E740481C1C}">
+                <a14:useLocalDpi xmlns:a14="http://schemas.microsoft.com/office/drawing/2010/main" val="0"/>
+              </a:ext>
+            </a:extLst>
+          </a:blip>
+          <a:stretch>
+            <a:fillRect/>
+          </a:stretch>
+        </p:blipFill>
+        <p:spPr>
+          <a:xfrm>
+            <a:off x="11781809" y="9806466"/>
+            <a:ext cx="1572262" cy="1383591"/>
+          </a:xfrm>
+          <a:prstGeom prst="rect">
+            <a:avLst/>
+          </a:prstGeom>
+        </p:spPr>
+      </p:pic>
+      <p:pic>
+        <p:nvPicPr>
+          <p:cNvPr id="60" name="Рисунок 59">
+            <a:extLst>
+              <a:ext uri="{FF2B5EF4-FFF2-40B4-BE49-F238E27FC236}">
+                <a16:creationId xmlns:a16="http://schemas.microsoft.com/office/drawing/2014/main" id="{6B6A88E8-0CBF-4711-AC58-92BA72C2E1BC}"/>
+              </a:ext>
+            </a:extLst>
+          </p:cNvPr>
+          <p:cNvPicPr>
+            <a:picLocks noChangeAspect="1"/>
+          </p:cNvPicPr>
+          <p:nvPr/>
+        </p:nvPicPr>
+        <p:blipFill>
+          <a:blip r:embed="rId60">
+            <a:extLst>
+              <a:ext uri="{28A0092B-C50C-407E-A947-70E740481C1C}">
+                <a14:useLocalDpi xmlns:a14="http://schemas.microsoft.com/office/drawing/2010/main" val="0"/>
+              </a:ext>
+            </a:extLst>
+          </a:blip>
+          <a:stretch>
+            <a:fillRect/>
+          </a:stretch>
+        </p:blipFill>
+        <p:spPr>
+          <a:xfrm>
+            <a:off x="21903357" y="13321591"/>
+            <a:ext cx="1377274" cy="1101819"/>
+          </a:xfrm>
+          <a:prstGeom prst="rect">
+            <a:avLst/>
+          </a:prstGeom>
+        </p:spPr>
+      </p:pic>
+      <p:pic>
+        <p:nvPicPr>
+          <p:cNvPr id="452" name="Рисунок 451">
+            <a:extLst>
+              <a:ext uri="{FF2B5EF4-FFF2-40B4-BE49-F238E27FC236}">
+                <a16:creationId xmlns:a16="http://schemas.microsoft.com/office/drawing/2014/main" id="{5ED4A1D8-8D5A-4C49-AA8C-DB8DFFCAB227}"/>
+              </a:ext>
+            </a:extLst>
+          </p:cNvPr>
+          <p:cNvPicPr>
+            <a:picLocks noChangeAspect="1"/>
+          </p:cNvPicPr>
+          <p:nvPr/>
+        </p:nvPicPr>
+        <p:blipFill>
+          <a:blip r:embed="rId61">
+            <a:extLst>
+              <a:ext uri="{28A0092B-C50C-407E-A947-70E740481C1C}">
+                <a14:useLocalDpi xmlns:a14="http://schemas.microsoft.com/office/drawing/2010/main" val="0"/>
+              </a:ext>
+            </a:extLst>
+          </a:blip>
+          <a:stretch>
+            <a:fillRect/>
+          </a:stretch>
+        </p:blipFill>
+        <p:spPr>
+          <a:xfrm>
+            <a:off x="19638588" y="13275787"/>
+            <a:ext cx="1461081" cy="1168864"/>
+          </a:xfrm>
+          <a:prstGeom prst="rect">
+            <a:avLst/>
+          </a:prstGeom>
+        </p:spPr>
+      </p:pic>
+      <p:pic>
+        <p:nvPicPr>
+          <p:cNvPr id="463" name="Рисунок 462">
+            <a:extLst>
+              <a:ext uri="{FF2B5EF4-FFF2-40B4-BE49-F238E27FC236}">
+                <a16:creationId xmlns:a16="http://schemas.microsoft.com/office/drawing/2014/main" id="{BF5DA390-1EFF-4DDC-9216-B3015821CB34}"/>
+              </a:ext>
+            </a:extLst>
+          </p:cNvPr>
+          <p:cNvPicPr>
+            <a:picLocks noChangeAspect="1"/>
+          </p:cNvPicPr>
+          <p:nvPr/>
+        </p:nvPicPr>
+        <p:blipFill>
+          <a:blip r:embed="rId62">
+            <a:extLst>
+              <a:ext uri="{28A0092B-C50C-407E-A947-70E740481C1C}">
+                <a14:useLocalDpi xmlns:a14="http://schemas.microsoft.com/office/drawing/2010/main" val="0"/>
+              </a:ext>
+            </a:extLst>
+          </a:blip>
+          <a:stretch>
+            <a:fillRect/>
+          </a:stretch>
+        </p:blipFill>
+        <p:spPr>
+          <a:xfrm>
+            <a:off x="24071717" y="14690340"/>
+            <a:ext cx="1532973" cy="1518373"/>
+          </a:xfrm>
+          <a:prstGeom prst="rect">
+            <a:avLst/>
+          </a:prstGeom>
+        </p:spPr>
+      </p:pic>
+      <p:pic>
+        <p:nvPicPr>
+          <p:cNvPr id="472" name="Рисунок 471">
+            <a:extLst>
+              <a:ext uri="{FF2B5EF4-FFF2-40B4-BE49-F238E27FC236}">
+                <a16:creationId xmlns:a16="http://schemas.microsoft.com/office/drawing/2014/main" id="{9BDA4F35-B9D2-4AEF-B771-50BF69F851CF}"/>
+              </a:ext>
+            </a:extLst>
+          </p:cNvPr>
+          <p:cNvPicPr>
+            <a:picLocks noChangeAspect="1"/>
+          </p:cNvPicPr>
+          <p:nvPr/>
+        </p:nvPicPr>
+        <p:blipFill>
+          <a:blip r:embed="rId63">
+            <a:extLst>
+              <a:ext uri="{28A0092B-C50C-407E-A947-70E740481C1C}">
+                <a14:useLocalDpi xmlns:a14="http://schemas.microsoft.com/office/drawing/2010/main" val="0"/>
+              </a:ext>
+            </a:extLst>
+          </a:blip>
+          <a:stretch>
+            <a:fillRect/>
+          </a:stretch>
+        </p:blipFill>
+        <p:spPr>
+          <a:xfrm>
+            <a:off x="21806217" y="14841080"/>
+            <a:ext cx="1552231" cy="1321048"/>
+          </a:xfrm>
+          <a:prstGeom prst="rect">
+            <a:avLst/>
+          </a:prstGeom>
+        </p:spPr>
+      </p:pic>
+      <p:pic>
+        <p:nvPicPr>
+          <p:cNvPr id="474" name="Рисунок 473">
+            <a:extLst>
+              <a:ext uri="{FF2B5EF4-FFF2-40B4-BE49-F238E27FC236}">
+                <a16:creationId xmlns:a16="http://schemas.microsoft.com/office/drawing/2014/main" id="{E4F10C91-AC92-45CB-B2B7-4893944B76AC}"/>
+              </a:ext>
+            </a:extLst>
+          </p:cNvPr>
+          <p:cNvPicPr>
+            <a:picLocks noChangeAspect="1"/>
+          </p:cNvPicPr>
+          <p:nvPr/>
+        </p:nvPicPr>
+        <p:blipFill>
+          <a:blip r:embed="rId64">
+            <a:extLst>
+              <a:ext uri="{28A0092B-C50C-407E-A947-70E740481C1C}">
+                <a14:useLocalDpi xmlns:a14="http://schemas.microsoft.com/office/drawing/2010/main" val="0"/>
+              </a:ext>
+            </a:extLst>
+          </a:blip>
+          <a:stretch>
+            <a:fillRect/>
+          </a:stretch>
+        </p:blipFill>
+        <p:spPr>
+          <a:xfrm>
+            <a:off x="16200105" y="14728582"/>
+            <a:ext cx="1673118" cy="1338494"/>
+          </a:xfrm>
+          <a:prstGeom prst="rect">
+            <a:avLst/>
+          </a:prstGeom>
+        </p:spPr>
+      </p:pic>
+      <p:pic>
+        <p:nvPicPr>
+          <p:cNvPr id="480" name="Рисунок 479">
+            <a:extLst>
+              <a:ext uri="{FF2B5EF4-FFF2-40B4-BE49-F238E27FC236}">
+                <a16:creationId xmlns:a16="http://schemas.microsoft.com/office/drawing/2014/main" id="{D9DA4991-7A8A-4807-985B-E6EB70230BC9}"/>
+              </a:ext>
+            </a:extLst>
+          </p:cNvPr>
+          <p:cNvPicPr>
+            <a:picLocks noChangeAspect="1"/>
+          </p:cNvPicPr>
+          <p:nvPr/>
+        </p:nvPicPr>
+        <p:blipFill>
+          <a:blip r:embed="rId65">
+            <a:extLst>
+              <a:ext uri="{28A0092B-C50C-407E-A947-70E740481C1C}">
+                <a14:useLocalDpi xmlns:a14="http://schemas.microsoft.com/office/drawing/2010/main" val="0"/>
+              </a:ext>
+            </a:extLst>
+          </a:blip>
+          <a:stretch>
+            <a:fillRect/>
+          </a:stretch>
+        </p:blipFill>
+        <p:spPr>
+          <a:xfrm>
+            <a:off x="16201698" y="16281071"/>
+            <a:ext cx="1624072" cy="1299257"/>
+          </a:xfrm>
+          <a:prstGeom prst="rect">
+            <a:avLst/>
+          </a:prstGeom>
+        </p:spPr>
+      </p:pic>
+      <p:pic>
+        <p:nvPicPr>
+          <p:cNvPr id="500" name="Рисунок 499">
+            <a:extLst>
+              <a:ext uri="{FF2B5EF4-FFF2-40B4-BE49-F238E27FC236}">
+                <a16:creationId xmlns:a16="http://schemas.microsoft.com/office/drawing/2014/main" id="{CD4DF6A1-1D95-404A-A70B-FE17F7F2361A}"/>
+              </a:ext>
+            </a:extLst>
+          </p:cNvPr>
+          <p:cNvPicPr>
+            <a:picLocks noChangeAspect="1"/>
+          </p:cNvPicPr>
+          <p:nvPr/>
+        </p:nvPicPr>
+        <p:blipFill>
+          <a:blip r:embed="rId66">
+            <a:extLst>
+              <a:ext uri="{28A0092B-C50C-407E-A947-70E740481C1C}">
+                <a14:useLocalDpi xmlns:a14="http://schemas.microsoft.com/office/drawing/2010/main" val="0"/>
+              </a:ext>
+            </a:extLst>
+          </a:blip>
+          <a:stretch>
+            <a:fillRect/>
+          </a:stretch>
+        </p:blipFill>
+        <p:spPr>
+          <a:xfrm>
+            <a:off x="18521020" y="16340585"/>
+            <a:ext cx="1526161" cy="1220928"/>
+          </a:xfrm>
+          <a:prstGeom prst="rect">
+            <a:avLst/>
+          </a:prstGeom>
+        </p:spPr>
+      </p:pic>
+      <p:pic>
+        <p:nvPicPr>
+          <p:cNvPr id="509" name="Рисунок 508">
+            <a:extLst>
+              <a:ext uri="{FF2B5EF4-FFF2-40B4-BE49-F238E27FC236}">
+                <a16:creationId xmlns:a16="http://schemas.microsoft.com/office/drawing/2014/main" id="{622A3B40-B368-48F9-A118-D8E6477DD0FA}"/>
+              </a:ext>
+            </a:extLst>
+          </p:cNvPr>
+          <p:cNvPicPr>
+            <a:picLocks noChangeAspect="1"/>
+          </p:cNvPicPr>
+          <p:nvPr/>
+        </p:nvPicPr>
+        <p:blipFill>
+          <a:blip r:embed="rId67">
+            <a:extLst>
+              <a:ext uri="{28A0092B-C50C-407E-A947-70E740481C1C}">
+                <a14:useLocalDpi xmlns:a14="http://schemas.microsoft.com/office/drawing/2010/main" val="0"/>
+              </a:ext>
+            </a:extLst>
+          </a:blip>
+          <a:stretch>
+            <a:fillRect/>
+          </a:stretch>
+        </p:blipFill>
+        <p:spPr>
+          <a:xfrm>
+            <a:off x="23901723" y="13185032"/>
+            <a:ext cx="1726013" cy="1380810"/>
+          </a:xfrm>
+          <a:prstGeom prst="rect">
+            <a:avLst/>
+          </a:prstGeom>
+        </p:spPr>
+      </p:pic>
+      <p:pic>
+        <p:nvPicPr>
+          <p:cNvPr id="65" name="Рисунок 64">
+            <a:extLst>
+              <a:ext uri="{FF2B5EF4-FFF2-40B4-BE49-F238E27FC236}">
+                <a16:creationId xmlns:a16="http://schemas.microsoft.com/office/drawing/2014/main" id="{B94FBC02-97FD-48DA-BFF9-D944CD66F989}"/>
+              </a:ext>
+            </a:extLst>
+          </p:cNvPr>
+          <p:cNvPicPr>
+            <a:picLocks noChangeAspect="1"/>
+          </p:cNvPicPr>
+          <p:nvPr/>
+        </p:nvPicPr>
+        <p:blipFill>
+          <a:blip r:embed="rId68">
+            <a:extLst>
+              <a:ext uri="{28A0092B-C50C-407E-A947-70E740481C1C}">
+                <a14:useLocalDpi xmlns:a14="http://schemas.microsoft.com/office/drawing/2010/main" val="0"/>
+              </a:ext>
+            </a:extLst>
+          </a:blip>
+          <a:stretch>
+            <a:fillRect/>
+          </a:stretch>
+        </p:blipFill>
+        <p:spPr>
+          <a:xfrm>
+            <a:off x="21824586" y="16271519"/>
+            <a:ext cx="1572956" cy="1384202"/>
+          </a:xfrm>
+          <a:prstGeom prst="rect">
+            <a:avLst/>
+          </a:prstGeom>
+        </p:spPr>
+      </p:pic>
+      <p:pic>
+        <p:nvPicPr>
+          <p:cNvPr id="68" name="Рисунок 67">
+            <a:extLst>
+              <a:ext uri="{FF2B5EF4-FFF2-40B4-BE49-F238E27FC236}">
+                <a16:creationId xmlns:a16="http://schemas.microsoft.com/office/drawing/2014/main" id="{138FF519-281A-4AF3-8D09-2579FD91210D}"/>
+              </a:ext>
+            </a:extLst>
+          </p:cNvPr>
+          <p:cNvPicPr>
+            <a:picLocks noChangeAspect="1"/>
+          </p:cNvPicPr>
+          <p:nvPr/>
+        </p:nvPicPr>
+        <p:blipFill>
+          <a:blip r:embed="rId69">
+            <a:extLst>
+              <a:ext uri="{28A0092B-C50C-407E-A947-70E740481C1C}">
+                <a14:useLocalDpi xmlns:a14="http://schemas.microsoft.com/office/drawing/2010/main" val="0"/>
+              </a:ext>
+            </a:extLst>
+          </a:blip>
+          <a:stretch>
+            <a:fillRect/>
+          </a:stretch>
+        </p:blipFill>
+        <p:spPr>
+          <a:xfrm>
+            <a:off x="21774419" y="17740682"/>
+            <a:ext cx="1606443" cy="1413671"/>
+          </a:xfrm>
+          <a:prstGeom prst="rect">
+            <a:avLst/>
+          </a:prstGeom>
+        </p:spPr>
+      </p:pic>
+      <p:pic>
+        <p:nvPicPr>
+          <p:cNvPr id="70" name="Рисунок 69">
+            <a:extLst>
+              <a:ext uri="{FF2B5EF4-FFF2-40B4-BE49-F238E27FC236}">
+                <a16:creationId xmlns:a16="http://schemas.microsoft.com/office/drawing/2014/main" id="{708A2D27-AE77-43E2-912E-57E38B367512}"/>
+              </a:ext>
+            </a:extLst>
+          </p:cNvPr>
+          <p:cNvPicPr>
+            <a:picLocks noChangeAspect="1"/>
+          </p:cNvPicPr>
+          <p:nvPr/>
+        </p:nvPicPr>
+        <p:blipFill>
+          <a:blip r:embed="rId70">
+            <a:extLst>
+              <a:ext uri="{28A0092B-C50C-407E-A947-70E740481C1C}">
+                <a14:useLocalDpi xmlns:a14="http://schemas.microsoft.com/office/drawing/2010/main" val="0"/>
+              </a:ext>
+            </a:extLst>
+          </a:blip>
+          <a:stretch>
+            <a:fillRect/>
+          </a:stretch>
+        </p:blipFill>
+        <p:spPr>
+          <a:xfrm>
+            <a:off x="18448862" y="14696058"/>
+            <a:ext cx="1663471" cy="1330776"/>
+          </a:xfrm>
+          <a:prstGeom prst="rect">
+            <a:avLst/>
+          </a:prstGeom>
+        </p:spPr>
+      </p:pic>
+      <p:pic>
+        <p:nvPicPr>
+          <p:cNvPr id="72" name="Рисунок 71">
+            <a:extLst>
+              <a:ext uri="{FF2B5EF4-FFF2-40B4-BE49-F238E27FC236}">
+                <a16:creationId xmlns:a16="http://schemas.microsoft.com/office/drawing/2014/main" id="{21B06E8E-82F4-4A03-BD7B-BC1DEED82221}"/>
+              </a:ext>
+            </a:extLst>
+          </p:cNvPr>
+          <p:cNvPicPr>
+            <a:picLocks noChangeAspect="1"/>
+          </p:cNvPicPr>
+          <p:nvPr/>
+        </p:nvPicPr>
+        <p:blipFill>
+          <a:blip r:embed="rId71">
+            <a:extLst>
+              <a:ext uri="{28A0092B-C50C-407E-A947-70E740481C1C}">
+                <a14:useLocalDpi xmlns:a14="http://schemas.microsoft.com/office/drawing/2010/main" val="0"/>
+              </a:ext>
+            </a:extLst>
+          </a:blip>
+          <a:stretch>
+            <a:fillRect/>
+          </a:stretch>
+        </p:blipFill>
+        <p:spPr>
+          <a:xfrm>
+            <a:off x="23983883" y="15927888"/>
+            <a:ext cx="1655272" cy="1889646"/>
+          </a:xfrm>
+          <a:prstGeom prst="rect">
+            <a:avLst/>
+          </a:prstGeom>
+        </p:spPr>
+      </p:pic>
+      <p:pic>
+        <p:nvPicPr>
+          <p:cNvPr id="74" name="Рисунок 73">
+            <a:extLst>
+              <a:ext uri="{FF2B5EF4-FFF2-40B4-BE49-F238E27FC236}">
+                <a16:creationId xmlns:a16="http://schemas.microsoft.com/office/drawing/2014/main" id="{A39CF0F5-8BB2-4B24-80DA-395E0C0C7ECD}"/>
+              </a:ext>
+            </a:extLst>
+          </p:cNvPr>
+          <p:cNvPicPr>
+            <a:picLocks noChangeAspect="1"/>
+          </p:cNvPicPr>
+          <p:nvPr/>
+        </p:nvPicPr>
+        <p:blipFill>
+          <a:blip r:embed="rId72">
+            <a:extLst>
+              <a:ext uri="{28A0092B-C50C-407E-A947-70E740481C1C}">
+                <a14:useLocalDpi xmlns:a14="http://schemas.microsoft.com/office/drawing/2010/main" val="0"/>
+              </a:ext>
+            </a:extLst>
+          </a:blip>
+          <a:stretch>
+            <a:fillRect/>
+          </a:stretch>
+        </p:blipFill>
+        <p:spPr>
+          <a:xfrm>
+            <a:off x="26249477" y="14578177"/>
+            <a:ext cx="1687520" cy="1785959"/>
+          </a:xfrm>
+          <a:prstGeom prst="rect">
+            <a:avLst/>
+          </a:prstGeom>
+        </p:spPr>
+      </p:pic>
+      <p:pic>
+        <p:nvPicPr>
+          <p:cNvPr id="76" name="Рисунок 75">
+            <a:extLst>
+              <a:ext uri="{FF2B5EF4-FFF2-40B4-BE49-F238E27FC236}">
+                <a16:creationId xmlns:a16="http://schemas.microsoft.com/office/drawing/2014/main" id="{EFA9BDEA-CFA4-4308-A34A-54CD8BE868EA}"/>
+              </a:ext>
+            </a:extLst>
+          </p:cNvPr>
+          <p:cNvPicPr>
+            <a:picLocks noChangeAspect="1"/>
+          </p:cNvPicPr>
+          <p:nvPr/>
+        </p:nvPicPr>
+        <p:blipFill>
+          <a:blip r:embed="rId73">
+            <a:extLst>
+              <a:ext uri="{28A0092B-C50C-407E-A947-70E740481C1C}">
+                <a14:useLocalDpi xmlns:a14="http://schemas.microsoft.com/office/drawing/2010/main" val="0"/>
+              </a:ext>
+            </a:extLst>
+          </a:blip>
+          <a:stretch>
+            <a:fillRect/>
+          </a:stretch>
+        </p:blipFill>
+        <p:spPr>
+          <a:xfrm>
+            <a:off x="26247505" y="16103079"/>
+            <a:ext cx="1654558" cy="1751074"/>
+          </a:xfrm>
+          <a:prstGeom prst="rect">
+            <a:avLst/>
+          </a:prstGeom>
+        </p:spPr>
+      </p:pic>
+      <p:pic>
+        <p:nvPicPr>
+          <p:cNvPr id="78" name="Рисунок 77">
+            <a:extLst>
+              <a:ext uri="{FF2B5EF4-FFF2-40B4-BE49-F238E27FC236}">
+                <a16:creationId xmlns:a16="http://schemas.microsoft.com/office/drawing/2014/main" id="{798275C7-9ADC-4E3B-BECA-F898C545227C}"/>
+              </a:ext>
+            </a:extLst>
+          </p:cNvPr>
+          <p:cNvPicPr>
+            <a:picLocks noChangeAspect="1"/>
+          </p:cNvPicPr>
+          <p:nvPr/>
+        </p:nvPicPr>
+        <p:blipFill>
+          <a:blip r:embed="rId74">
+            <a:extLst>
+              <a:ext uri="{28A0092B-C50C-407E-A947-70E740481C1C}">
+                <a14:useLocalDpi xmlns:a14="http://schemas.microsoft.com/office/drawing/2010/main" val="0"/>
+              </a:ext>
+            </a:extLst>
+          </a:blip>
+          <a:stretch>
+            <a:fillRect/>
+          </a:stretch>
+        </p:blipFill>
+        <p:spPr>
+          <a:xfrm>
+            <a:off x="23889359" y="17518613"/>
+            <a:ext cx="1843755" cy="1951308"/>
+          </a:xfrm>
+          <a:prstGeom prst="rect">
+            <a:avLst/>
+          </a:prstGeom>
+        </p:spPr>
+      </p:pic>
+      <p:pic>
+        <p:nvPicPr>
+          <p:cNvPr id="80" name="Рисунок 79">
+            <a:extLst>
+              <a:ext uri="{FF2B5EF4-FFF2-40B4-BE49-F238E27FC236}">
+                <a16:creationId xmlns:a16="http://schemas.microsoft.com/office/drawing/2014/main" id="{812059A2-D174-4BD0-8B70-D72D4E8A7EF3}"/>
+              </a:ext>
+            </a:extLst>
+          </p:cNvPr>
+          <p:cNvPicPr>
+            <a:picLocks noChangeAspect="1"/>
+          </p:cNvPicPr>
+          <p:nvPr/>
+        </p:nvPicPr>
+        <p:blipFill>
+          <a:blip r:embed="rId75">
+            <a:extLst>
+              <a:ext uri="{28A0092B-C50C-407E-A947-70E740481C1C}">
+                <a14:useLocalDpi xmlns:a14="http://schemas.microsoft.com/office/drawing/2010/main" val="0"/>
+              </a:ext>
+            </a:extLst>
+          </a:blip>
+          <a:stretch>
+            <a:fillRect/>
+          </a:stretch>
+        </p:blipFill>
+        <p:spPr>
+          <a:xfrm>
+            <a:off x="50994053" y="11448050"/>
+            <a:ext cx="1519793" cy="1337419"/>
+          </a:xfrm>
+          <a:prstGeom prst="rect">
+            <a:avLst/>
+          </a:prstGeom>
+        </p:spPr>
+      </p:pic>
+      <p:pic>
+        <p:nvPicPr>
+          <p:cNvPr id="88" name="Рисунок 87">
+            <a:extLst>
+              <a:ext uri="{FF2B5EF4-FFF2-40B4-BE49-F238E27FC236}">
+                <a16:creationId xmlns:a16="http://schemas.microsoft.com/office/drawing/2014/main" id="{CF9B1421-C255-42A1-9529-A2CA01394B00}"/>
+              </a:ext>
+            </a:extLst>
+          </p:cNvPr>
+          <p:cNvPicPr>
+            <a:picLocks noChangeAspect="1"/>
+          </p:cNvPicPr>
+          <p:nvPr/>
+        </p:nvPicPr>
+        <p:blipFill>
+          <a:blip r:embed="rId76">
+            <a:extLst>
+              <a:ext uri="{28A0092B-C50C-407E-A947-70E740481C1C}">
+                <a14:useLocalDpi xmlns:a14="http://schemas.microsoft.com/office/drawing/2010/main" val="0"/>
+              </a:ext>
+            </a:extLst>
+          </a:blip>
+          <a:stretch>
+            <a:fillRect/>
+          </a:stretch>
+        </p:blipFill>
+        <p:spPr>
+          <a:xfrm>
+            <a:off x="7117940" y="23901000"/>
+            <a:ext cx="1601647" cy="1409450"/>
+          </a:xfrm>
+          <a:prstGeom prst="rect">
+            <a:avLst/>
+          </a:prstGeom>
+        </p:spPr>
+      </p:pic>
+      <p:pic>
+        <p:nvPicPr>
+          <p:cNvPr id="92" name="Рисунок 91">
+            <a:extLst>
+              <a:ext uri="{FF2B5EF4-FFF2-40B4-BE49-F238E27FC236}">
+                <a16:creationId xmlns:a16="http://schemas.microsoft.com/office/drawing/2014/main" id="{03981011-D096-4738-8928-696736B8685E}"/>
+              </a:ext>
+            </a:extLst>
+          </p:cNvPr>
+          <p:cNvPicPr>
+            <a:picLocks noChangeAspect="1"/>
+          </p:cNvPicPr>
+          <p:nvPr/>
+        </p:nvPicPr>
+        <p:blipFill>
+          <a:blip r:embed="rId77">
+            <a:extLst>
+              <a:ext uri="{28A0092B-C50C-407E-A947-70E740481C1C}">
+                <a14:useLocalDpi xmlns:a14="http://schemas.microsoft.com/office/drawing/2010/main" val="0"/>
+              </a:ext>
+            </a:extLst>
+          </a:blip>
+          <a:stretch>
+            <a:fillRect/>
+          </a:stretch>
+        </p:blipFill>
+        <p:spPr>
+          <a:xfrm>
+            <a:off x="7202865" y="25583926"/>
+            <a:ext cx="1422803" cy="1250815"/>
+          </a:xfrm>
+          <a:prstGeom prst="rect">
+            <a:avLst/>
+          </a:prstGeom>
+        </p:spPr>
+      </p:pic>
+      <p:pic>
+        <p:nvPicPr>
+          <p:cNvPr id="95" name="Рисунок 94">
+            <a:extLst>
+              <a:ext uri="{FF2B5EF4-FFF2-40B4-BE49-F238E27FC236}">
+                <a16:creationId xmlns:a16="http://schemas.microsoft.com/office/drawing/2014/main" id="{C7E11CD0-013B-4DBE-B4C2-74F6B4EA0C95}"/>
+              </a:ext>
+            </a:extLst>
+          </p:cNvPr>
+          <p:cNvPicPr>
+            <a:picLocks noChangeAspect="1"/>
+          </p:cNvPicPr>
+          <p:nvPr/>
+        </p:nvPicPr>
+        <p:blipFill>
+          <a:blip r:embed="rId78">
+            <a:extLst>
+              <a:ext uri="{28A0092B-C50C-407E-A947-70E740481C1C}">
+                <a14:useLocalDpi xmlns:a14="http://schemas.microsoft.com/office/drawing/2010/main" val="0"/>
+              </a:ext>
+            </a:extLst>
+          </a:blip>
+          <a:stretch>
+            <a:fillRect/>
+          </a:stretch>
+        </p:blipFill>
+        <p:spPr>
+          <a:xfrm>
+            <a:off x="7189310" y="27063172"/>
+            <a:ext cx="1511963" cy="1329198"/>
+          </a:xfrm>
+          <a:prstGeom prst="rect">
+            <a:avLst/>
+          </a:prstGeom>
+        </p:spPr>
+      </p:pic>
+      <p:pic>
+        <p:nvPicPr>
+          <p:cNvPr id="97" name="Рисунок 96">
+            <a:extLst>
+              <a:ext uri="{FF2B5EF4-FFF2-40B4-BE49-F238E27FC236}">
+                <a16:creationId xmlns:a16="http://schemas.microsoft.com/office/drawing/2014/main" id="{9DCE34B0-45E6-4878-B34F-0BD4B1BCD04B}"/>
+              </a:ext>
+            </a:extLst>
+          </p:cNvPr>
+          <p:cNvPicPr>
+            <a:picLocks noChangeAspect="1"/>
+          </p:cNvPicPr>
+          <p:nvPr/>
+        </p:nvPicPr>
+        <p:blipFill>
+          <a:blip r:embed="rId79">
+            <a:extLst>
+              <a:ext uri="{28A0092B-C50C-407E-A947-70E740481C1C}">
+                <a14:useLocalDpi xmlns:a14="http://schemas.microsoft.com/office/drawing/2010/main" val="0"/>
+              </a:ext>
+            </a:extLst>
+          </a:blip>
+          <a:stretch>
+            <a:fillRect/>
+          </a:stretch>
+        </p:blipFill>
+        <p:spPr>
+          <a:xfrm>
+            <a:off x="7131188" y="28697999"/>
+            <a:ext cx="1591442" cy="1400470"/>
+          </a:xfrm>
+          <a:prstGeom prst="rect">
+            <a:avLst/>
+          </a:prstGeom>
+        </p:spPr>
+      </p:pic>
+      <p:pic>
+        <p:nvPicPr>
+          <p:cNvPr id="100" name="Рисунок 99">
+            <a:extLst>
+              <a:ext uri="{FF2B5EF4-FFF2-40B4-BE49-F238E27FC236}">
+                <a16:creationId xmlns:a16="http://schemas.microsoft.com/office/drawing/2014/main" id="{BB23D679-B096-48AD-814D-052BCD67D975}"/>
+              </a:ext>
+            </a:extLst>
+          </p:cNvPr>
+          <p:cNvPicPr>
+            <a:picLocks noChangeAspect="1"/>
+          </p:cNvPicPr>
+          <p:nvPr/>
+        </p:nvPicPr>
+        <p:blipFill>
+          <a:blip r:embed="rId80">
+            <a:extLst>
+              <a:ext uri="{28A0092B-C50C-407E-A947-70E740481C1C}">
+                <a14:useLocalDpi xmlns:a14="http://schemas.microsoft.com/office/drawing/2010/main" val="0"/>
+              </a:ext>
+            </a:extLst>
+          </a:blip>
+          <a:stretch>
+            <a:fillRect/>
+          </a:stretch>
+        </p:blipFill>
+        <p:spPr>
+          <a:xfrm>
+            <a:off x="14060418" y="25547920"/>
+            <a:ext cx="1551856" cy="1365634"/>
+          </a:xfrm>
+          <a:prstGeom prst="rect">
+            <a:avLst/>
+          </a:prstGeom>
+        </p:spPr>
+      </p:pic>
+      <p:pic>
+        <p:nvPicPr>
+          <p:cNvPr id="104" name="Рисунок 103">
+            <a:extLst>
+              <a:ext uri="{FF2B5EF4-FFF2-40B4-BE49-F238E27FC236}">
+                <a16:creationId xmlns:a16="http://schemas.microsoft.com/office/drawing/2014/main" id="{E497D0F4-13DB-4A20-92F3-120C221DE171}"/>
+              </a:ext>
+            </a:extLst>
+          </p:cNvPr>
+          <p:cNvPicPr>
+            <a:picLocks noChangeAspect="1"/>
+          </p:cNvPicPr>
+          <p:nvPr/>
+        </p:nvPicPr>
+        <p:blipFill>
+          <a:blip r:embed="rId81">
+            <a:extLst>
+              <a:ext uri="{28A0092B-C50C-407E-A947-70E740481C1C}">
+                <a14:useLocalDpi xmlns:a14="http://schemas.microsoft.com/office/drawing/2010/main" val="0"/>
+              </a:ext>
+            </a:extLst>
+          </a:blip>
+          <a:stretch>
+            <a:fillRect/>
+          </a:stretch>
+        </p:blipFill>
+        <p:spPr>
+          <a:xfrm>
+            <a:off x="14089745" y="27117065"/>
+            <a:ext cx="1449211" cy="1275306"/>
           </a:xfrm>
           <a:prstGeom prst="rect">
             <a:avLst/>

--- a/Наработки/диздоки/Бирма/Бирма - иконки.pptx
+++ b/Наработки/диздоки/Бирма/Бирма - иконки.pptx
@@ -209,7 +209,7 @@
             <a:fld id="{33E3D7F9-E251-484C-A6FF-FA958879DF69}" type="datetimeFigureOut">
               <a:rPr lang="ru-RU" smtClean="0"/>
               <a:pPr/>
-              <a:t>15.04.2024</a:t>
+              <a:t>19.04.2024</a:t>
             </a:fld>
             <a:endParaRPr lang="ru-RU"/>
           </a:p>
@@ -699,7 +699,7 @@
             <a:fld id="{85A5DE44-605B-4D3B-B2B7-94543DF81A36}" type="datetimeFigureOut">
               <a:rPr lang="ru-RU" smtClean="0"/>
               <a:pPr/>
-              <a:t>15.04.2024</a:t>
+              <a:t>19.04.2024</a:t>
             </a:fld>
             <a:endParaRPr lang="ru-RU"/>
           </a:p>
@@ -871,7 +871,7 @@
             <a:fld id="{85A5DE44-605B-4D3B-B2B7-94543DF81A36}" type="datetimeFigureOut">
               <a:rPr lang="ru-RU" smtClean="0"/>
               <a:pPr/>
-              <a:t>15.04.2024</a:t>
+              <a:t>19.04.2024</a:t>
             </a:fld>
             <a:endParaRPr lang="ru-RU"/>
           </a:p>
@@ -1053,7 +1053,7 @@
             <a:fld id="{85A5DE44-605B-4D3B-B2B7-94543DF81A36}" type="datetimeFigureOut">
               <a:rPr lang="ru-RU" smtClean="0"/>
               <a:pPr/>
-              <a:t>15.04.2024</a:t>
+              <a:t>19.04.2024</a:t>
             </a:fld>
             <a:endParaRPr lang="ru-RU"/>
           </a:p>
@@ -1225,7 +1225,7 @@
             <a:fld id="{85A5DE44-605B-4D3B-B2B7-94543DF81A36}" type="datetimeFigureOut">
               <a:rPr lang="ru-RU" smtClean="0"/>
               <a:pPr/>
-              <a:t>15.04.2024</a:t>
+              <a:t>19.04.2024</a:t>
             </a:fld>
             <a:endParaRPr lang="ru-RU"/>
           </a:p>
@@ -1473,7 +1473,7 @@
             <a:fld id="{85A5DE44-605B-4D3B-B2B7-94543DF81A36}" type="datetimeFigureOut">
               <a:rPr lang="ru-RU" smtClean="0"/>
               <a:pPr/>
-              <a:t>15.04.2024</a:t>
+              <a:t>19.04.2024</a:t>
             </a:fld>
             <a:endParaRPr lang="ru-RU"/>
           </a:p>
@@ -1707,7 +1707,7 @@
             <a:fld id="{85A5DE44-605B-4D3B-B2B7-94543DF81A36}" type="datetimeFigureOut">
               <a:rPr lang="ru-RU" smtClean="0"/>
               <a:pPr/>
-              <a:t>15.04.2024</a:t>
+              <a:t>19.04.2024</a:t>
             </a:fld>
             <a:endParaRPr lang="ru-RU"/>
           </a:p>
@@ -2076,7 +2076,7 @@
             <a:fld id="{85A5DE44-605B-4D3B-B2B7-94543DF81A36}" type="datetimeFigureOut">
               <a:rPr lang="ru-RU" smtClean="0"/>
               <a:pPr/>
-              <a:t>15.04.2024</a:t>
+              <a:t>19.04.2024</a:t>
             </a:fld>
             <a:endParaRPr lang="ru-RU"/>
           </a:p>
@@ -2196,7 +2196,7 @@
             <a:fld id="{85A5DE44-605B-4D3B-B2B7-94543DF81A36}" type="datetimeFigureOut">
               <a:rPr lang="ru-RU" smtClean="0"/>
               <a:pPr/>
-              <a:t>15.04.2024</a:t>
+              <a:t>19.04.2024</a:t>
             </a:fld>
             <a:endParaRPr lang="ru-RU"/>
           </a:p>
@@ -2293,7 +2293,7 @@
             <a:fld id="{85A5DE44-605B-4D3B-B2B7-94543DF81A36}" type="datetimeFigureOut">
               <a:rPr lang="ru-RU" smtClean="0"/>
               <a:pPr/>
-              <a:t>15.04.2024</a:t>
+              <a:t>19.04.2024</a:t>
             </a:fld>
             <a:endParaRPr lang="ru-RU"/>
           </a:p>
@@ -2572,7 +2572,7 @@
             <a:fld id="{85A5DE44-605B-4D3B-B2B7-94543DF81A36}" type="datetimeFigureOut">
               <a:rPr lang="ru-RU" smtClean="0"/>
               <a:pPr/>
-              <a:t>15.04.2024</a:t>
+              <a:t>19.04.2024</a:t>
             </a:fld>
             <a:endParaRPr lang="ru-RU"/>
           </a:p>
@@ -2831,7 +2831,7 @@
             <a:fld id="{85A5DE44-605B-4D3B-B2B7-94543DF81A36}" type="datetimeFigureOut">
               <a:rPr lang="ru-RU" smtClean="0"/>
               <a:pPr/>
-              <a:t>15.04.2024</a:t>
+              <a:t>19.04.2024</a:t>
             </a:fld>
             <a:endParaRPr lang="ru-RU"/>
           </a:p>
@@ -3046,7 +3046,7 @@
             <a:fld id="{85A5DE44-605B-4D3B-B2B7-94543DF81A36}" type="datetimeFigureOut">
               <a:rPr lang="ru-RU" smtClean="0"/>
               <a:pPr/>
-              <a:t>15.04.2024</a:t>
+              <a:t>19.04.2024</a:t>
             </a:fld>
             <a:endParaRPr lang="ru-RU"/>
           </a:p>
@@ -4017,7 +4017,7 @@
         </p:nvSpPr>
         <p:spPr>
           <a:xfrm>
-            <a:off x="38563029" y="13316622"/>
+            <a:off x="38563029" y="13304590"/>
             <a:ext cx="1057959" cy="1080000"/>
           </a:xfrm>
           <a:prstGeom prst="rect">
@@ -4158,7 +4158,7 @@
         </p:nvSpPr>
         <p:spPr>
           <a:xfrm>
-            <a:off x="37508619" y="13314350"/>
+            <a:off x="37508619" y="13302318"/>
             <a:ext cx="1057959" cy="1080000"/>
           </a:xfrm>
           <a:prstGeom prst="rect">
@@ -12412,7 +12412,7 @@
           </a:xfrm>
           <a:prstGeom prst="bentConnector3">
             <a:avLst>
-              <a:gd name="adj1" fmla="val 14009"/>
+              <a:gd name="adj1" fmla="val 13499"/>
             </a:avLst>
           </a:prstGeom>
           <a:ln w="28575">
@@ -15809,7 +15809,7 @@
           </a:xfrm>
           <a:prstGeom prst="bentConnector3">
             <a:avLst>
-              <a:gd name="adj1" fmla="val 6214"/>
+              <a:gd name="adj1" fmla="val 8632"/>
             </a:avLst>
           </a:prstGeom>
           <a:ln w="28575">
@@ -24474,7 +24474,7 @@
           </a:xfrm>
           <a:prstGeom prst="bentConnector3">
             <a:avLst>
-              <a:gd name="adj1" fmla="val 50000"/>
+              <a:gd name="adj1" fmla="val 52259"/>
             </a:avLst>
           </a:prstGeom>
           <a:ln w="28575">
@@ -28355,7 +28355,7 @@
         </p:blipFill>
         <p:spPr>
           <a:xfrm>
-            <a:off x="48682125" y="13068139"/>
+            <a:off x="48633997" y="13068139"/>
             <a:ext cx="1232308" cy="1080000"/>
           </a:xfrm>
           <a:prstGeom prst="rect">
@@ -28715,7 +28715,7 @@
         </p:blipFill>
         <p:spPr>
           <a:xfrm>
-            <a:off x="29501358" y="25669800"/>
+            <a:off x="29537454" y="25669800"/>
             <a:ext cx="1354623" cy="1109638"/>
           </a:xfrm>
           <a:prstGeom prst="rect">
@@ -30877,6 +30877,870 @@
           <a:xfrm>
             <a:off x="14089745" y="27117065"/>
             <a:ext cx="1449211" cy="1275306"/>
+          </a:xfrm>
+          <a:prstGeom prst="rect">
+            <a:avLst/>
+          </a:prstGeom>
+        </p:spPr>
+      </p:pic>
+      <p:pic>
+        <p:nvPicPr>
+          <p:cNvPr id="56" name="Рисунок 55">
+            <a:extLst>
+              <a:ext uri="{FF2B5EF4-FFF2-40B4-BE49-F238E27FC236}">
+                <a16:creationId xmlns:a16="http://schemas.microsoft.com/office/drawing/2014/main" id="{5A4CEDF1-ABFC-4A87-BA90-9C2998F37A19}"/>
+              </a:ext>
+            </a:extLst>
+          </p:cNvPr>
+          <p:cNvPicPr>
+            <a:picLocks noChangeAspect="1"/>
+          </p:cNvPicPr>
+          <p:nvPr/>
+        </p:nvPicPr>
+        <p:blipFill>
+          <a:blip r:embed="rId82">
+            <a:extLst>
+              <a:ext uri="{28A0092B-C50C-407E-A947-70E740481C1C}">
+                <a14:useLocalDpi xmlns:a14="http://schemas.microsoft.com/office/drawing/2010/main" val="0"/>
+              </a:ext>
+            </a:extLst>
+          </a:blip>
+          <a:stretch>
+            <a:fillRect/>
+          </a:stretch>
+        </p:blipFill>
+        <p:spPr>
+          <a:xfrm>
+            <a:off x="11849528" y="30270883"/>
+            <a:ext cx="1455753" cy="1279782"/>
+          </a:xfrm>
+          <a:prstGeom prst="rect">
+            <a:avLst/>
+          </a:prstGeom>
+        </p:spPr>
+      </p:pic>
+      <p:pic>
+        <p:nvPicPr>
+          <p:cNvPr id="461" name="Рисунок 460">
+            <a:extLst>
+              <a:ext uri="{FF2B5EF4-FFF2-40B4-BE49-F238E27FC236}">
+                <a16:creationId xmlns:a16="http://schemas.microsoft.com/office/drawing/2014/main" id="{7B094472-72E0-434B-A30F-5D07DC7D5D98}"/>
+              </a:ext>
+            </a:extLst>
+          </p:cNvPr>
+          <p:cNvPicPr>
+            <a:picLocks noChangeAspect="1"/>
+          </p:cNvPicPr>
+          <p:nvPr/>
+        </p:nvPicPr>
+        <p:blipFill>
+          <a:blip r:embed="rId83">
+            <a:extLst>
+              <a:ext uri="{28A0092B-C50C-407E-A947-70E740481C1C}">
+                <a14:useLocalDpi xmlns:a14="http://schemas.microsoft.com/office/drawing/2010/main" val="0"/>
+              </a:ext>
+            </a:extLst>
+          </a:blip>
+          <a:stretch>
+            <a:fillRect/>
+          </a:stretch>
+        </p:blipFill>
+        <p:spPr>
+          <a:xfrm>
+            <a:off x="377477" y="27150095"/>
+            <a:ext cx="1345763" cy="1345763"/>
+          </a:xfrm>
+          <a:prstGeom prst="rect">
+            <a:avLst/>
+          </a:prstGeom>
+        </p:spPr>
+      </p:pic>
+      <p:pic>
+        <p:nvPicPr>
+          <p:cNvPr id="36" name="Рисунок 35">
+            <a:extLst>
+              <a:ext uri="{FF2B5EF4-FFF2-40B4-BE49-F238E27FC236}">
+                <a16:creationId xmlns:a16="http://schemas.microsoft.com/office/drawing/2014/main" id="{0D70FF66-D551-4586-98E9-DDA1B0F1F8C8}"/>
+              </a:ext>
+            </a:extLst>
+          </p:cNvPr>
+          <p:cNvPicPr>
+            <a:picLocks noChangeAspect="1"/>
+          </p:cNvPicPr>
+          <p:nvPr/>
+        </p:nvPicPr>
+        <p:blipFill>
+          <a:blip r:embed="rId84">
+            <a:extLst>
+              <a:ext uri="{28A0092B-C50C-407E-A947-70E740481C1C}">
+                <a14:useLocalDpi xmlns:a14="http://schemas.microsoft.com/office/drawing/2010/main" val="0"/>
+              </a:ext>
+            </a:extLst>
+          </a:blip>
+          <a:stretch>
+            <a:fillRect/>
+          </a:stretch>
+        </p:blipFill>
+        <p:spPr>
+          <a:xfrm>
+            <a:off x="28627610" y="14848494"/>
+            <a:ext cx="1518189" cy="1336007"/>
+          </a:xfrm>
+          <a:prstGeom prst="rect">
+            <a:avLst/>
+          </a:prstGeom>
+        </p:spPr>
+      </p:pic>
+      <p:pic>
+        <p:nvPicPr>
+          <p:cNvPr id="465" name="Рисунок 464">
+            <a:extLst>
+              <a:ext uri="{FF2B5EF4-FFF2-40B4-BE49-F238E27FC236}">
+                <a16:creationId xmlns:a16="http://schemas.microsoft.com/office/drawing/2014/main" id="{7A2F2883-F4B4-4A9A-960A-0E43DA3468D1}"/>
+              </a:ext>
+            </a:extLst>
+          </p:cNvPr>
+          <p:cNvPicPr>
+            <a:picLocks noChangeAspect="1"/>
+          </p:cNvPicPr>
+          <p:nvPr/>
+        </p:nvPicPr>
+        <p:blipFill>
+          <a:blip r:embed="rId85">
+            <a:extLst>
+              <a:ext uri="{28A0092B-C50C-407E-A947-70E740481C1C}">
+                <a14:useLocalDpi xmlns:a14="http://schemas.microsoft.com/office/drawing/2010/main" val="0"/>
+              </a:ext>
+            </a:extLst>
+          </a:blip>
+          <a:stretch>
+            <a:fillRect/>
+          </a:stretch>
+        </p:blipFill>
+        <p:spPr>
+          <a:xfrm>
+            <a:off x="28605849" y="16335143"/>
+            <a:ext cx="1546622" cy="1361028"/>
+          </a:xfrm>
+          <a:prstGeom prst="rect">
+            <a:avLst/>
+          </a:prstGeom>
+        </p:spPr>
+      </p:pic>
+      <p:pic>
+        <p:nvPicPr>
+          <p:cNvPr id="469" name="Рисунок 468">
+            <a:extLst>
+              <a:ext uri="{FF2B5EF4-FFF2-40B4-BE49-F238E27FC236}">
+                <a16:creationId xmlns:a16="http://schemas.microsoft.com/office/drawing/2014/main" id="{BA17065D-6293-47A0-89CC-F1BEA396AC4B}"/>
+              </a:ext>
+            </a:extLst>
+          </p:cNvPr>
+          <p:cNvPicPr>
+            <a:picLocks noChangeAspect="1"/>
+          </p:cNvPicPr>
+          <p:nvPr/>
+        </p:nvPicPr>
+        <p:blipFill>
+          <a:blip r:embed="rId86">
+            <a:extLst>
+              <a:ext uri="{28A0092B-C50C-407E-A947-70E740481C1C}">
+                <a14:useLocalDpi xmlns:a14="http://schemas.microsoft.com/office/drawing/2010/main" val="0"/>
+              </a:ext>
+            </a:extLst>
+          </a:blip>
+          <a:stretch>
+            <a:fillRect/>
+          </a:stretch>
+        </p:blipFill>
+        <p:spPr>
+          <a:xfrm>
+            <a:off x="28668202" y="17751799"/>
+            <a:ext cx="1470201" cy="1293777"/>
+          </a:xfrm>
+          <a:prstGeom prst="rect">
+            <a:avLst/>
+          </a:prstGeom>
+        </p:spPr>
+      </p:pic>
+      <p:pic>
+        <p:nvPicPr>
+          <p:cNvPr id="478" name="Рисунок 477">
+            <a:extLst>
+              <a:ext uri="{FF2B5EF4-FFF2-40B4-BE49-F238E27FC236}">
+                <a16:creationId xmlns:a16="http://schemas.microsoft.com/office/drawing/2014/main" id="{0A5B62B3-4CCA-4F1B-8FE5-1935C2855865}"/>
+              </a:ext>
+            </a:extLst>
+          </p:cNvPr>
+          <p:cNvPicPr>
+            <a:picLocks noChangeAspect="1"/>
+          </p:cNvPicPr>
+          <p:nvPr/>
+        </p:nvPicPr>
+        <p:blipFill>
+          <a:blip r:embed="rId87">
+            <a:extLst>
+              <a:ext uri="{28A0092B-C50C-407E-A947-70E740481C1C}">
+                <a14:useLocalDpi xmlns:a14="http://schemas.microsoft.com/office/drawing/2010/main" val="0"/>
+              </a:ext>
+            </a:extLst>
+          </a:blip>
+          <a:stretch>
+            <a:fillRect/>
+          </a:stretch>
+        </p:blipFill>
+        <p:spPr>
+          <a:xfrm>
+            <a:off x="30867867" y="17784774"/>
+            <a:ext cx="1470201" cy="1293778"/>
+          </a:xfrm>
+          <a:prstGeom prst="rect">
+            <a:avLst/>
+          </a:prstGeom>
+        </p:spPr>
+      </p:pic>
+      <p:pic>
+        <p:nvPicPr>
+          <p:cNvPr id="67" name="Рисунок 66">
+            <a:extLst>
+              <a:ext uri="{FF2B5EF4-FFF2-40B4-BE49-F238E27FC236}">
+                <a16:creationId xmlns:a16="http://schemas.microsoft.com/office/drawing/2014/main" id="{92396C34-4D3A-4363-A6BF-5DD899A01FC6}"/>
+              </a:ext>
+            </a:extLst>
+          </p:cNvPr>
+          <p:cNvPicPr>
+            <a:picLocks noChangeAspect="1"/>
+          </p:cNvPicPr>
+          <p:nvPr/>
+        </p:nvPicPr>
+        <p:blipFill>
+          <a:blip r:embed="rId88">
+            <a:extLst>
+              <a:ext uri="{28A0092B-C50C-407E-A947-70E740481C1C}">
+                <a14:useLocalDpi xmlns:a14="http://schemas.microsoft.com/office/drawing/2010/main" val="0"/>
+              </a:ext>
+            </a:extLst>
+          </a:blip>
+          <a:stretch>
+            <a:fillRect/>
+          </a:stretch>
+        </p:blipFill>
+        <p:spPr>
+          <a:xfrm>
+            <a:off x="4866715" y="25427903"/>
+            <a:ext cx="1586783" cy="1535597"/>
+          </a:xfrm>
+          <a:prstGeom prst="rect">
+            <a:avLst/>
+          </a:prstGeom>
+        </p:spPr>
+      </p:pic>
+      <p:pic>
+        <p:nvPicPr>
+          <p:cNvPr id="71" name="Рисунок 70">
+            <a:extLst>
+              <a:ext uri="{FF2B5EF4-FFF2-40B4-BE49-F238E27FC236}">
+                <a16:creationId xmlns:a16="http://schemas.microsoft.com/office/drawing/2014/main" id="{EFD079B3-E620-4EA2-A008-7A6248EA12FB}"/>
+              </a:ext>
+            </a:extLst>
+          </p:cNvPr>
+          <p:cNvPicPr>
+            <a:picLocks noChangeAspect="1"/>
+          </p:cNvPicPr>
+          <p:nvPr/>
+        </p:nvPicPr>
+        <p:blipFill>
+          <a:blip r:embed="rId89">
+            <a:extLst>
+              <a:ext uri="{28A0092B-C50C-407E-A947-70E740481C1C}">
+                <a14:useLocalDpi xmlns:a14="http://schemas.microsoft.com/office/drawing/2010/main" val="0"/>
+              </a:ext>
+            </a:extLst>
+          </a:blip>
+          <a:stretch>
+            <a:fillRect/>
+          </a:stretch>
+        </p:blipFill>
+        <p:spPr>
+          <a:xfrm>
+            <a:off x="3761639" y="30245835"/>
+            <a:ext cx="1624410" cy="1429481"/>
+          </a:xfrm>
+          <a:prstGeom prst="rect">
+            <a:avLst/>
+          </a:prstGeom>
+        </p:spPr>
+      </p:pic>
+      <p:pic>
+        <p:nvPicPr>
+          <p:cNvPr id="75" name="Рисунок 74">
+            <a:extLst>
+              <a:ext uri="{FF2B5EF4-FFF2-40B4-BE49-F238E27FC236}">
+                <a16:creationId xmlns:a16="http://schemas.microsoft.com/office/drawing/2014/main" id="{8544C273-37BF-4661-B289-E372FB7825D2}"/>
+              </a:ext>
+            </a:extLst>
+          </p:cNvPr>
+          <p:cNvPicPr>
+            <a:picLocks noChangeAspect="1"/>
+          </p:cNvPicPr>
+          <p:nvPr/>
+        </p:nvPicPr>
+        <p:blipFill>
+          <a:blip r:embed="rId90">
+            <a:extLst>
+              <a:ext uri="{28A0092B-C50C-407E-A947-70E740481C1C}">
+                <a14:useLocalDpi xmlns:a14="http://schemas.microsoft.com/office/drawing/2010/main" val="0"/>
+              </a:ext>
+            </a:extLst>
+          </a:blip>
+          <a:stretch>
+            <a:fillRect/>
+          </a:stretch>
+        </p:blipFill>
+        <p:spPr>
+          <a:xfrm>
+            <a:off x="2704675" y="25612880"/>
+            <a:ext cx="1530216" cy="1253474"/>
+          </a:xfrm>
+          <a:prstGeom prst="rect">
+            <a:avLst/>
+          </a:prstGeom>
+        </p:spPr>
+      </p:pic>
+      <p:pic>
+        <p:nvPicPr>
+          <p:cNvPr id="91" name="Рисунок 90">
+            <a:extLst>
+              <a:ext uri="{FF2B5EF4-FFF2-40B4-BE49-F238E27FC236}">
+                <a16:creationId xmlns:a16="http://schemas.microsoft.com/office/drawing/2014/main" id="{1D1F5D3A-EDB0-460E-8D37-0540C7F2EFE9}"/>
+              </a:ext>
+            </a:extLst>
+          </p:cNvPr>
+          <p:cNvPicPr>
+            <a:picLocks noChangeAspect="1"/>
+          </p:cNvPicPr>
+          <p:nvPr/>
+        </p:nvPicPr>
+        <p:blipFill>
+          <a:blip r:embed="rId91">
+            <a:extLst>
+              <a:ext uri="{28A0092B-C50C-407E-A947-70E740481C1C}">
+                <a14:useLocalDpi xmlns:a14="http://schemas.microsoft.com/office/drawing/2010/main" val="0"/>
+              </a:ext>
+            </a:extLst>
+          </a:blip>
+          <a:stretch>
+            <a:fillRect/>
+          </a:stretch>
+        </p:blipFill>
+        <p:spPr>
+          <a:xfrm>
+            <a:off x="16549820" y="25276921"/>
+            <a:ext cx="1543741" cy="1677981"/>
+          </a:xfrm>
+          <a:prstGeom prst="rect">
+            <a:avLst/>
+          </a:prstGeom>
+        </p:spPr>
+      </p:pic>
+      <p:pic>
+        <p:nvPicPr>
+          <p:cNvPr id="96" name="Рисунок 95">
+            <a:extLst>
+              <a:ext uri="{FF2B5EF4-FFF2-40B4-BE49-F238E27FC236}">
+                <a16:creationId xmlns:a16="http://schemas.microsoft.com/office/drawing/2014/main" id="{CB12D510-BB93-46F7-B1E8-65AB99E0A083}"/>
+              </a:ext>
+            </a:extLst>
+          </p:cNvPr>
+          <p:cNvPicPr>
+            <a:picLocks noChangeAspect="1"/>
+          </p:cNvPicPr>
+          <p:nvPr/>
+        </p:nvPicPr>
+        <p:blipFill>
+          <a:blip r:embed="rId92">
+            <a:extLst>
+              <a:ext uri="{28A0092B-C50C-407E-A947-70E740481C1C}">
+                <a14:useLocalDpi xmlns:a14="http://schemas.microsoft.com/office/drawing/2010/main" val="0"/>
+              </a:ext>
+            </a:extLst>
+          </a:blip>
+          <a:stretch>
+            <a:fillRect/>
+          </a:stretch>
+        </p:blipFill>
+        <p:spPr>
+          <a:xfrm>
+            <a:off x="27222347" y="23893158"/>
+            <a:ext cx="1368420" cy="1417292"/>
+          </a:xfrm>
+          <a:prstGeom prst="rect">
+            <a:avLst/>
+          </a:prstGeom>
+        </p:spPr>
+      </p:pic>
+      <p:pic>
+        <p:nvPicPr>
+          <p:cNvPr id="103" name="Рисунок 102">
+            <a:extLst>
+              <a:ext uri="{FF2B5EF4-FFF2-40B4-BE49-F238E27FC236}">
+                <a16:creationId xmlns:a16="http://schemas.microsoft.com/office/drawing/2014/main" id="{470B7F22-E64F-4864-8B1C-B89BB0E72D7F}"/>
+              </a:ext>
+            </a:extLst>
+          </p:cNvPr>
+          <p:cNvPicPr>
+            <a:picLocks noChangeAspect="1"/>
+          </p:cNvPicPr>
+          <p:nvPr/>
+        </p:nvPicPr>
+        <p:blipFill>
+          <a:blip r:embed="rId93">
+            <a:extLst>
+              <a:ext uri="{28A0092B-C50C-407E-A947-70E740481C1C}">
+                <a14:useLocalDpi xmlns:a14="http://schemas.microsoft.com/office/drawing/2010/main" val="0"/>
+              </a:ext>
+            </a:extLst>
+          </a:blip>
+          <a:stretch>
+            <a:fillRect/>
+          </a:stretch>
+        </p:blipFill>
+        <p:spPr>
+          <a:xfrm>
+            <a:off x="29465422" y="27117065"/>
+            <a:ext cx="1523580" cy="1352391"/>
+          </a:xfrm>
+          <a:prstGeom prst="rect">
+            <a:avLst/>
+          </a:prstGeom>
+        </p:spPr>
+      </p:pic>
+      <p:pic>
+        <p:nvPicPr>
+          <p:cNvPr id="107" name="Рисунок 106">
+            <a:extLst>
+              <a:ext uri="{FF2B5EF4-FFF2-40B4-BE49-F238E27FC236}">
+                <a16:creationId xmlns:a16="http://schemas.microsoft.com/office/drawing/2014/main" id="{444B6E66-13C4-4918-9E60-A35EB64DE420}"/>
+              </a:ext>
+            </a:extLst>
+          </p:cNvPr>
+          <p:cNvPicPr>
+            <a:picLocks noChangeAspect="1"/>
+          </p:cNvPicPr>
+          <p:nvPr/>
+        </p:nvPicPr>
+        <p:blipFill>
+          <a:blip r:embed="rId94">
+            <a:extLst>
+              <a:ext uri="{28A0092B-C50C-407E-A947-70E740481C1C}">
+                <a14:useLocalDpi xmlns:a14="http://schemas.microsoft.com/office/drawing/2010/main" val="0"/>
+              </a:ext>
+            </a:extLst>
+          </a:blip>
+          <a:stretch>
+            <a:fillRect/>
+          </a:stretch>
+        </p:blipFill>
+        <p:spPr>
+          <a:xfrm>
+            <a:off x="22011075" y="27042947"/>
+            <a:ext cx="1486015" cy="1486015"/>
+          </a:xfrm>
+          <a:prstGeom prst="rect">
+            <a:avLst/>
+          </a:prstGeom>
+        </p:spPr>
+      </p:pic>
+      <p:pic>
+        <p:nvPicPr>
+          <p:cNvPr id="62" name="Рисунок 61">
+            <a:extLst>
+              <a:ext uri="{FF2B5EF4-FFF2-40B4-BE49-F238E27FC236}">
+                <a16:creationId xmlns:a16="http://schemas.microsoft.com/office/drawing/2014/main" id="{05AF6F68-809C-418C-BF81-B35A16ACBBD7}"/>
+              </a:ext>
+            </a:extLst>
+          </p:cNvPr>
+          <p:cNvPicPr>
+            <a:picLocks noChangeAspect="1"/>
+          </p:cNvPicPr>
+          <p:nvPr/>
+        </p:nvPicPr>
+        <p:blipFill>
+          <a:blip r:embed="rId95">
+            <a:extLst>
+              <a:ext uri="{28A0092B-C50C-407E-A947-70E740481C1C}">
+                <a14:useLocalDpi xmlns:a14="http://schemas.microsoft.com/office/drawing/2010/main" val="0"/>
+              </a:ext>
+            </a:extLst>
+          </a:blip>
+          <a:stretch>
+            <a:fillRect/>
+          </a:stretch>
+        </p:blipFill>
+        <p:spPr>
+          <a:xfrm>
+            <a:off x="42401474" y="14736715"/>
+            <a:ext cx="1629446" cy="1303556"/>
+          </a:xfrm>
+          <a:prstGeom prst="rect">
+            <a:avLst/>
+          </a:prstGeom>
+        </p:spPr>
+      </p:pic>
+      <p:pic>
+        <p:nvPicPr>
+          <p:cNvPr id="473" name="Рисунок 472">
+            <a:extLst>
+              <a:ext uri="{FF2B5EF4-FFF2-40B4-BE49-F238E27FC236}">
+                <a16:creationId xmlns:a16="http://schemas.microsoft.com/office/drawing/2014/main" id="{269E0CEC-06CF-4EC9-9E96-52D2AD2204C0}"/>
+              </a:ext>
+            </a:extLst>
+          </p:cNvPr>
+          <p:cNvPicPr>
+            <a:picLocks noChangeAspect="1"/>
+          </p:cNvPicPr>
+          <p:nvPr/>
+        </p:nvPicPr>
+        <p:blipFill>
+          <a:blip r:embed="rId96">
+            <a:extLst>
+              <a:ext uri="{28A0092B-C50C-407E-A947-70E740481C1C}">
+                <a14:useLocalDpi xmlns:a14="http://schemas.microsoft.com/office/drawing/2010/main" val="0"/>
+              </a:ext>
+            </a:extLst>
+          </a:blip>
+          <a:stretch>
+            <a:fillRect/>
+          </a:stretch>
+        </p:blipFill>
+        <p:spPr>
+          <a:xfrm>
+            <a:off x="39937452" y="14692140"/>
+            <a:ext cx="1671246" cy="1336996"/>
+          </a:xfrm>
+          <a:prstGeom prst="rect">
+            <a:avLst/>
+          </a:prstGeom>
+        </p:spPr>
+      </p:pic>
+      <p:pic>
+        <p:nvPicPr>
+          <p:cNvPr id="486" name="Рисунок 485">
+            <a:extLst>
+              <a:ext uri="{FF2B5EF4-FFF2-40B4-BE49-F238E27FC236}">
+                <a16:creationId xmlns:a16="http://schemas.microsoft.com/office/drawing/2014/main" id="{55A025F4-8D54-4D6E-92B8-CF4A72B7174C}"/>
+              </a:ext>
+            </a:extLst>
+          </p:cNvPr>
+          <p:cNvPicPr>
+            <a:picLocks noChangeAspect="1"/>
+          </p:cNvPicPr>
+          <p:nvPr/>
+        </p:nvPicPr>
+        <p:blipFill>
+          <a:blip r:embed="rId97">
+            <a:extLst>
+              <a:ext uri="{28A0092B-C50C-407E-A947-70E740481C1C}">
+                <a14:useLocalDpi xmlns:a14="http://schemas.microsoft.com/office/drawing/2010/main" val="0"/>
+              </a:ext>
+            </a:extLst>
+          </a:blip>
+          <a:stretch>
+            <a:fillRect/>
+          </a:stretch>
+        </p:blipFill>
+        <p:spPr>
+          <a:xfrm>
+            <a:off x="37740211" y="13009060"/>
+            <a:ext cx="1666295" cy="1666295"/>
+          </a:xfrm>
+          <a:prstGeom prst="rect">
+            <a:avLst/>
+          </a:prstGeom>
+        </p:spPr>
+      </p:pic>
+      <p:pic>
+        <p:nvPicPr>
+          <p:cNvPr id="504" name="Рисунок 503">
+            <a:extLst>
+              <a:ext uri="{FF2B5EF4-FFF2-40B4-BE49-F238E27FC236}">
+                <a16:creationId xmlns:a16="http://schemas.microsoft.com/office/drawing/2014/main" id="{2FB57A87-64D2-4568-BE9D-31BC43A9E019}"/>
+              </a:ext>
+            </a:extLst>
+          </p:cNvPr>
+          <p:cNvPicPr>
+            <a:picLocks noChangeAspect="1"/>
+          </p:cNvPicPr>
+          <p:nvPr/>
+        </p:nvPicPr>
+        <p:blipFill>
+          <a:blip r:embed="rId98">
+            <a:extLst>
+              <a:ext uri="{28A0092B-C50C-407E-A947-70E740481C1C}">
+                <a14:useLocalDpi xmlns:a14="http://schemas.microsoft.com/office/drawing/2010/main" val="0"/>
+              </a:ext>
+            </a:extLst>
+          </a:blip>
+          <a:stretch>
+            <a:fillRect/>
+          </a:stretch>
+        </p:blipFill>
+        <p:spPr>
+          <a:xfrm>
+            <a:off x="38796802" y="22160007"/>
+            <a:ext cx="1659304" cy="1659304"/>
+          </a:xfrm>
+          <a:prstGeom prst="rect">
+            <a:avLst/>
+          </a:prstGeom>
+        </p:spPr>
+      </p:pic>
+      <p:pic>
+        <p:nvPicPr>
+          <p:cNvPr id="66" name="Рисунок 65">
+            <a:extLst>
+              <a:ext uri="{FF2B5EF4-FFF2-40B4-BE49-F238E27FC236}">
+                <a16:creationId xmlns:a16="http://schemas.microsoft.com/office/drawing/2014/main" id="{AE1BF7EA-EF0B-480C-9B35-BD110754F8CC}"/>
+              </a:ext>
+            </a:extLst>
+          </p:cNvPr>
+          <p:cNvPicPr>
+            <a:picLocks noChangeAspect="1"/>
+          </p:cNvPicPr>
+          <p:nvPr/>
+        </p:nvPicPr>
+        <p:blipFill>
+          <a:blip r:embed="rId99">
+            <a:extLst>
+              <a:ext uri="{28A0092B-C50C-407E-A947-70E740481C1C}">
+                <a14:useLocalDpi xmlns:a14="http://schemas.microsoft.com/office/drawing/2010/main" val="0"/>
+              </a:ext>
+            </a:extLst>
+          </a:blip>
+          <a:stretch>
+            <a:fillRect/>
+          </a:stretch>
+        </p:blipFill>
+        <p:spPr>
+          <a:xfrm>
+            <a:off x="38871924" y="20590159"/>
+            <a:ext cx="1503442" cy="1503442"/>
+          </a:xfrm>
+          <a:prstGeom prst="rect">
+            <a:avLst/>
+          </a:prstGeom>
+        </p:spPr>
+      </p:pic>
+      <p:pic>
+        <p:nvPicPr>
+          <p:cNvPr id="73" name="Рисунок 72">
+            <a:extLst>
+              <a:ext uri="{FF2B5EF4-FFF2-40B4-BE49-F238E27FC236}">
+                <a16:creationId xmlns:a16="http://schemas.microsoft.com/office/drawing/2014/main" id="{85A15DA6-54CB-4A54-9354-795C03C91BE7}"/>
+              </a:ext>
+            </a:extLst>
+          </p:cNvPr>
+          <p:cNvPicPr>
+            <a:picLocks noChangeAspect="1"/>
+          </p:cNvPicPr>
+          <p:nvPr/>
+        </p:nvPicPr>
+        <p:blipFill>
+          <a:blip r:embed="rId100">
+            <a:extLst>
+              <a:ext uri="{28A0092B-C50C-407E-A947-70E740481C1C}">
+                <a14:useLocalDpi xmlns:a14="http://schemas.microsoft.com/office/drawing/2010/main" val="0"/>
+              </a:ext>
+            </a:extLst>
+          </a:blip>
+          <a:stretch>
+            <a:fillRect/>
+          </a:stretch>
+        </p:blipFill>
+        <p:spPr>
+          <a:xfrm>
+            <a:off x="41073457" y="22307133"/>
+            <a:ext cx="1544192" cy="1446664"/>
+          </a:xfrm>
+          <a:prstGeom prst="rect">
+            <a:avLst/>
+          </a:prstGeom>
+        </p:spPr>
+      </p:pic>
+      <p:pic>
+        <p:nvPicPr>
+          <p:cNvPr id="79" name="Рисунок 78">
+            <a:extLst>
+              <a:ext uri="{FF2B5EF4-FFF2-40B4-BE49-F238E27FC236}">
+                <a16:creationId xmlns:a16="http://schemas.microsoft.com/office/drawing/2014/main" id="{73D14D28-7E15-408E-9FE4-81FDE1BA6BA9}"/>
+              </a:ext>
+            </a:extLst>
+          </p:cNvPr>
+          <p:cNvPicPr>
+            <a:picLocks noChangeAspect="1"/>
+          </p:cNvPicPr>
+          <p:nvPr/>
+        </p:nvPicPr>
+        <p:blipFill>
+          <a:blip r:embed="rId101">
+            <a:extLst>
+              <a:ext uri="{28A0092B-C50C-407E-A947-70E740481C1C}">
+                <a14:useLocalDpi xmlns:a14="http://schemas.microsoft.com/office/drawing/2010/main" val="0"/>
+              </a:ext>
+            </a:extLst>
+          </a:blip>
+          <a:stretch>
+            <a:fillRect/>
+          </a:stretch>
+        </p:blipFill>
+        <p:spPr>
+          <a:xfrm>
+            <a:off x="36533428" y="22133339"/>
+            <a:ext cx="1621150" cy="1621150"/>
+          </a:xfrm>
+          <a:prstGeom prst="rect">
+            <a:avLst/>
+          </a:prstGeom>
+        </p:spPr>
+      </p:pic>
+      <p:pic>
+        <p:nvPicPr>
+          <p:cNvPr id="93" name="Рисунок 92">
+            <a:extLst>
+              <a:ext uri="{FF2B5EF4-FFF2-40B4-BE49-F238E27FC236}">
+                <a16:creationId xmlns:a16="http://schemas.microsoft.com/office/drawing/2014/main" id="{88B9012D-555D-401C-940E-94C41383C766}"/>
+              </a:ext>
+            </a:extLst>
+          </p:cNvPr>
+          <p:cNvPicPr>
+            <a:picLocks noChangeAspect="1"/>
+          </p:cNvPicPr>
+          <p:nvPr/>
+        </p:nvPicPr>
+        <p:blipFill>
+          <a:blip r:embed="rId102">
+            <a:extLst>
+              <a:ext uri="{28A0092B-C50C-407E-A947-70E740481C1C}">
+                <a14:useLocalDpi xmlns:a14="http://schemas.microsoft.com/office/drawing/2010/main" val="0"/>
+              </a:ext>
+            </a:extLst>
+          </a:blip>
+          <a:stretch>
+            <a:fillRect/>
+          </a:stretch>
+        </p:blipFill>
+        <p:spPr>
+          <a:xfrm>
+            <a:off x="37800386" y="14631159"/>
+            <a:ext cx="1567455" cy="1567455"/>
+          </a:xfrm>
+          <a:prstGeom prst="rect">
+            <a:avLst/>
+          </a:prstGeom>
+        </p:spPr>
+      </p:pic>
+      <p:pic>
+        <p:nvPicPr>
+          <p:cNvPr id="106" name="Рисунок 105">
+            <a:extLst>
+              <a:ext uri="{FF2B5EF4-FFF2-40B4-BE49-F238E27FC236}">
+                <a16:creationId xmlns:a16="http://schemas.microsoft.com/office/drawing/2014/main" id="{C4DB79EF-58A7-4C82-B677-541404B011F5}"/>
+              </a:ext>
+            </a:extLst>
+          </p:cNvPr>
+          <p:cNvPicPr>
+            <a:picLocks noChangeAspect="1"/>
+          </p:cNvPicPr>
+          <p:nvPr/>
+        </p:nvPicPr>
+        <p:blipFill>
+          <a:blip r:embed="rId103">
+            <a:extLst>
+              <a:ext uri="{28A0092B-C50C-407E-A947-70E740481C1C}">
+                <a14:useLocalDpi xmlns:a14="http://schemas.microsoft.com/office/drawing/2010/main" val="0"/>
+              </a:ext>
+            </a:extLst>
+          </a:blip>
+          <a:stretch>
+            <a:fillRect/>
+          </a:stretch>
+        </p:blipFill>
+        <p:spPr>
+          <a:xfrm>
+            <a:off x="33033951" y="14444940"/>
+            <a:ext cx="1813040" cy="1813040"/>
+          </a:xfrm>
+          <a:prstGeom prst="rect">
+            <a:avLst/>
+          </a:prstGeom>
+        </p:spPr>
+      </p:pic>
+      <p:pic>
+        <p:nvPicPr>
+          <p:cNvPr id="111" name="Рисунок 110">
+            <a:extLst>
+              <a:ext uri="{FF2B5EF4-FFF2-40B4-BE49-F238E27FC236}">
+                <a16:creationId xmlns:a16="http://schemas.microsoft.com/office/drawing/2014/main" id="{E0B96E46-5009-4BDD-8114-D12B16CD85D6}"/>
+              </a:ext>
+            </a:extLst>
+          </p:cNvPr>
+          <p:cNvPicPr>
+            <a:picLocks noChangeAspect="1"/>
+          </p:cNvPicPr>
+          <p:nvPr/>
+        </p:nvPicPr>
+        <p:blipFill>
+          <a:blip r:embed="rId104">
+            <a:extLst>
+              <a:ext uri="{28A0092B-C50C-407E-A947-70E740481C1C}">
+                <a14:useLocalDpi xmlns:a14="http://schemas.microsoft.com/office/drawing/2010/main" val="0"/>
+              </a:ext>
+            </a:extLst>
+          </a:blip>
+          <a:stretch>
+            <a:fillRect/>
+          </a:stretch>
+        </p:blipFill>
+        <p:spPr>
+          <a:xfrm>
+            <a:off x="41176138" y="9820556"/>
+            <a:ext cx="1671822" cy="1471204"/>
+          </a:xfrm>
+          <a:prstGeom prst="rect">
+            <a:avLst/>
+          </a:prstGeom>
+        </p:spPr>
+      </p:pic>
+      <p:pic>
+        <p:nvPicPr>
+          <p:cNvPr id="115" name="Рисунок 114">
+            <a:extLst>
+              <a:ext uri="{FF2B5EF4-FFF2-40B4-BE49-F238E27FC236}">
+                <a16:creationId xmlns:a16="http://schemas.microsoft.com/office/drawing/2014/main" id="{103EE8A4-4315-4078-80D2-C6601C4AF739}"/>
+              </a:ext>
+            </a:extLst>
+          </p:cNvPr>
+          <p:cNvPicPr>
+            <a:picLocks noChangeAspect="1"/>
+          </p:cNvPicPr>
+          <p:nvPr/>
+        </p:nvPicPr>
+        <p:blipFill>
+          <a:blip r:embed="rId105">
+            <a:extLst>
+              <a:ext uri="{28A0092B-C50C-407E-A947-70E740481C1C}">
+                <a14:useLocalDpi xmlns:a14="http://schemas.microsoft.com/office/drawing/2010/main" val="0"/>
+              </a:ext>
+            </a:extLst>
+          </a:blip>
+          <a:stretch>
+            <a:fillRect/>
+          </a:stretch>
+        </p:blipFill>
+        <p:spPr>
+          <a:xfrm>
+            <a:off x="37843950" y="16322448"/>
+            <a:ext cx="1433844" cy="1272738"/>
           </a:xfrm>
           <a:prstGeom prst="rect">
             <a:avLst/>

--- a/Наработки/диздоки/Бирма/Бирма - иконки.pptx
+++ b/Наработки/диздоки/Бирма/Бирма - иконки.pptx
@@ -209,7 +209,7 @@
             <a:fld id="{33E3D7F9-E251-484C-A6FF-FA958879DF69}" type="datetimeFigureOut">
               <a:rPr lang="ru-RU" smtClean="0"/>
               <a:pPr/>
-              <a:t>19.04.2024</a:t>
+              <a:t>23.04.2024</a:t>
             </a:fld>
             <a:endParaRPr lang="ru-RU"/>
           </a:p>
@@ -699,7 +699,7 @@
             <a:fld id="{85A5DE44-605B-4D3B-B2B7-94543DF81A36}" type="datetimeFigureOut">
               <a:rPr lang="ru-RU" smtClean="0"/>
               <a:pPr/>
-              <a:t>19.04.2024</a:t>
+              <a:t>23.04.2024</a:t>
             </a:fld>
             <a:endParaRPr lang="ru-RU"/>
           </a:p>
@@ -871,7 +871,7 @@
             <a:fld id="{85A5DE44-605B-4D3B-B2B7-94543DF81A36}" type="datetimeFigureOut">
               <a:rPr lang="ru-RU" smtClean="0"/>
               <a:pPr/>
-              <a:t>19.04.2024</a:t>
+              <a:t>23.04.2024</a:t>
             </a:fld>
             <a:endParaRPr lang="ru-RU"/>
           </a:p>
@@ -1053,7 +1053,7 @@
             <a:fld id="{85A5DE44-605B-4D3B-B2B7-94543DF81A36}" type="datetimeFigureOut">
               <a:rPr lang="ru-RU" smtClean="0"/>
               <a:pPr/>
-              <a:t>19.04.2024</a:t>
+              <a:t>23.04.2024</a:t>
             </a:fld>
             <a:endParaRPr lang="ru-RU"/>
           </a:p>
@@ -1225,7 +1225,7 @@
             <a:fld id="{85A5DE44-605B-4D3B-B2B7-94543DF81A36}" type="datetimeFigureOut">
               <a:rPr lang="ru-RU" smtClean="0"/>
               <a:pPr/>
-              <a:t>19.04.2024</a:t>
+              <a:t>23.04.2024</a:t>
             </a:fld>
             <a:endParaRPr lang="ru-RU"/>
           </a:p>
@@ -1473,7 +1473,7 @@
             <a:fld id="{85A5DE44-605B-4D3B-B2B7-94543DF81A36}" type="datetimeFigureOut">
               <a:rPr lang="ru-RU" smtClean="0"/>
               <a:pPr/>
-              <a:t>19.04.2024</a:t>
+              <a:t>23.04.2024</a:t>
             </a:fld>
             <a:endParaRPr lang="ru-RU"/>
           </a:p>
@@ -1707,7 +1707,7 @@
             <a:fld id="{85A5DE44-605B-4D3B-B2B7-94543DF81A36}" type="datetimeFigureOut">
               <a:rPr lang="ru-RU" smtClean="0"/>
               <a:pPr/>
-              <a:t>19.04.2024</a:t>
+              <a:t>23.04.2024</a:t>
             </a:fld>
             <a:endParaRPr lang="ru-RU"/>
           </a:p>
@@ -2076,7 +2076,7 @@
             <a:fld id="{85A5DE44-605B-4D3B-B2B7-94543DF81A36}" type="datetimeFigureOut">
               <a:rPr lang="ru-RU" smtClean="0"/>
               <a:pPr/>
-              <a:t>19.04.2024</a:t>
+              <a:t>23.04.2024</a:t>
             </a:fld>
             <a:endParaRPr lang="ru-RU"/>
           </a:p>
@@ -2196,7 +2196,7 @@
             <a:fld id="{85A5DE44-605B-4D3B-B2B7-94543DF81A36}" type="datetimeFigureOut">
               <a:rPr lang="ru-RU" smtClean="0"/>
               <a:pPr/>
-              <a:t>19.04.2024</a:t>
+              <a:t>23.04.2024</a:t>
             </a:fld>
             <a:endParaRPr lang="ru-RU"/>
           </a:p>
@@ -2293,7 +2293,7 @@
             <a:fld id="{85A5DE44-605B-4D3B-B2B7-94543DF81A36}" type="datetimeFigureOut">
               <a:rPr lang="ru-RU" smtClean="0"/>
               <a:pPr/>
-              <a:t>19.04.2024</a:t>
+              <a:t>23.04.2024</a:t>
             </a:fld>
             <a:endParaRPr lang="ru-RU"/>
           </a:p>
@@ -2572,7 +2572,7 @@
             <a:fld id="{85A5DE44-605B-4D3B-B2B7-94543DF81A36}" type="datetimeFigureOut">
               <a:rPr lang="ru-RU" smtClean="0"/>
               <a:pPr/>
-              <a:t>19.04.2024</a:t>
+              <a:t>23.04.2024</a:t>
             </a:fld>
             <a:endParaRPr lang="ru-RU"/>
           </a:p>
@@ -2831,7 +2831,7 @@
             <a:fld id="{85A5DE44-605B-4D3B-B2B7-94543DF81A36}" type="datetimeFigureOut">
               <a:rPr lang="ru-RU" smtClean="0"/>
               <a:pPr/>
-              <a:t>19.04.2024</a:t>
+              <a:t>23.04.2024</a:t>
             </a:fld>
             <a:endParaRPr lang="ru-RU"/>
           </a:p>
@@ -3046,7 +3046,7 @@
             <a:fld id="{85A5DE44-605B-4D3B-B2B7-94543DF81A36}" type="datetimeFigureOut">
               <a:rPr lang="ru-RU" smtClean="0"/>
               <a:pPr/>
-              <a:t>19.04.2024</a:t>
+              <a:t>23.04.2024</a:t>
             </a:fld>
             <a:endParaRPr lang="ru-RU"/>
           </a:p>
@@ -23756,7 +23756,7 @@
         </p:nvSpPr>
         <p:spPr>
           <a:xfrm>
-            <a:off x="48170672" y="9934239"/>
+            <a:off x="48166620" y="9928352"/>
             <a:ext cx="2115918" cy="1080000"/>
           </a:xfrm>
           <a:prstGeom prst="rect">
@@ -24241,7 +24241,7 @@
         <p:spPr>
           <a:xfrm>
             <a:off x="49224579" y="9257861"/>
-            <a:ext cx="4052" cy="676378"/>
+            <a:ext cx="0" cy="670491"/>
           </a:xfrm>
           <a:prstGeom prst="straightConnector1">
             <a:avLst/>
@@ -24277,8 +24277,8 @@
         </p:nvCxnSpPr>
         <p:spPr>
           <a:xfrm rot="5400000">
-            <a:off x="47666951" y="10046335"/>
-            <a:ext cx="593776" cy="2529585"/>
+            <a:off x="47661982" y="10045417"/>
+            <a:ext cx="599663" cy="2525533"/>
           </a:xfrm>
           <a:prstGeom prst="bentConnector3">
             <a:avLst>
@@ -24431,8 +24431,8 @@
         </p:nvCxnSpPr>
         <p:spPr>
           <a:xfrm rot="16200000" flipH="1">
-            <a:off x="50201227" y="10041643"/>
-            <a:ext cx="580128" cy="2525320"/>
+            <a:off x="50196258" y="10036673"/>
+            <a:ext cx="586015" cy="2529372"/>
           </a:xfrm>
           <a:prstGeom prst="bentConnector3">
             <a:avLst>
@@ -24770,8 +24770,8 @@
         </p:nvCxnSpPr>
         <p:spPr>
           <a:xfrm>
-            <a:off x="49228631" y="11014239"/>
-            <a:ext cx="8050" cy="2049964"/>
+            <a:off x="49224579" y="11008352"/>
+            <a:ext cx="12102" cy="2055851"/>
           </a:xfrm>
           <a:prstGeom prst="straightConnector1">
             <a:avLst/>
@@ -28329,10 +28329,10 @@
       </p:pic>
       <p:pic>
         <p:nvPicPr>
-          <p:cNvPr id="25" name="Рисунок 24">
+          <p:cNvPr id="27" name="Рисунок 26">
             <a:extLst>
               <a:ext uri="{FF2B5EF4-FFF2-40B4-BE49-F238E27FC236}">
-                <a16:creationId xmlns:a16="http://schemas.microsoft.com/office/drawing/2014/main" id="{19EE24FE-680C-49AD-BDFA-CD8A0882AAC2}"/>
+                <a16:creationId xmlns:a16="http://schemas.microsoft.com/office/drawing/2014/main" id="{EDA02B05-122C-4B5D-A4B0-6968B628A793}"/>
               </a:ext>
             </a:extLst>
           </p:cNvPr>
@@ -28355,8 +28355,8 @@
         </p:blipFill>
         <p:spPr>
           <a:xfrm>
-            <a:off x="48633997" y="13068139"/>
-            <a:ext cx="1232308" cy="1080000"/>
+            <a:off x="34446750" y="24003178"/>
+            <a:ext cx="1417569" cy="1161200"/>
           </a:xfrm>
           <a:prstGeom prst="rect">
             <a:avLst/>
@@ -28365,10 +28365,10 @@
       </p:pic>
       <p:pic>
         <p:nvPicPr>
-          <p:cNvPr id="27" name="Рисунок 26">
+          <p:cNvPr id="29" name="Рисунок 28">
             <a:extLst>
               <a:ext uri="{FF2B5EF4-FFF2-40B4-BE49-F238E27FC236}">
-                <a16:creationId xmlns:a16="http://schemas.microsoft.com/office/drawing/2014/main" id="{EDA02B05-122C-4B5D-A4B0-6968B628A793}"/>
+                <a16:creationId xmlns:a16="http://schemas.microsoft.com/office/drawing/2014/main" id="{45F70CC9-64F9-4993-8FA7-3827CC8E8D38}"/>
               </a:ext>
             </a:extLst>
           </p:cNvPr>
@@ -28391,8 +28391,8 @@
         </p:blipFill>
         <p:spPr>
           <a:xfrm>
-            <a:off x="34446750" y="24003178"/>
-            <a:ext cx="1417569" cy="1161200"/>
+            <a:off x="41381208" y="11656338"/>
+            <a:ext cx="1299056" cy="1138498"/>
           </a:xfrm>
           <a:prstGeom prst="rect">
             <a:avLst/>
@@ -28401,10 +28401,10 @@
       </p:pic>
       <p:pic>
         <p:nvPicPr>
-          <p:cNvPr id="29" name="Рисунок 28">
+          <p:cNvPr id="31" name="Рисунок 30">
             <a:extLst>
               <a:ext uri="{FF2B5EF4-FFF2-40B4-BE49-F238E27FC236}">
-                <a16:creationId xmlns:a16="http://schemas.microsoft.com/office/drawing/2014/main" id="{45F70CC9-64F9-4993-8FA7-3827CC8E8D38}"/>
+                <a16:creationId xmlns:a16="http://schemas.microsoft.com/office/drawing/2014/main" id="{C0E44D5E-1A4D-4EC3-8544-53877B07F9F8}"/>
               </a:ext>
             </a:extLst>
           </p:cNvPr>
@@ -28427,8 +28427,8 @@
         </p:blipFill>
         <p:spPr>
           <a:xfrm>
-            <a:off x="41381208" y="11656338"/>
-            <a:ext cx="1299056" cy="1138498"/>
+            <a:off x="41420873" y="6529106"/>
+            <a:ext cx="1224072" cy="1072782"/>
           </a:xfrm>
           <a:prstGeom prst="rect">
             <a:avLst/>
@@ -28437,10 +28437,10 @@
       </p:pic>
       <p:pic>
         <p:nvPicPr>
-          <p:cNvPr id="31" name="Рисунок 30">
+          <p:cNvPr id="35" name="Рисунок 34">
             <a:extLst>
               <a:ext uri="{FF2B5EF4-FFF2-40B4-BE49-F238E27FC236}">
-                <a16:creationId xmlns:a16="http://schemas.microsoft.com/office/drawing/2014/main" id="{C0E44D5E-1A4D-4EC3-8544-53877B07F9F8}"/>
+                <a16:creationId xmlns:a16="http://schemas.microsoft.com/office/drawing/2014/main" id="{9FA80D58-856B-4AA9-9F35-584241521BC5}"/>
               </a:ext>
             </a:extLst>
           </p:cNvPr>
@@ -28463,8 +28463,8 @@
         </p:blipFill>
         <p:spPr>
           <a:xfrm>
-            <a:off x="41420873" y="6529106"/>
-            <a:ext cx="1224072" cy="1072782"/>
+            <a:off x="28712863" y="5024500"/>
+            <a:ext cx="1268134" cy="1111398"/>
           </a:xfrm>
           <a:prstGeom prst="rect">
             <a:avLst/>
@@ -28473,10 +28473,10 @@
       </p:pic>
       <p:pic>
         <p:nvPicPr>
-          <p:cNvPr id="35" name="Рисунок 34">
+          <p:cNvPr id="37" name="Рисунок 36">
             <a:extLst>
               <a:ext uri="{FF2B5EF4-FFF2-40B4-BE49-F238E27FC236}">
-                <a16:creationId xmlns:a16="http://schemas.microsoft.com/office/drawing/2014/main" id="{9FA80D58-856B-4AA9-9F35-584241521BC5}"/>
+                <a16:creationId xmlns:a16="http://schemas.microsoft.com/office/drawing/2014/main" id="{730E1803-9D82-4E53-BB1D-BCA94779AF5C}"/>
               </a:ext>
             </a:extLst>
           </p:cNvPr>
@@ -28499,8 +28499,8 @@
         </p:blipFill>
         <p:spPr>
           <a:xfrm>
-            <a:off x="28712863" y="5024500"/>
-            <a:ext cx="1268134" cy="1111398"/>
+            <a:off x="2581075" y="13331097"/>
+            <a:ext cx="1397356" cy="1117884"/>
           </a:xfrm>
           <a:prstGeom prst="rect">
             <a:avLst/>
@@ -28509,10 +28509,10 @@
       </p:pic>
       <p:pic>
         <p:nvPicPr>
-          <p:cNvPr id="37" name="Рисунок 36">
+          <p:cNvPr id="39" name="Рисунок 38">
             <a:extLst>
               <a:ext uri="{FF2B5EF4-FFF2-40B4-BE49-F238E27FC236}">
-                <a16:creationId xmlns:a16="http://schemas.microsoft.com/office/drawing/2014/main" id="{730E1803-9D82-4E53-BB1D-BCA94779AF5C}"/>
+                <a16:creationId xmlns:a16="http://schemas.microsoft.com/office/drawing/2014/main" id="{67070724-407C-45EE-A3CF-CCC053D62316}"/>
               </a:ext>
             </a:extLst>
           </p:cNvPr>
@@ -28535,8 +28535,8 @@
         </p:blipFill>
         <p:spPr>
           <a:xfrm>
-            <a:off x="2581075" y="13331097"/>
-            <a:ext cx="1397356" cy="1117884"/>
+            <a:off x="4737709" y="13302172"/>
+            <a:ext cx="1418739" cy="1134991"/>
           </a:xfrm>
           <a:prstGeom prst="rect">
             <a:avLst/>
@@ -28545,10 +28545,10 @@
       </p:pic>
       <p:pic>
         <p:nvPicPr>
-          <p:cNvPr id="39" name="Рисунок 38">
+          <p:cNvPr id="41" name="Рисунок 40">
             <a:extLst>
               <a:ext uri="{FF2B5EF4-FFF2-40B4-BE49-F238E27FC236}">
-                <a16:creationId xmlns:a16="http://schemas.microsoft.com/office/drawing/2014/main" id="{67070724-407C-45EE-A3CF-CCC053D62316}"/>
+                <a16:creationId xmlns:a16="http://schemas.microsoft.com/office/drawing/2014/main" id="{12A2AAEB-453B-4B5E-BDAB-098109EF165B}"/>
               </a:ext>
             </a:extLst>
           </p:cNvPr>
@@ -28571,8 +28571,8 @@
         </p:blipFill>
         <p:spPr>
           <a:xfrm>
-            <a:off x="4737709" y="13302172"/>
-            <a:ext cx="1418739" cy="1134991"/>
+            <a:off x="354962" y="13299823"/>
+            <a:ext cx="1461592" cy="1169273"/>
           </a:xfrm>
           <a:prstGeom prst="rect">
             <a:avLst/>
@@ -28581,10 +28581,10 @@
       </p:pic>
       <p:pic>
         <p:nvPicPr>
-          <p:cNvPr id="41" name="Рисунок 40">
+          <p:cNvPr id="43" name="Рисунок 42">
             <a:extLst>
               <a:ext uri="{FF2B5EF4-FFF2-40B4-BE49-F238E27FC236}">
-                <a16:creationId xmlns:a16="http://schemas.microsoft.com/office/drawing/2014/main" id="{12A2AAEB-453B-4B5E-BDAB-098109EF165B}"/>
+                <a16:creationId xmlns:a16="http://schemas.microsoft.com/office/drawing/2014/main" id="{E32C798F-64ED-479C-BC38-F46D6D8B93CC}"/>
               </a:ext>
             </a:extLst>
           </p:cNvPr>
@@ -28607,8 +28607,8 @@
         </p:blipFill>
         <p:spPr>
           <a:xfrm>
-            <a:off x="354962" y="13299823"/>
-            <a:ext cx="1461592" cy="1169273"/>
+            <a:off x="39128266" y="28649732"/>
+            <a:ext cx="1644366" cy="1543690"/>
           </a:xfrm>
           <a:prstGeom prst="rect">
             <a:avLst/>
@@ -28617,10 +28617,10 @@
       </p:pic>
       <p:pic>
         <p:nvPicPr>
-          <p:cNvPr id="43" name="Рисунок 42">
+          <p:cNvPr id="45" name="Рисунок 44">
             <a:extLst>
               <a:ext uri="{FF2B5EF4-FFF2-40B4-BE49-F238E27FC236}">
-                <a16:creationId xmlns:a16="http://schemas.microsoft.com/office/drawing/2014/main" id="{E32C798F-64ED-479C-BC38-F46D6D8B93CC}"/>
+                <a16:creationId xmlns:a16="http://schemas.microsoft.com/office/drawing/2014/main" id="{808FFEEA-6B21-4C99-B67B-7F69569A49B9}"/>
               </a:ext>
             </a:extLst>
           </p:cNvPr>
@@ -28643,8 +28643,8 @@
         </p:blipFill>
         <p:spPr>
           <a:xfrm>
-            <a:off x="39128266" y="28649732"/>
-            <a:ext cx="1644366" cy="1543690"/>
+            <a:off x="18035536" y="23978589"/>
+            <a:ext cx="1457356" cy="1295426"/>
           </a:xfrm>
           <a:prstGeom prst="rect">
             <a:avLst/>
@@ -28653,10 +28653,10 @@
       </p:pic>
       <p:pic>
         <p:nvPicPr>
-          <p:cNvPr id="45" name="Рисунок 44">
+          <p:cNvPr id="47" name="Рисунок 46">
             <a:extLst>
               <a:ext uri="{FF2B5EF4-FFF2-40B4-BE49-F238E27FC236}">
-                <a16:creationId xmlns:a16="http://schemas.microsoft.com/office/drawing/2014/main" id="{808FFEEA-6B21-4C99-B67B-7F69569A49B9}"/>
+                <a16:creationId xmlns:a16="http://schemas.microsoft.com/office/drawing/2014/main" id="{1E346B63-A9A7-40F4-AB4B-20A21FF27C95}"/>
               </a:ext>
             </a:extLst>
           </p:cNvPr>
@@ -28679,8 +28679,8 @@
         </p:blipFill>
         <p:spPr>
           <a:xfrm>
-            <a:off x="18035536" y="23978589"/>
-            <a:ext cx="1457356" cy="1295426"/>
+            <a:off x="29537454" y="25669800"/>
+            <a:ext cx="1354623" cy="1109638"/>
           </a:xfrm>
           <a:prstGeom prst="rect">
             <a:avLst/>
@@ -28689,10 +28689,10 @@
       </p:pic>
       <p:pic>
         <p:nvPicPr>
-          <p:cNvPr id="47" name="Рисунок 46">
+          <p:cNvPr id="49" name="Рисунок 48">
             <a:extLst>
               <a:ext uri="{FF2B5EF4-FFF2-40B4-BE49-F238E27FC236}">
-                <a16:creationId xmlns:a16="http://schemas.microsoft.com/office/drawing/2014/main" id="{1E346B63-A9A7-40F4-AB4B-20A21FF27C95}"/>
+                <a16:creationId xmlns:a16="http://schemas.microsoft.com/office/drawing/2014/main" id="{E85C69C7-9235-42A2-82D9-B5A054FC77BF}"/>
               </a:ext>
             </a:extLst>
           </p:cNvPr>
@@ -28715,8 +28715,8 @@
         </p:blipFill>
         <p:spPr>
           <a:xfrm>
-            <a:off x="29537454" y="25669800"/>
-            <a:ext cx="1354623" cy="1109638"/>
+            <a:off x="13626467" y="8167092"/>
+            <a:ext cx="2241747" cy="1243809"/>
           </a:xfrm>
           <a:prstGeom prst="rect">
             <a:avLst/>
@@ -28725,10 +28725,10 @@
       </p:pic>
       <p:pic>
         <p:nvPicPr>
-          <p:cNvPr id="49" name="Рисунок 48">
+          <p:cNvPr id="51" name="Рисунок 50">
             <a:extLst>
               <a:ext uri="{FF2B5EF4-FFF2-40B4-BE49-F238E27FC236}">
-                <a16:creationId xmlns:a16="http://schemas.microsoft.com/office/drawing/2014/main" id="{E85C69C7-9235-42A2-82D9-B5A054FC77BF}"/>
+                <a16:creationId xmlns:a16="http://schemas.microsoft.com/office/drawing/2014/main" id="{7321EA63-F92F-4A34-88F6-A7C140D9225B}"/>
               </a:ext>
             </a:extLst>
           </p:cNvPr>
@@ -28751,8 +28751,8 @@
         </p:blipFill>
         <p:spPr>
           <a:xfrm>
-            <a:off x="13626467" y="8167092"/>
-            <a:ext cx="2241747" cy="1243809"/>
+            <a:off x="4699566" y="17682260"/>
+            <a:ext cx="1459744" cy="1284575"/>
           </a:xfrm>
           <a:prstGeom prst="rect">
             <a:avLst/>
@@ -28761,10 +28761,46 @@
       </p:pic>
       <p:pic>
         <p:nvPicPr>
-          <p:cNvPr id="51" name="Рисунок 50">
+          <p:cNvPr id="53" name="Рисунок 52">
             <a:extLst>
               <a:ext uri="{FF2B5EF4-FFF2-40B4-BE49-F238E27FC236}">
-                <a16:creationId xmlns:a16="http://schemas.microsoft.com/office/drawing/2014/main" id="{7321EA63-F92F-4A34-88F6-A7C140D9225B}"/>
+                <a16:creationId xmlns:a16="http://schemas.microsoft.com/office/drawing/2014/main" id="{414CB8CA-4948-4E81-8F3F-9E2BC286671A}"/>
+              </a:ext>
+            </a:extLst>
+          </p:cNvPr>
+          <p:cNvPicPr>
+            <a:picLocks noChangeAspect="1"/>
+          </p:cNvPicPr>
+          <p:nvPr/>
+        </p:nvPicPr>
+        <p:blipFill>
+          <a:blip r:embed="rId4">
+            <a:extLst>
+              <a:ext uri="{28A0092B-C50C-407E-A947-70E740481C1C}">
+                <a14:useLocalDpi xmlns:a14="http://schemas.microsoft.com/office/drawing/2010/main" val="0"/>
+              </a:ext>
+            </a:extLst>
+          </a:blip>
+          <a:stretch>
+            <a:fillRect/>
+          </a:stretch>
+        </p:blipFill>
+        <p:spPr>
+          <a:xfrm>
+            <a:off x="41350779" y="12853388"/>
+            <a:ext cx="1471181" cy="1529561"/>
+          </a:xfrm>
+          <a:prstGeom prst="rect">
+            <a:avLst/>
+          </a:prstGeom>
+        </p:spPr>
+      </p:pic>
+      <p:pic>
+        <p:nvPicPr>
+          <p:cNvPr id="55" name="Рисунок 54">
+            <a:extLst>
+              <a:ext uri="{FF2B5EF4-FFF2-40B4-BE49-F238E27FC236}">
+                <a16:creationId xmlns:a16="http://schemas.microsoft.com/office/drawing/2014/main" id="{A5D98D80-EAFB-46E8-921E-C2FAB7A7FB2F}"/>
               </a:ext>
             </a:extLst>
           </p:cNvPr>
@@ -28787,8 +28823,8 @@
         </p:blipFill>
         <p:spPr>
           <a:xfrm>
-            <a:off x="4699566" y="17682260"/>
-            <a:ext cx="1459744" cy="1284575"/>
+            <a:off x="30947286" y="8157654"/>
+            <a:ext cx="1460061" cy="1284854"/>
           </a:xfrm>
           <a:prstGeom prst="rect">
             <a:avLst/>
@@ -28797,46 +28833,10 @@
       </p:pic>
       <p:pic>
         <p:nvPicPr>
-          <p:cNvPr id="53" name="Рисунок 52">
+          <p:cNvPr id="57" name="Рисунок 56">
             <a:extLst>
               <a:ext uri="{FF2B5EF4-FFF2-40B4-BE49-F238E27FC236}">
-                <a16:creationId xmlns:a16="http://schemas.microsoft.com/office/drawing/2014/main" id="{414CB8CA-4948-4E81-8F3F-9E2BC286671A}"/>
-              </a:ext>
-            </a:extLst>
-          </p:cNvPr>
-          <p:cNvPicPr>
-            <a:picLocks noChangeAspect="1"/>
-          </p:cNvPicPr>
-          <p:nvPr/>
-        </p:nvPicPr>
-        <p:blipFill>
-          <a:blip r:embed="rId4">
-            <a:extLst>
-              <a:ext uri="{28A0092B-C50C-407E-A947-70E740481C1C}">
-                <a14:useLocalDpi xmlns:a14="http://schemas.microsoft.com/office/drawing/2010/main" val="0"/>
-              </a:ext>
-            </a:extLst>
-          </a:blip>
-          <a:stretch>
-            <a:fillRect/>
-          </a:stretch>
-        </p:blipFill>
-        <p:spPr>
-          <a:xfrm>
-            <a:off x="41350779" y="12853388"/>
-            <a:ext cx="1471181" cy="1529561"/>
-          </a:xfrm>
-          <a:prstGeom prst="rect">
-            <a:avLst/>
-          </a:prstGeom>
-        </p:spPr>
-      </p:pic>
-      <p:pic>
-        <p:nvPicPr>
-          <p:cNvPr id="55" name="Рисунок 54">
-            <a:extLst>
-              <a:ext uri="{FF2B5EF4-FFF2-40B4-BE49-F238E27FC236}">
-                <a16:creationId xmlns:a16="http://schemas.microsoft.com/office/drawing/2014/main" id="{A5D98D80-EAFB-46E8-921E-C2FAB7A7FB2F}"/>
+                <a16:creationId xmlns:a16="http://schemas.microsoft.com/office/drawing/2014/main" id="{49FE829F-F168-48E9-A4E1-A8FCE9C65CA4}"/>
               </a:ext>
             </a:extLst>
           </p:cNvPr>
@@ -28859,8 +28859,8 @@
         </p:blipFill>
         <p:spPr>
           <a:xfrm>
-            <a:off x="30947286" y="8157654"/>
-            <a:ext cx="1460061" cy="1284854"/>
+            <a:off x="31031984" y="9852385"/>
+            <a:ext cx="1292609" cy="1147372"/>
           </a:xfrm>
           <a:prstGeom prst="rect">
             <a:avLst/>
@@ -28869,10 +28869,10 @@
       </p:pic>
       <p:pic>
         <p:nvPicPr>
-          <p:cNvPr id="57" name="Рисунок 56">
+          <p:cNvPr id="59" name="Рисунок 58">
             <a:extLst>
               <a:ext uri="{FF2B5EF4-FFF2-40B4-BE49-F238E27FC236}">
-                <a16:creationId xmlns:a16="http://schemas.microsoft.com/office/drawing/2014/main" id="{49FE829F-F168-48E9-A4E1-A8FCE9C65CA4}"/>
+                <a16:creationId xmlns:a16="http://schemas.microsoft.com/office/drawing/2014/main" id="{44034FB7-83F1-40F8-88E8-551DDA65E08D}"/>
               </a:ext>
             </a:extLst>
           </p:cNvPr>
@@ -28895,8 +28895,8 @@
         </p:blipFill>
         <p:spPr>
           <a:xfrm>
-            <a:off x="31031984" y="9852385"/>
-            <a:ext cx="1292609" cy="1147372"/>
+            <a:off x="32052271" y="11527183"/>
+            <a:ext cx="1522709" cy="1339984"/>
           </a:xfrm>
           <a:prstGeom prst="rect">
             <a:avLst/>
@@ -28905,10 +28905,10 @@
       </p:pic>
       <p:pic>
         <p:nvPicPr>
-          <p:cNvPr id="59" name="Рисунок 58">
+          <p:cNvPr id="4" name="Рисунок 3">
             <a:extLst>
               <a:ext uri="{FF2B5EF4-FFF2-40B4-BE49-F238E27FC236}">
-                <a16:creationId xmlns:a16="http://schemas.microsoft.com/office/drawing/2014/main" id="{44034FB7-83F1-40F8-88E8-551DDA65E08D}"/>
+                <a16:creationId xmlns:a16="http://schemas.microsoft.com/office/drawing/2014/main" id="{B23AF4DC-892C-4EBD-BB16-BEFD66246EDC}"/>
               </a:ext>
             </a:extLst>
           </p:cNvPr>
@@ -28931,7 +28931,7 @@
         </p:blipFill>
         <p:spPr>
           <a:xfrm>
-            <a:off x="32052271" y="11527183"/>
+            <a:off x="29708852" y="11445485"/>
             <a:ext cx="1522709" cy="1339984"/>
           </a:xfrm>
           <a:prstGeom prst="rect">
@@ -28941,10 +28941,10 @@
       </p:pic>
       <p:pic>
         <p:nvPicPr>
-          <p:cNvPr id="4" name="Рисунок 3">
+          <p:cNvPr id="7" name="Рисунок 6">
             <a:extLst>
               <a:ext uri="{FF2B5EF4-FFF2-40B4-BE49-F238E27FC236}">
-                <a16:creationId xmlns:a16="http://schemas.microsoft.com/office/drawing/2014/main" id="{B23AF4DC-892C-4EBD-BB16-BEFD66246EDC}"/>
+                <a16:creationId xmlns:a16="http://schemas.microsoft.com/office/drawing/2014/main" id="{E1B7B62F-179C-458B-B31D-16683280FEF1}"/>
               </a:ext>
             </a:extLst>
           </p:cNvPr>
@@ -28967,8 +28967,8 @@
         </p:blipFill>
         <p:spPr>
           <a:xfrm>
-            <a:off x="29708852" y="11445485"/>
-            <a:ext cx="1522709" cy="1339984"/>
+            <a:off x="38866532" y="9880235"/>
+            <a:ext cx="1402708" cy="1234383"/>
           </a:xfrm>
           <a:prstGeom prst="rect">
             <a:avLst/>
@@ -28977,10 +28977,10 @@
       </p:pic>
       <p:pic>
         <p:nvPicPr>
-          <p:cNvPr id="7" name="Рисунок 6">
+          <p:cNvPr id="10" name="Рисунок 9">
             <a:extLst>
               <a:ext uri="{FF2B5EF4-FFF2-40B4-BE49-F238E27FC236}">
-                <a16:creationId xmlns:a16="http://schemas.microsoft.com/office/drawing/2014/main" id="{E1B7B62F-179C-458B-B31D-16683280FEF1}"/>
+                <a16:creationId xmlns:a16="http://schemas.microsoft.com/office/drawing/2014/main" id="{59F44C16-773B-41D1-B995-CF4090DDB66F}"/>
               </a:ext>
             </a:extLst>
           </p:cNvPr>
@@ -29003,8 +29003,8 @@
         </p:blipFill>
         <p:spPr>
           <a:xfrm>
-            <a:off x="38866532" y="9880235"/>
-            <a:ext cx="1402708" cy="1234383"/>
+            <a:off x="20652124" y="11391348"/>
+            <a:ext cx="1345552" cy="1345552"/>
           </a:xfrm>
           <a:prstGeom prst="rect">
             <a:avLst/>
@@ -29013,10 +29013,10 @@
       </p:pic>
       <p:pic>
         <p:nvPicPr>
-          <p:cNvPr id="10" name="Рисунок 9">
+          <p:cNvPr id="13" name="Рисунок 12">
             <a:extLst>
               <a:ext uri="{FF2B5EF4-FFF2-40B4-BE49-F238E27FC236}">
-                <a16:creationId xmlns:a16="http://schemas.microsoft.com/office/drawing/2014/main" id="{59F44C16-773B-41D1-B995-CF4090DDB66F}"/>
+                <a16:creationId xmlns:a16="http://schemas.microsoft.com/office/drawing/2014/main" id="{AD6B6EB3-8016-4F0B-8FE9-2E93CEA5C5E9}"/>
               </a:ext>
             </a:extLst>
           </p:cNvPr>
@@ -29039,8 +29039,8 @@
         </p:blipFill>
         <p:spPr>
           <a:xfrm>
-            <a:off x="20652124" y="11391348"/>
-            <a:ext cx="1345552" cy="1345552"/>
+            <a:off x="48582184" y="8152478"/>
+            <a:ext cx="1332249" cy="1103479"/>
           </a:xfrm>
           <a:prstGeom prst="rect">
             <a:avLst/>
@@ -29049,10 +29049,10 @@
       </p:pic>
       <p:pic>
         <p:nvPicPr>
-          <p:cNvPr id="13" name="Рисунок 12">
+          <p:cNvPr id="16" name="Рисунок 15">
             <a:extLst>
               <a:ext uri="{FF2B5EF4-FFF2-40B4-BE49-F238E27FC236}">
-                <a16:creationId xmlns:a16="http://schemas.microsoft.com/office/drawing/2014/main" id="{AD6B6EB3-8016-4F0B-8FE9-2E93CEA5C5E9}"/>
+                <a16:creationId xmlns:a16="http://schemas.microsoft.com/office/drawing/2014/main" id="{DE5785DC-3FAC-4A5A-8724-75A58789715A}"/>
               </a:ext>
             </a:extLst>
           </p:cNvPr>
@@ -29075,8 +29075,8 @@
         </p:blipFill>
         <p:spPr>
           <a:xfrm>
-            <a:off x="48582184" y="8152478"/>
-            <a:ext cx="1332249" cy="1103479"/>
+            <a:off x="46074779" y="4975707"/>
+            <a:ext cx="1261387" cy="1105484"/>
           </a:xfrm>
           <a:prstGeom prst="rect">
             <a:avLst/>
@@ -29085,10 +29085,10 @@
       </p:pic>
       <p:pic>
         <p:nvPicPr>
-          <p:cNvPr id="16" name="Рисунок 15">
+          <p:cNvPr id="20" name="Рисунок 19">
             <a:extLst>
               <a:ext uri="{FF2B5EF4-FFF2-40B4-BE49-F238E27FC236}">
-                <a16:creationId xmlns:a16="http://schemas.microsoft.com/office/drawing/2014/main" id="{DE5785DC-3FAC-4A5A-8724-75A58789715A}"/>
+                <a16:creationId xmlns:a16="http://schemas.microsoft.com/office/drawing/2014/main" id="{7F17E503-AFB1-4B17-8545-54DF7BE2A944}"/>
               </a:ext>
             </a:extLst>
           </p:cNvPr>
@@ -29111,8 +29111,8 @@
         </p:blipFill>
         <p:spPr>
           <a:xfrm>
-            <a:off x="46074779" y="4975707"/>
-            <a:ext cx="1261387" cy="1105484"/>
+            <a:off x="53599848" y="9748593"/>
+            <a:ext cx="1358843" cy="1358843"/>
           </a:xfrm>
           <a:prstGeom prst="rect">
             <a:avLst/>
@@ -29121,10 +29121,10 @@
       </p:pic>
       <p:pic>
         <p:nvPicPr>
-          <p:cNvPr id="20" name="Рисунок 19">
+          <p:cNvPr id="24" name="Рисунок 23">
             <a:extLst>
               <a:ext uri="{FF2B5EF4-FFF2-40B4-BE49-F238E27FC236}">
-                <a16:creationId xmlns:a16="http://schemas.microsoft.com/office/drawing/2014/main" id="{7F17E503-AFB1-4B17-8545-54DF7BE2A944}"/>
+                <a16:creationId xmlns:a16="http://schemas.microsoft.com/office/drawing/2014/main" id="{7F6214E0-7AFC-4BCE-ACFF-8BAC24F7243F}"/>
               </a:ext>
             </a:extLst>
           </p:cNvPr>
@@ -29147,8 +29147,8 @@
         </p:blipFill>
         <p:spPr>
           <a:xfrm>
-            <a:off x="53599848" y="9748593"/>
-            <a:ext cx="1358843" cy="1358843"/>
+            <a:off x="48539955" y="14608454"/>
+            <a:ext cx="1404408" cy="1304094"/>
           </a:xfrm>
           <a:prstGeom prst="rect">
             <a:avLst/>
@@ -29157,10 +29157,10 @@
       </p:pic>
       <p:pic>
         <p:nvPicPr>
-          <p:cNvPr id="24" name="Рисунок 23">
+          <p:cNvPr id="6" name="Рисунок 5">
             <a:extLst>
               <a:ext uri="{FF2B5EF4-FFF2-40B4-BE49-F238E27FC236}">
-                <a16:creationId xmlns:a16="http://schemas.microsoft.com/office/drawing/2014/main" id="{7F6214E0-7AFC-4BCE-ACFF-8BAC24F7243F}"/>
+                <a16:creationId xmlns:a16="http://schemas.microsoft.com/office/drawing/2014/main" id="{ACBEAFDC-93BC-48E3-9E60-0A515A86E40E}"/>
               </a:ext>
             </a:extLst>
           </p:cNvPr>
@@ -29183,8 +29183,8 @@
         </p:blipFill>
         <p:spPr>
           <a:xfrm>
-            <a:off x="48539955" y="14608454"/>
-            <a:ext cx="1404408" cy="1304094"/>
+            <a:off x="43678536" y="9861270"/>
+            <a:ext cx="1410198" cy="1240974"/>
           </a:xfrm>
           <a:prstGeom prst="rect">
             <a:avLst/>
@@ -29193,10 +29193,10 @@
       </p:pic>
       <p:pic>
         <p:nvPicPr>
-          <p:cNvPr id="6" name="Рисунок 5">
+          <p:cNvPr id="18" name="Рисунок 17">
             <a:extLst>
               <a:ext uri="{FF2B5EF4-FFF2-40B4-BE49-F238E27FC236}">
-                <a16:creationId xmlns:a16="http://schemas.microsoft.com/office/drawing/2014/main" id="{ACBEAFDC-93BC-48E3-9E60-0A515A86E40E}"/>
+                <a16:creationId xmlns:a16="http://schemas.microsoft.com/office/drawing/2014/main" id="{3A7C3F3D-775B-4183-A227-EEE926E04066}"/>
               </a:ext>
             </a:extLst>
           </p:cNvPr>
@@ -29219,8 +29219,8 @@
         </p:blipFill>
         <p:spPr>
           <a:xfrm>
-            <a:off x="43678536" y="9861270"/>
-            <a:ext cx="1410198" cy="1240974"/>
+            <a:off x="7039796" y="11232253"/>
+            <a:ext cx="1529368" cy="1529368"/>
           </a:xfrm>
           <a:prstGeom prst="rect">
             <a:avLst/>
@@ -29229,10 +29229,10 @@
       </p:pic>
       <p:pic>
         <p:nvPicPr>
-          <p:cNvPr id="18" name="Рисунок 17">
+          <p:cNvPr id="26" name="Рисунок 25">
             <a:extLst>
               <a:ext uri="{FF2B5EF4-FFF2-40B4-BE49-F238E27FC236}">
-                <a16:creationId xmlns:a16="http://schemas.microsoft.com/office/drawing/2014/main" id="{3A7C3F3D-775B-4183-A227-EEE926E04066}"/>
+                <a16:creationId xmlns:a16="http://schemas.microsoft.com/office/drawing/2014/main" id="{F086EB83-5A80-4ACF-83AB-A982C4587DD6}"/>
               </a:ext>
             </a:extLst>
           </p:cNvPr>
@@ -29255,8 +29255,8 @@
         </p:blipFill>
         <p:spPr>
           <a:xfrm>
-            <a:off x="7039796" y="11232253"/>
-            <a:ext cx="1529368" cy="1529368"/>
+            <a:off x="16163402" y="9779432"/>
+            <a:ext cx="1653304" cy="1454909"/>
           </a:xfrm>
           <a:prstGeom prst="rect">
             <a:avLst/>
@@ -29265,10 +29265,10 @@
       </p:pic>
       <p:pic>
         <p:nvPicPr>
-          <p:cNvPr id="26" name="Рисунок 25">
+          <p:cNvPr id="30" name="Рисунок 29">
             <a:extLst>
               <a:ext uri="{FF2B5EF4-FFF2-40B4-BE49-F238E27FC236}">
-                <a16:creationId xmlns:a16="http://schemas.microsoft.com/office/drawing/2014/main" id="{F086EB83-5A80-4ACF-83AB-A982C4587DD6}"/>
+                <a16:creationId xmlns:a16="http://schemas.microsoft.com/office/drawing/2014/main" id="{A06F15C6-7BF3-4042-8604-57B470E93AEA}"/>
               </a:ext>
             </a:extLst>
           </p:cNvPr>
@@ -29291,8 +29291,8 @@
         </p:blipFill>
         <p:spPr>
           <a:xfrm>
-            <a:off x="16163402" y="9779432"/>
-            <a:ext cx="1653304" cy="1454909"/>
+            <a:off x="3517528" y="19176715"/>
+            <a:ext cx="1694681" cy="1355745"/>
           </a:xfrm>
           <a:prstGeom prst="rect">
             <a:avLst/>
@@ -29301,10 +29301,10 @@
       </p:pic>
       <p:pic>
         <p:nvPicPr>
-          <p:cNvPr id="30" name="Рисунок 29">
+          <p:cNvPr id="22" name="Рисунок 21">
             <a:extLst>
               <a:ext uri="{FF2B5EF4-FFF2-40B4-BE49-F238E27FC236}">
-                <a16:creationId xmlns:a16="http://schemas.microsoft.com/office/drawing/2014/main" id="{A06F15C6-7BF3-4042-8604-57B470E93AEA}"/>
+                <a16:creationId xmlns:a16="http://schemas.microsoft.com/office/drawing/2014/main" id="{16314D97-4415-43BC-8395-A4C6E58F0B40}"/>
               </a:ext>
             </a:extLst>
           </p:cNvPr>
@@ -29327,8 +29327,8 @@
         </p:blipFill>
         <p:spPr>
           <a:xfrm>
-            <a:off x="3517528" y="19176715"/>
-            <a:ext cx="1694681" cy="1355745"/>
+            <a:off x="4666251" y="14794055"/>
+            <a:ext cx="1571258" cy="1257006"/>
           </a:xfrm>
           <a:prstGeom prst="rect">
             <a:avLst/>
@@ -29337,10 +29337,10 @@
       </p:pic>
       <p:pic>
         <p:nvPicPr>
-          <p:cNvPr id="22" name="Рисунок 21">
+          <p:cNvPr id="32" name="Рисунок 31">
             <a:extLst>
               <a:ext uri="{FF2B5EF4-FFF2-40B4-BE49-F238E27FC236}">
-                <a16:creationId xmlns:a16="http://schemas.microsoft.com/office/drawing/2014/main" id="{16314D97-4415-43BC-8395-A4C6E58F0B40}"/>
+                <a16:creationId xmlns:a16="http://schemas.microsoft.com/office/drawing/2014/main" id="{B8649EC5-CF36-4B3E-95C5-1D6DD421990F}"/>
               </a:ext>
             </a:extLst>
           </p:cNvPr>
@@ -29363,8 +29363,8 @@
         </p:blipFill>
         <p:spPr>
           <a:xfrm>
-            <a:off x="4666251" y="14794055"/>
-            <a:ext cx="1571258" cy="1257006"/>
+            <a:off x="247673" y="14762871"/>
+            <a:ext cx="1636975" cy="1309579"/>
           </a:xfrm>
           <a:prstGeom prst="rect">
             <a:avLst/>
@@ -29373,10 +29373,10 @@
       </p:pic>
       <p:pic>
         <p:nvPicPr>
-          <p:cNvPr id="32" name="Рисунок 31">
+          <p:cNvPr id="40" name="Рисунок 39">
             <a:extLst>
               <a:ext uri="{FF2B5EF4-FFF2-40B4-BE49-F238E27FC236}">
-                <a16:creationId xmlns:a16="http://schemas.microsoft.com/office/drawing/2014/main" id="{B8649EC5-CF36-4B3E-95C5-1D6DD421990F}"/>
+                <a16:creationId xmlns:a16="http://schemas.microsoft.com/office/drawing/2014/main" id="{5EBADDBC-610E-4D9E-B1AC-ADFF2B8AC164}"/>
               </a:ext>
             </a:extLst>
           </p:cNvPr>
@@ -29399,8 +29399,8 @@
         </p:blipFill>
         <p:spPr>
           <a:xfrm>
-            <a:off x="247673" y="14762871"/>
-            <a:ext cx="1636975" cy="1309579"/>
+            <a:off x="2488600" y="14791229"/>
+            <a:ext cx="1565900" cy="1252719"/>
           </a:xfrm>
           <a:prstGeom prst="rect">
             <a:avLst/>
@@ -29409,10 +29409,10 @@
       </p:pic>
       <p:pic>
         <p:nvPicPr>
-          <p:cNvPr id="40" name="Рисунок 39">
+          <p:cNvPr id="44" name="Рисунок 43">
             <a:extLst>
               <a:ext uri="{FF2B5EF4-FFF2-40B4-BE49-F238E27FC236}">
-                <a16:creationId xmlns:a16="http://schemas.microsoft.com/office/drawing/2014/main" id="{5EBADDBC-610E-4D9E-B1AC-ADFF2B8AC164}"/>
+                <a16:creationId xmlns:a16="http://schemas.microsoft.com/office/drawing/2014/main" id="{48FAC34E-03F7-4436-AE1B-89EA43BCC8AC}"/>
               </a:ext>
             </a:extLst>
           </p:cNvPr>
@@ -29435,8 +29435,8 @@
         </p:blipFill>
         <p:spPr>
           <a:xfrm>
-            <a:off x="2488600" y="14791229"/>
-            <a:ext cx="1565900" cy="1252719"/>
+            <a:off x="1458251" y="16251008"/>
+            <a:ext cx="1474525" cy="1474525"/>
           </a:xfrm>
           <a:prstGeom prst="rect">
             <a:avLst/>
@@ -29445,10 +29445,10 @@
       </p:pic>
       <p:pic>
         <p:nvPicPr>
-          <p:cNvPr id="44" name="Рисунок 43">
+          <p:cNvPr id="48" name="Рисунок 47">
             <a:extLst>
               <a:ext uri="{FF2B5EF4-FFF2-40B4-BE49-F238E27FC236}">
-                <a16:creationId xmlns:a16="http://schemas.microsoft.com/office/drawing/2014/main" id="{48FAC34E-03F7-4436-AE1B-89EA43BCC8AC}"/>
+                <a16:creationId xmlns:a16="http://schemas.microsoft.com/office/drawing/2014/main" id="{3FE8B1F0-8E72-4D31-BB2F-94E7BA88D1BE}"/>
               </a:ext>
             </a:extLst>
           </p:cNvPr>
@@ -29471,8 +29471,8 @@
         </p:blipFill>
         <p:spPr>
           <a:xfrm>
-            <a:off x="1458251" y="16251008"/>
-            <a:ext cx="1474525" cy="1474525"/>
+            <a:off x="2460257" y="17655889"/>
+            <a:ext cx="1603813" cy="1411355"/>
           </a:xfrm>
           <a:prstGeom prst="rect">
             <a:avLst/>
@@ -29481,10 +29481,10 @@
       </p:pic>
       <p:pic>
         <p:nvPicPr>
-          <p:cNvPr id="48" name="Рисунок 47">
+          <p:cNvPr id="52" name="Рисунок 51">
             <a:extLst>
               <a:ext uri="{FF2B5EF4-FFF2-40B4-BE49-F238E27FC236}">
-                <a16:creationId xmlns:a16="http://schemas.microsoft.com/office/drawing/2014/main" id="{3FE8B1F0-8E72-4D31-BB2F-94E7BA88D1BE}"/>
+                <a16:creationId xmlns:a16="http://schemas.microsoft.com/office/drawing/2014/main" id="{CD4656B8-2239-4D8D-863E-415B309B1275}"/>
               </a:ext>
             </a:extLst>
           </p:cNvPr>
@@ -29507,8 +29507,8 @@
         </p:blipFill>
         <p:spPr>
           <a:xfrm>
-            <a:off x="2460257" y="17655889"/>
-            <a:ext cx="1603813" cy="1411355"/>
+            <a:off x="1345956" y="19196834"/>
+            <a:ext cx="1663699" cy="1330960"/>
           </a:xfrm>
           <a:prstGeom prst="rect">
             <a:avLst/>
@@ -29517,10 +29517,10 @@
       </p:pic>
       <p:pic>
         <p:nvPicPr>
-          <p:cNvPr id="52" name="Рисунок 51">
+          <p:cNvPr id="8" name="Рисунок 7">
             <a:extLst>
               <a:ext uri="{FF2B5EF4-FFF2-40B4-BE49-F238E27FC236}">
-                <a16:creationId xmlns:a16="http://schemas.microsoft.com/office/drawing/2014/main" id="{CD4656B8-2239-4D8D-863E-415B309B1275}"/>
+                <a16:creationId xmlns:a16="http://schemas.microsoft.com/office/drawing/2014/main" id="{17DF049C-E7FE-4EFB-9771-849DA9647D6E}"/>
               </a:ext>
             </a:extLst>
           </p:cNvPr>
@@ -29543,8 +29543,8 @@
         </p:blipFill>
         <p:spPr>
           <a:xfrm>
-            <a:off x="1345956" y="19196834"/>
-            <a:ext cx="1663699" cy="1330960"/>
+            <a:off x="5688405" y="18968916"/>
+            <a:ext cx="1715738" cy="1660392"/>
           </a:xfrm>
           <a:prstGeom prst="rect">
             <a:avLst/>
@@ -29553,10 +29553,10 @@
       </p:pic>
       <p:pic>
         <p:nvPicPr>
-          <p:cNvPr id="8" name="Рисунок 7">
+          <p:cNvPr id="14" name="Рисунок 13">
             <a:extLst>
               <a:ext uri="{FF2B5EF4-FFF2-40B4-BE49-F238E27FC236}">
-                <a16:creationId xmlns:a16="http://schemas.microsoft.com/office/drawing/2014/main" id="{17DF049C-E7FE-4EFB-9771-849DA9647D6E}"/>
+                <a16:creationId xmlns:a16="http://schemas.microsoft.com/office/drawing/2014/main" id="{E81E5676-C073-4580-A5C6-8855072376CE}"/>
               </a:ext>
             </a:extLst>
           </p:cNvPr>
@@ -29579,8 +29579,8 @@
         </p:blipFill>
         <p:spPr>
           <a:xfrm>
-            <a:off x="5688405" y="18968916"/>
-            <a:ext cx="1715738" cy="1660392"/>
+            <a:off x="234535" y="17548937"/>
+            <a:ext cx="1652016" cy="1636283"/>
           </a:xfrm>
           <a:prstGeom prst="rect">
             <a:avLst/>
@@ -29589,10 +29589,10 @@
       </p:pic>
       <p:pic>
         <p:nvPicPr>
-          <p:cNvPr id="14" name="Рисунок 13">
+          <p:cNvPr id="33" name="Рисунок 32">
             <a:extLst>
               <a:ext uri="{FF2B5EF4-FFF2-40B4-BE49-F238E27FC236}">
-                <a16:creationId xmlns:a16="http://schemas.microsoft.com/office/drawing/2014/main" id="{E81E5676-C073-4580-A5C6-8855072376CE}"/>
+                <a16:creationId xmlns:a16="http://schemas.microsoft.com/office/drawing/2014/main" id="{92FF5F04-E1C3-4A4B-9AF7-55E589DA7B11}"/>
               </a:ext>
             </a:extLst>
           </p:cNvPr>
@@ -29615,8 +29615,8 @@
         </p:blipFill>
         <p:spPr>
           <a:xfrm>
-            <a:off x="234535" y="17548937"/>
-            <a:ext cx="1652016" cy="1636283"/>
+            <a:off x="9356615" y="14721652"/>
+            <a:ext cx="1593913" cy="1333683"/>
           </a:xfrm>
           <a:prstGeom prst="rect">
             <a:avLst/>
@@ -29625,10 +29625,10 @@
       </p:pic>
       <p:pic>
         <p:nvPicPr>
-          <p:cNvPr id="33" name="Рисунок 32">
+          <p:cNvPr id="38" name="Рисунок 37">
             <a:extLst>
               <a:ext uri="{FF2B5EF4-FFF2-40B4-BE49-F238E27FC236}">
-                <a16:creationId xmlns:a16="http://schemas.microsoft.com/office/drawing/2014/main" id="{92FF5F04-E1C3-4A4B-9AF7-55E589DA7B11}"/>
+                <a16:creationId xmlns:a16="http://schemas.microsoft.com/office/drawing/2014/main" id="{9CFBD725-3D08-4895-8655-5118857A69C2}"/>
               </a:ext>
             </a:extLst>
           </p:cNvPr>
@@ -29651,8 +29651,8 @@
         </p:blipFill>
         <p:spPr>
           <a:xfrm>
-            <a:off x="9356615" y="14721652"/>
-            <a:ext cx="1593913" cy="1333683"/>
+            <a:off x="9348609" y="25547920"/>
+            <a:ext cx="1807077" cy="1436394"/>
           </a:xfrm>
           <a:prstGeom prst="rect">
             <a:avLst/>
@@ -29661,10 +29661,10 @@
       </p:pic>
       <p:pic>
         <p:nvPicPr>
-          <p:cNvPr id="38" name="Рисунок 37">
+          <p:cNvPr id="46" name="Рисунок 45">
             <a:extLst>
               <a:ext uri="{FF2B5EF4-FFF2-40B4-BE49-F238E27FC236}">
-                <a16:creationId xmlns:a16="http://schemas.microsoft.com/office/drawing/2014/main" id="{9CFBD725-3D08-4895-8655-5118857A69C2}"/>
+                <a16:creationId xmlns:a16="http://schemas.microsoft.com/office/drawing/2014/main" id="{9A0DD535-10B0-420E-8EC7-B384D4E9F353}"/>
               </a:ext>
             </a:extLst>
           </p:cNvPr>
@@ -29687,8 +29687,8 @@
         </p:blipFill>
         <p:spPr>
           <a:xfrm>
-            <a:off x="9348609" y="25547920"/>
-            <a:ext cx="1807077" cy="1436394"/>
+            <a:off x="11691725" y="25583926"/>
+            <a:ext cx="1698193" cy="1349846"/>
           </a:xfrm>
           <a:prstGeom prst="rect">
             <a:avLst/>
@@ -29697,10 +29697,10 @@
       </p:pic>
       <p:pic>
         <p:nvPicPr>
-          <p:cNvPr id="46" name="Рисунок 45">
+          <p:cNvPr id="12" name="Рисунок 11">
             <a:extLst>
               <a:ext uri="{FF2B5EF4-FFF2-40B4-BE49-F238E27FC236}">
-                <a16:creationId xmlns:a16="http://schemas.microsoft.com/office/drawing/2014/main" id="{9A0DD535-10B0-420E-8EC7-B384D4E9F353}"/>
+                <a16:creationId xmlns:a16="http://schemas.microsoft.com/office/drawing/2014/main" id="{D92F9A18-D64F-429D-8EDE-747C6C82237F}"/>
               </a:ext>
             </a:extLst>
           </p:cNvPr>
@@ -29723,8 +29723,8 @@
         </p:blipFill>
         <p:spPr>
           <a:xfrm>
-            <a:off x="11691725" y="25583926"/>
-            <a:ext cx="1698193" cy="1349846"/>
+            <a:off x="10712373" y="13276687"/>
+            <a:ext cx="1404453" cy="1235919"/>
           </a:xfrm>
           <a:prstGeom prst="rect">
             <a:avLst/>
@@ -29733,10 +29733,10 @@
       </p:pic>
       <p:pic>
         <p:nvPicPr>
-          <p:cNvPr id="12" name="Рисунок 11">
+          <p:cNvPr id="34" name="Рисунок 33">
             <a:extLst>
               <a:ext uri="{FF2B5EF4-FFF2-40B4-BE49-F238E27FC236}">
-                <a16:creationId xmlns:a16="http://schemas.microsoft.com/office/drawing/2014/main" id="{D92F9A18-D64F-429D-8EDE-747C6C82237F}"/>
+                <a16:creationId xmlns:a16="http://schemas.microsoft.com/office/drawing/2014/main" id="{B198A228-0D72-438C-B01D-23AE5AF1442C}"/>
               </a:ext>
             </a:extLst>
           </p:cNvPr>
@@ -29759,8 +29759,8 @@
         </p:blipFill>
         <p:spPr>
           <a:xfrm>
-            <a:off x="10712373" y="13276687"/>
-            <a:ext cx="1404453" cy="1235919"/>
+            <a:off x="15162552" y="13264245"/>
+            <a:ext cx="1403312" cy="1234914"/>
           </a:xfrm>
           <a:prstGeom prst="rect">
             <a:avLst/>
@@ -29769,10 +29769,10 @@
       </p:pic>
       <p:pic>
         <p:nvPicPr>
-          <p:cNvPr id="34" name="Рисунок 33">
+          <p:cNvPr id="42" name="Рисунок 41">
             <a:extLst>
               <a:ext uri="{FF2B5EF4-FFF2-40B4-BE49-F238E27FC236}">
-                <a16:creationId xmlns:a16="http://schemas.microsoft.com/office/drawing/2014/main" id="{B198A228-0D72-438C-B01D-23AE5AF1442C}"/>
+                <a16:creationId xmlns:a16="http://schemas.microsoft.com/office/drawing/2014/main" id="{55495627-E605-4A61-B057-D887D4D85DA5}"/>
               </a:ext>
             </a:extLst>
           </p:cNvPr>
@@ -29795,8 +29795,8 @@
         </p:blipFill>
         <p:spPr>
           <a:xfrm>
-            <a:off x="15162552" y="13264245"/>
-            <a:ext cx="1403312" cy="1234914"/>
+            <a:off x="12971125" y="14804370"/>
+            <a:ext cx="1331126" cy="1171391"/>
           </a:xfrm>
           <a:prstGeom prst="rect">
             <a:avLst/>
@@ -29805,10 +29805,10 @@
       </p:pic>
       <p:pic>
         <p:nvPicPr>
-          <p:cNvPr id="42" name="Рисунок 41">
+          <p:cNvPr id="54" name="Рисунок 53">
             <a:extLst>
               <a:ext uri="{FF2B5EF4-FFF2-40B4-BE49-F238E27FC236}">
-                <a16:creationId xmlns:a16="http://schemas.microsoft.com/office/drawing/2014/main" id="{55495627-E605-4A61-B057-D887D4D85DA5}"/>
+                <a16:creationId xmlns:a16="http://schemas.microsoft.com/office/drawing/2014/main" id="{3F5A0603-3570-4B9F-9354-91A77295B9D0}"/>
               </a:ext>
             </a:extLst>
           </p:cNvPr>
@@ -29831,8 +29831,8 @@
         </p:blipFill>
         <p:spPr>
           <a:xfrm>
-            <a:off x="12971125" y="14804370"/>
-            <a:ext cx="1331126" cy="1171391"/>
+            <a:off x="11736969" y="16362181"/>
+            <a:ext cx="1513023" cy="1210418"/>
           </a:xfrm>
           <a:prstGeom prst="rect">
             <a:avLst/>
@@ -29841,10 +29841,10 @@
       </p:pic>
       <p:pic>
         <p:nvPicPr>
-          <p:cNvPr id="54" name="Рисунок 53">
+          <p:cNvPr id="58" name="Рисунок 57">
             <a:extLst>
               <a:ext uri="{FF2B5EF4-FFF2-40B4-BE49-F238E27FC236}">
-                <a16:creationId xmlns:a16="http://schemas.microsoft.com/office/drawing/2014/main" id="{3F5A0603-3570-4B9F-9354-91A77295B9D0}"/>
+                <a16:creationId xmlns:a16="http://schemas.microsoft.com/office/drawing/2014/main" id="{74DB3747-FB9A-4E33-845B-0905B81A91BC}"/>
               </a:ext>
             </a:extLst>
           </p:cNvPr>
@@ -29867,8 +29867,8 @@
         </p:blipFill>
         <p:spPr>
           <a:xfrm>
-            <a:off x="11736969" y="16362181"/>
-            <a:ext cx="1513023" cy="1210418"/>
+            <a:off x="14046805" y="16353296"/>
+            <a:ext cx="1563302" cy="1250641"/>
           </a:xfrm>
           <a:prstGeom prst="rect">
             <a:avLst/>
@@ -29877,10 +29877,10 @@
       </p:pic>
       <p:pic>
         <p:nvPicPr>
-          <p:cNvPr id="58" name="Рисунок 57">
+          <p:cNvPr id="61" name="Рисунок 60">
             <a:extLst>
               <a:ext uri="{FF2B5EF4-FFF2-40B4-BE49-F238E27FC236}">
-                <a16:creationId xmlns:a16="http://schemas.microsoft.com/office/drawing/2014/main" id="{74DB3747-FB9A-4E33-845B-0905B81A91BC}"/>
+                <a16:creationId xmlns:a16="http://schemas.microsoft.com/office/drawing/2014/main" id="{7C0D1A82-C84D-40E0-BA60-D9E898CCC9A4}"/>
               </a:ext>
             </a:extLst>
           </p:cNvPr>
@@ -29903,8 +29903,8 @@
         </p:blipFill>
         <p:spPr>
           <a:xfrm>
-            <a:off x="14046805" y="16353296"/>
-            <a:ext cx="1563302" cy="1250641"/>
+            <a:off x="12906432" y="17783487"/>
+            <a:ext cx="1456049" cy="1164839"/>
           </a:xfrm>
           <a:prstGeom prst="rect">
             <a:avLst/>
@@ -29913,10 +29913,10 @@
       </p:pic>
       <p:pic>
         <p:nvPicPr>
-          <p:cNvPr id="61" name="Рисунок 60">
+          <p:cNvPr id="63" name="Рисунок 62">
             <a:extLst>
               <a:ext uri="{FF2B5EF4-FFF2-40B4-BE49-F238E27FC236}">
-                <a16:creationId xmlns:a16="http://schemas.microsoft.com/office/drawing/2014/main" id="{7C0D1A82-C84D-40E0-BA60-D9E898CCC9A4}"/>
+                <a16:creationId xmlns:a16="http://schemas.microsoft.com/office/drawing/2014/main" id="{9F5A17E4-A0E6-4EBF-9A47-2ED8E39C35DD}"/>
               </a:ext>
             </a:extLst>
           </p:cNvPr>
@@ -29939,8 +29939,8 @@
         </p:blipFill>
         <p:spPr>
           <a:xfrm>
-            <a:off x="12906432" y="17783487"/>
-            <a:ext cx="1456049" cy="1164839"/>
+            <a:off x="15160060" y="17731947"/>
+            <a:ext cx="1543643" cy="1234914"/>
           </a:xfrm>
           <a:prstGeom prst="rect">
             <a:avLst/>
@@ -29949,10 +29949,10 @@
       </p:pic>
       <p:pic>
         <p:nvPicPr>
-          <p:cNvPr id="63" name="Рисунок 62">
+          <p:cNvPr id="454" name="Рисунок 453">
             <a:extLst>
               <a:ext uri="{FF2B5EF4-FFF2-40B4-BE49-F238E27FC236}">
-                <a16:creationId xmlns:a16="http://schemas.microsoft.com/office/drawing/2014/main" id="{9F5A17E4-A0E6-4EBF-9A47-2ED8E39C35DD}"/>
+                <a16:creationId xmlns:a16="http://schemas.microsoft.com/office/drawing/2014/main" id="{594B4418-78DD-4C57-AB0C-DEB36EB85634}"/>
               </a:ext>
             </a:extLst>
           </p:cNvPr>
@@ -29975,8 +29975,8 @@
         </p:blipFill>
         <p:spPr>
           <a:xfrm>
-            <a:off x="15160060" y="17731947"/>
-            <a:ext cx="1543643" cy="1234914"/>
+            <a:off x="10629749" y="17740682"/>
+            <a:ext cx="1524956" cy="1219965"/>
           </a:xfrm>
           <a:prstGeom prst="rect">
             <a:avLst/>
@@ -29985,10 +29985,10 @@
       </p:pic>
       <p:pic>
         <p:nvPicPr>
-          <p:cNvPr id="454" name="Рисунок 453">
+          <p:cNvPr id="28" name="Рисунок 27">
             <a:extLst>
               <a:ext uri="{FF2B5EF4-FFF2-40B4-BE49-F238E27FC236}">
-                <a16:creationId xmlns:a16="http://schemas.microsoft.com/office/drawing/2014/main" id="{594B4418-78DD-4C57-AB0C-DEB36EB85634}"/>
+                <a16:creationId xmlns:a16="http://schemas.microsoft.com/office/drawing/2014/main" id="{1F8DEC16-9880-4F9E-B2E7-7D2AF0D62A29}"/>
               </a:ext>
             </a:extLst>
           </p:cNvPr>
@@ -30011,8 +30011,8 @@
         </p:blipFill>
         <p:spPr>
           <a:xfrm>
-            <a:off x="10629749" y="17740682"/>
-            <a:ext cx="1524956" cy="1219965"/>
+            <a:off x="17344243" y="13202241"/>
+            <a:ext cx="1630273" cy="1304218"/>
           </a:xfrm>
           <a:prstGeom prst="rect">
             <a:avLst/>
@@ -30021,10 +30021,10 @@
       </p:pic>
       <p:pic>
         <p:nvPicPr>
-          <p:cNvPr id="28" name="Рисунок 27">
+          <p:cNvPr id="50" name="Рисунок 49">
             <a:extLst>
               <a:ext uri="{FF2B5EF4-FFF2-40B4-BE49-F238E27FC236}">
-                <a16:creationId xmlns:a16="http://schemas.microsoft.com/office/drawing/2014/main" id="{1F8DEC16-9880-4F9E-B2E7-7D2AF0D62A29}"/>
+                <a16:creationId xmlns:a16="http://schemas.microsoft.com/office/drawing/2014/main" id="{99E25CC1-4C98-4D27-B3CB-BD585C294193}"/>
               </a:ext>
             </a:extLst>
           </p:cNvPr>
@@ -30047,8 +30047,8 @@
         </p:blipFill>
         <p:spPr>
           <a:xfrm>
-            <a:off x="17344243" y="13202241"/>
-            <a:ext cx="1630273" cy="1304218"/>
+            <a:off x="11781809" y="9806466"/>
+            <a:ext cx="1572262" cy="1383591"/>
           </a:xfrm>
           <a:prstGeom prst="rect">
             <a:avLst/>
@@ -30057,10 +30057,10 @@
       </p:pic>
       <p:pic>
         <p:nvPicPr>
-          <p:cNvPr id="50" name="Рисунок 49">
+          <p:cNvPr id="60" name="Рисунок 59">
             <a:extLst>
               <a:ext uri="{FF2B5EF4-FFF2-40B4-BE49-F238E27FC236}">
-                <a16:creationId xmlns:a16="http://schemas.microsoft.com/office/drawing/2014/main" id="{99E25CC1-4C98-4D27-B3CB-BD585C294193}"/>
+                <a16:creationId xmlns:a16="http://schemas.microsoft.com/office/drawing/2014/main" id="{6B6A88E8-0CBF-4711-AC58-92BA72C2E1BC}"/>
               </a:ext>
             </a:extLst>
           </p:cNvPr>
@@ -30083,8 +30083,8 @@
         </p:blipFill>
         <p:spPr>
           <a:xfrm>
-            <a:off x="11781809" y="9806466"/>
-            <a:ext cx="1572262" cy="1383591"/>
+            <a:off x="21903357" y="13321591"/>
+            <a:ext cx="1377274" cy="1101819"/>
           </a:xfrm>
           <a:prstGeom prst="rect">
             <a:avLst/>
@@ -30093,10 +30093,10 @@
       </p:pic>
       <p:pic>
         <p:nvPicPr>
-          <p:cNvPr id="60" name="Рисунок 59">
+          <p:cNvPr id="452" name="Рисунок 451">
             <a:extLst>
               <a:ext uri="{FF2B5EF4-FFF2-40B4-BE49-F238E27FC236}">
-                <a16:creationId xmlns:a16="http://schemas.microsoft.com/office/drawing/2014/main" id="{6B6A88E8-0CBF-4711-AC58-92BA72C2E1BC}"/>
+                <a16:creationId xmlns:a16="http://schemas.microsoft.com/office/drawing/2014/main" id="{5ED4A1D8-8D5A-4C49-AA8C-DB8DFFCAB227}"/>
               </a:ext>
             </a:extLst>
           </p:cNvPr>
@@ -30119,8 +30119,8 @@
         </p:blipFill>
         <p:spPr>
           <a:xfrm>
-            <a:off x="21903357" y="13321591"/>
-            <a:ext cx="1377274" cy="1101819"/>
+            <a:off x="19638588" y="13275787"/>
+            <a:ext cx="1461081" cy="1168864"/>
           </a:xfrm>
           <a:prstGeom prst="rect">
             <a:avLst/>
@@ -30129,10 +30129,10 @@
       </p:pic>
       <p:pic>
         <p:nvPicPr>
-          <p:cNvPr id="452" name="Рисунок 451">
+          <p:cNvPr id="463" name="Рисунок 462">
             <a:extLst>
               <a:ext uri="{FF2B5EF4-FFF2-40B4-BE49-F238E27FC236}">
-                <a16:creationId xmlns:a16="http://schemas.microsoft.com/office/drawing/2014/main" id="{5ED4A1D8-8D5A-4C49-AA8C-DB8DFFCAB227}"/>
+                <a16:creationId xmlns:a16="http://schemas.microsoft.com/office/drawing/2014/main" id="{BF5DA390-1EFF-4DDC-9216-B3015821CB34}"/>
               </a:ext>
             </a:extLst>
           </p:cNvPr>
@@ -30155,8 +30155,8 @@
         </p:blipFill>
         <p:spPr>
           <a:xfrm>
-            <a:off x="19638588" y="13275787"/>
-            <a:ext cx="1461081" cy="1168864"/>
+            <a:off x="24071717" y="14690340"/>
+            <a:ext cx="1532973" cy="1518373"/>
           </a:xfrm>
           <a:prstGeom prst="rect">
             <a:avLst/>
@@ -30165,10 +30165,10 @@
       </p:pic>
       <p:pic>
         <p:nvPicPr>
-          <p:cNvPr id="463" name="Рисунок 462">
+          <p:cNvPr id="472" name="Рисунок 471">
             <a:extLst>
               <a:ext uri="{FF2B5EF4-FFF2-40B4-BE49-F238E27FC236}">
-                <a16:creationId xmlns:a16="http://schemas.microsoft.com/office/drawing/2014/main" id="{BF5DA390-1EFF-4DDC-9216-B3015821CB34}"/>
+                <a16:creationId xmlns:a16="http://schemas.microsoft.com/office/drawing/2014/main" id="{9BDA4F35-B9D2-4AEF-B771-50BF69F851CF}"/>
               </a:ext>
             </a:extLst>
           </p:cNvPr>
@@ -30191,8 +30191,8 @@
         </p:blipFill>
         <p:spPr>
           <a:xfrm>
-            <a:off x="24071717" y="14690340"/>
-            <a:ext cx="1532973" cy="1518373"/>
+            <a:off x="21806217" y="14841080"/>
+            <a:ext cx="1552231" cy="1321048"/>
           </a:xfrm>
           <a:prstGeom prst="rect">
             <a:avLst/>
@@ -30201,10 +30201,10 @@
       </p:pic>
       <p:pic>
         <p:nvPicPr>
-          <p:cNvPr id="472" name="Рисунок 471">
+          <p:cNvPr id="474" name="Рисунок 473">
             <a:extLst>
               <a:ext uri="{FF2B5EF4-FFF2-40B4-BE49-F238E27FC236}">
-                <a16:creationId xmlns:a16="http://schemas.microsoft.com/office/drawing/2014/main" id="{9BDA4F35-B9D2-4AEF-B771-50BF69F851CF}"/>
+                <a16:creationId xmlns:a16="http://schemas.microsoft.com/office/drawing/2014/main" id="{E4F10C91-AC92-45CB-B2B7-4893944B76AC}"/>
               </a:ext>
             </a:extLst>
           </p:cNvPr>
@@ -30227,8 +30227,8 @@
         </p:blipFill>
         <p:spPr>
           <a:xfrm>
-            <a:off x="21806217" y="14841080"/>
-            <a:ext cx="1552231" cy="1321048"/>
+            <a:off x="16200105" y="14728582"/>
+            <a:ext cx="1673118" cy="1338494"/>
           </a:xfrm>
           <a:prstGeom prst="rect">
             <a:avLst/>
@@ -30237,10 +30237,10 @@
       </p:pic>
       <p:pic>
         <p:nvPicPr>
-          <p:cNvPr id="474" name="Рисунок 473">
+          <p:cNvPr id="480" name="Рисунок 479">
             <a:extLst>
               <a:ext uri="{FF2B5EF4-FFF2-40B4-BE49-F238E27FC236}">
-                <a16:creationId xmlns:a16="http://schemas.microsoft.com/office/drawing/2014/main" id="{E4F10C91-AC92-45CB-B2B7-4893944B76AC}"/>
+                <a16:creationId xmlns:a16="http://schemas.microsoft.com/office/drawing/2014/main" id="{D9DA4991-7A8A-4807-985B-E6EB70230BC9}"/>
               </a:ext>
             </a:extLst>
           </p:cNvPr>
@@ -30263,8 +30263,8 @@
         </p:blipFill>
         <p:spPr>
           <a:xfrm>
-            <a:off x="16200105" y="14728582"/>
-            <a:ext cx="1673118" cy="1338494"/>
+            <a:off x="16201698" y="16281071"/>
+            <a:ext cx="1624072" cy="1299257"/>
           </a:xfrm>
           <a:prstGeom prst="rect">
             <a:avLst/>
@@ -30273,10 +30273,10 @@
       </p:pic>
       <p:pic>
         <p:nvPicPr>
-          <p:cNvPr id="480" name="Рисунок 479">
+          <p:cNvPr id="500" name="Рисунок 499">
             <a:extLst>
               <a:ext uri="{FF2B5EF4-FFF2-40B4-BE49-F238E27FC236}">
-                <a16:creationId xmlns:a16="http://schemas.microsoft.com/office/drawing/2014/main" id="{D9DA4991-7A8A-4807-985B-E6EB70230BC9}"/>
+                <a16:creationId xmlns:a16="http://schemas.microsoft.com/office/drawing/2014/main" id="{CD4DF6A1-1D95-404A-A70B-FE17F7F2361A}"/>
               </a:ext>
             </a:extLst>
           </p:cNvPr>
@@ -30299,8 +30299,8 @@
         </p:blipFill>
         <p:spPr>
           <a:xfrm>
-            <a:off x="16201698" y="16281071"/>
-            <a:ext cx="1624072" cy="1299257"/>
+            <a:off x="18521020" y="16340585"/>
+            <a:ext cx="1526161" cy="1220928"/>
           </a:xfrm>
           <a:prstGeom prst="rect">
             <a:avLst/>
@@ -30309,10 +30309,10 @@
       </p:pic>
       <p:pic>
         <p:nvPicPr>
-          <p:cNvPr id="500" name="Рисунок 499">
+          <p:cNvPr id="509" name="Рисунок 508">
             <a:extLst>
               <a:ext uri="{FF2B5EF4-FFF2-40B4-BE49-F238E27FC236}">
-                <a16:creationId xmlns:a16="http://schemas.microsoft.com/office/drawing/2014/main" id="{CD4DF6A1-1D95-404A-A70B-FE17F7F2361A}"/>
+                <a16:creationId xmlns:a16="http://schemas.microsoft.com/office/drawing/2014/main" id="{622A3B40-B368-48F9-A118-D8E6477DD0FA}"/>
               </a:ext>
             </a:extLst>
           </p:cNvPr>
@@ -30335,8 +30335,8 @@
         </p:blipFill>
         <p:spPr>
           <a:xfrm>
-            <a:off x="18521020" y="16340585"/>
-            <a:ext cx="1526161" cy="1220928"/>
+            <a:off x="23901723" y="13185032"/>
+            <a:ext cx="1726013" cy="1380810"/>
           </a:xfrm>
           <a:prstGeom prst="rect">
             <a:avLst/>
@@ -30345,10 +30345,10 @@
       </p:pic>
       <p:pic>
         <p:nvPicPr>
-          <p:cNvPr id="509" name="Рисунок 508">
+          <p:cNvPr id="65" name="Рисунок 64">
             <a:extLst>
               <a:ext uri="{FF2B5EF4-FFF2-40B4-BE49-F238E27FC236}">
-                <a16:creationId xmlns:a16="http://schemas.microsoft.com/office/drawing/2014/main" id="{622A3B40-B368-48F9-A118-D8E6477DD0FA}"/>
+                <a16:creationId xmlns:a16="http://schemas.microsoft.com/office/drawing/2014/main" id="{B94FBC02-97FD-48DA-BFF9-D944CD66F989}"/>
               </a:ext>
             </a:extLst>
           </p:cNvPr>
@@ -30371,8 +30371,8 @@
         </p:blipFill>
         <p:spPr>
           <a:xfrm>
-            <a:off x="23901723" y="13185032"/>
-            <a:ext cx="1726013" cy="1380810"/>
+            <a:off x="21824586" y="16271519"/>
+            <a:ext cx="1572956" cy="1384202"/>
           </a:xfrm>
           <a:prstGeom prst="rect">
             <a:avLst/>
@@ -30381,10 +30381,10 @@
       </p:pic>
       <p:pic>
         <p:nvPicPr>
-          <p:cNvPr id="65" name="Рисунок 64">
+          <p:cNvPr id="68" name="Рисунок 67">
             <a:extLst>
               <a:ext uri="{FF2B5EF4-FFF2-40B4-BE49-F238E27FC236}">
-                <a16:creationId xmlns:a16="http://schemas.microsoft.com/office/drawing/2014/main" id="{B94FBC02-97FD-48DA-BFF9-D944CD66F989}"/>
+                <a16:creationId xmlns:a16="http://schemas.microsoft.com/office/drawing/2014/main" id="{138FF519-281A-4AF3-8D09-2579FD91210D}"/>
               </a:ext>
             </a:extLst>
           </p:cNvPr>
@@ -30407,8 +30407,8 @@
         </p:blipFill>
         <p:spPr>
           <a:xfrm>
-            <a:off x="21824586" y="16271519"/>
-            <a:ext cx="1572956" cy="1384202"/>
+            <a:off x="21774419" y="17740682"/>
+            <a:ext cx="1606443" cy="1413671"/>
           </a:xfrm>
           <a:prstGeom prst="rect">
             <a:avLst/>
@@ -30417,10 +30417,10 @@
       </p:pic>
       <p:pic>
         <p:nvPicPr>
-          <p:cNvPr id="68" name="Рисунок 67">
+          <p:cNvPr id="70" name="Рисунок 69">
             <a:extLst>
               <a:ext uri="{FF2B5EF4-FFF2-40B4-BE49-F238E27FC236}">
-                <a16:creationId xmlns:a16="http://schemas.microsoft.com/office/drawing/2014/main" id="{138FF519-281A-4AF3-8D09-2579FD91210D}"/>
+                <a16:creationId xmlns:a16="http://schemas.microsoft.com/office/drawing/2014/main" id="{708A2D27-AE77-43E2-912E-57E38B367512}"/>
               </a:ext>
             </a:extLst>
           </p:cNvPr>
@@ -30443,8 +30443,8 @@
         </p:blipFill>
         <p:spPr>
           <a:xfrm>
-            <a:off x="21774419" y="17740682"/>
-            <a:ext cx="1606443" cy="1413671"/>
+            <a:off x="18448862" y="14696058"/>
+            <a:ext cx="1663471" cy="1330776"/>
           </a:xfrm>
           <a:prstGeom prst="rect">
             <a:avLst/>
@@ -30453,10 +30453,10 @@
       </p:pic>
       <p:pic>
         <p:nvPicPr>
-          <p:cNvPr id="70" name="Рисунок 69">
+          <p:cNvPr id="72" name="Рисунок 71">
             <a:extLst>
               <a:ext uri="{FF2B5EF4-FFF2-40B4-BE49-F238E27FC236}">
-                <a16:creationId xmlns:a16="http://schemas.microsoft.com/office/drawing/2014/main" id="{708A2D27-AE77-43E2-912E-57E38B367512}"/>
+                <a16:creationId xmlns:a16="http://schemas.microsoft.com/office/drawing/2014/main" id="{21B06E8E-82F4-4A03-BD7B-BC1DEED82221}"/>
               </a:ext>
             </a:extLst>
           </p:cNvPr>
@@ -30479,8 +30479,8 @@
         </p:blipFill>
         <p:spPr>
           <a:xfrm>
-            <a:off x="18448862" y="14696058"/>
-            <a:ext cx="1663471" cy="1330776"/>
+            <a:off x="23983883" y="15927888"/>
+            <a:ext cx="1655272" cy="1889646"/>
           </a:xfrm>
           <a:prstGeom prst="rect">
             <a:avLst/>
@@ -30489,10 +30489,10 @@
       </p:pic>
       <p:pic>
         <p:nvPicPr>
-          <p:cNvPr id="72" name="Рисунок 71">
+          <p:cNvPr id="74" name="Рисунок 73">
             <a:extLst>
               <a:ext uri="{FF2B5EF4-FFF2-40B4-BE49-F238E27FC236}">
-                <a16:creationId xmlns:a16="http://schemas.microsoft.com/office/drawing/2014/main" id="{21B06E8E-82F4-4A03-BD7B-BC1DEED82221}"/>
+                <a16:creationId xmlns:a16="http://schemas.microsoft.com/office/drawing/2014/main" id="{A39CF0F5-8BB2-4B24-80DA-395E0C0C7ECD}"/>
               </a:ext>
             </a:extLst>
           </p:cNvPr>
@@ -30515,8 +30515,8 @@
         </p:blipFill>
         <p:spPr>
           <a:xfrm>
-            <a:off x="23983883" y="15927888"/>
-            <a:ext cx="1655272" cy="1889646"/>
+            <a:off x="26249477" y="14578177"/>
+            <a:ext cx="1687520" cy="1785959"/>
           </a:xfrm>
           <a:prstGeom prst="rect">
             <a:avLst/>
@@ -30525,10 +30525,10 @@
       </p:pic>
       <p:pic>
         <p:nvPicPr>
-          <p:cNvPr id="74" name="Рисунок 73">
+          <p:cNvPr id="76" name="Рисунок 75">
             <a:extLst>
               <a:ext uri="{FF2B5EF4-FFF2-40B4-BE49-F238E27FC236}">
-                <a16:creationId xmlns:a16="http://schemas.microsoft.com/office/drawing/2014/main" id="{A39CF0F5-8BB2-4B24-80DA-395E0C0C7ECD}"/>
+                <a16:creationId xmlns:a16="http://schemas.microsoft.com/office/drawing/2014/main" id="{EFA9BDEA-CFA4-4308-A34A-54CD8BE868EA}"/>
               </a:ext>
             </a:extLst>
           </p:cNvPr>
@@ -30551,8 +30551,8 @@
         </p:blipFill>
         <p:spPr>
           <a:xfrm>
-            <a:off x="26249477" y="14578177"/>
-            <a:ext cx="1687520" cy="1785959"/>
+            <a:off x="26247505" y="16103079"/>
+            <a:ext cx="1654558" cy="1751074"/>
           </a:xfrm>
           <a:prstGeom prst="rect">
             <a:avLst/>
@@ -30561,10 +30561,10 @@
       </p:pic>
       <p:pic>
         <p:nvPicPr>
-          <p:cNvPr id="76" name="Рисунок 75">
+          <p:cNvPr id="78" name="Рисунок 77">
             <a:extLst>
               <a:ext uri="{FF2B5EF4-FFF2-40B4-BE49-F238E27FC236}">
-                <a16:creationId xmlns:a16="http://schemas.microsoft.com/office/drawing/2014/main" id="{EFA9BDEA-CFA4-4308-A34A-54CD8BE868EA}"/>
+                <a16:creationId xmlns:a16="http://schemas.microsoft.com/office/drawing/2014/main" id="{798275C7-9ADC-4E3B-BECA-F898C545227C}"/>
               </a:ext>
             </a:extLst>
           </p:cNvPr>
@@ -30587,8 +30587,8 @@
         </p:blipFill>
         <p:spPr>
           <a:xfrm>
-            <a:off x="26247505" y="16103079"/>
-            <a:ext cx="1654558" cy="1751074"/>
+            <a:off x="23889359" y="17518613"/>
+            <a:ext cx="1843755" cy="1951308"/>
           </a:xfrm>
           <a:prstGeom prst="rect">
             <a:avLst/>
@@ -30597,10 +30597,10 @@
       </p:pic>
       <p:pic>
         <p:nvPicPr>
-          <p:cNvPr id="78" name="Рисунок 77">
+          <p:cNvPr id="80" name="Рисунок 79">
             <a:extLst>
               <a:ext uri="{FF2B5EF4-FFF2-40B4-BE49-F238E27FC236}">
-                <a16:creationId xmlns:a16="http://schemas.microsoft.com/office/drawing/2014/main" id="{798275C7-9ADC-4E3B-BECA-F898C545227C}"/>
+                <a16:creationId xmlns:a16="http://schemas.microsoft.com/office/drawing/2014/main" id="{812059A2-D174-4BD0-8B70-D72D4E8A7EF3}"/>
               </a:ext>
             </a:extLst>
           </p:cNvPr>
@@ -30623,8 +30623,8 @@
         </p:blipFill>
         <p:spPr>
           <a:xfrm>
-            <a:off x="23889359" y="17518613"/>
-            <a:ext cx="1843755" cy="1951308"/>
+            <a:off x="50994053" y="11448050"/>
+            <a:ext cx="1519793" cy="1337419"/>
           </a:xfrm>
           <a:prstGeom prst="rect">
             <a:avLst/>
@@ -30633,10 +30633,10 @@
       </p:pic>
       <p:pic>
         <p:nvPicPr>
-          <p:cNvPr id="80" name="Рисунок 79">
+          <p:cNvPr id="88" name="Рисунок 87">
             <a:extLst>
               <a:ext uri="{FF2B5EF4-FFF2-40B4-BE49-F238E27FC236}">
-                <a16:creationId xmlns:a16="http://schemas.microsoft.com/office/drawing/2014/main" id="{812059A2-D174-4BD0-8B70-D72D4E8A7EF3}"/>
+                <a16:creationId xmlns:a16="http://schemas.microsoft.com/office/drawing/2014/main" id="{CF9B1421-C255-42A1-9529-A2CA01394B00}"/>
               </a:ext>
             </a:extLst>
           </p:cNvPr>
@@ -30659,8 +30659,8 @@
         </p:blipFill>
         <p:spPr>
           <a:xfrm>
-            <a:off x="50994053" y="11448050"/>
-            <a:ext cx="1519793" cy="1337419"/>
+            <a:off x="7117940" y="23901000"/>
+            <a:ext cx="1601647" cy="1409450"/>
           </a:xfrm>
           <a:prstGeom prst="rect">
             <a:avLst/>
@@ -30669,10 +30669,10 @@
       </p:pic>
       <p:pic>
         <p:nvPicPr>
-          <p:cNvPr id="88" name="Рисунок 87">
+          <p:cNvPr id="92" name="Рисунок 91">
             <a:extLst>
               <a:ext uri="{FF2B5EF4-FFF2-40B4-BE49-F238E27FC236}">
-                <a16:creationId xmlns:a16="http://schemas.microsoft.com/office/drawing/2014/main" id="{CF9B1421-C255-42A1-9529-A2CA01394B00}"/>
+                <a16:creationId xmlns:a16="http://schemas.microsoft.com/office/drawing/2014/main" id="{03981011-D096-4738-8928-696736B8685E}"/>
               </a:ext>
             </a:extLst>
           </p:cNvPr>
@@ -30695,8 +30695,8 @@
         </p:blipFill>
         <p:spPr>
           <a:xfrm>
-            <a:off x="7117940" y="23901000"/>
-            <a:ext cx="1601647" cy="1409450"/>
+            <a:off x="7202865" y="25583926"/>
+            <a:ext cx="1422803" cy="1250815"/>
           </a:xfrm>
           <a:prstGeom prst="rect">
             <a:avLst/>
@@ -30705,10 +30705,10 @@
       </p:pic>
       <p:pic>
         <p:nvPicPr>
-          <p:cNvPr id="92" name="Рисунок 91">
+          <p:cNvPr id="95" name="Рисунок 94">
             <a:extLst>
               <a:ext uri="{FF2B5EF4-FFF2-40B4-BE49-F238E27FC236}">
-                <a16:creationId xmlns:a16="http://schemas.microsoft.com/office/drawing/2014/main" id="{03981011-D096-4738-8928-696736B8685E}"/>
+                <a16:creationId xmlns:a16="http://schemas.microsoft.com/office/drawing/2014/main" id="{C7E11CD0-013B-4DBE-B4C2-74F6B4EA0C95}"/>
               </a:ext>
             </a:extLst>
           </p:cNvPr>
@@ -30731,8 +30731,8 @@
         </p:blipFill>
         <p:spPr>
           <a:xfrm>
-            <a:off x="7202865" y="25583926"/>
-            <a:ext cx="1422803" cy="1250815"/>
+            <a:off x="7189310" y="27063172"/>
+            <a:ext cx="1511963" cy="1329198"/>
           </a:xfrm>
           <a:prstGeom prst="rect">
             <a:avLst/>
@@ -30741,10 +30741,10 @@
       </p:pic>
       <p:pic>
         <p:nvPicPr>
-          <p:cNvPr id="95" name="Рисунок 94">
+          <p:cNvPr id="97" name="Рисунок 96">
             <a:extLst>
               <a:ext uri="{FF2B5EF4-FFF2-40B4-BE49-F238E27FC236}">
-                <a16:creationId xmlns:a16="http://schemas.microsoft.com/office/drawing/2014/main" id="{C7E11CD0-013B-4DBE-B4C2-74F6B4EA0C95}"/>
+                <a16:creationId xmlns:a16="http://schemas.microsoft.com/office/drawing/2014/main" id="{9DCE34B0-45E6-4878-B34F-0BD4B1BCD04B}"/>
               </a:ext>
             </a:extLst>
           </p:cNvPr>
@@ -30767,8 +30767,8 @@
         </p:blipFill>
         <p:spPr>
           <a:xfrm>
-            <a:off x="7189310" y="27063172"/>
-            <a:ext cx="1511963" cy="1329198"/>
+            <a:off x="7131188" y="28697999"/>
+            <a:ext cx="1591442" cy="1400470"/>
           </a:xfrm>
           <a:prstGeom prst="rect">
             <a:avLst/>
@@ -30777,10 +30777,10 @@
       </p:pic>
       <p:pic>
         <p:nvPicPr>
-          <p:cNvPr id="97" name="Рисунок 96">
+          <p:cNvPr id="100" name="Рисунок 99">
             <a:extLst>
               <a:ext uri="{FF2B5EF4-FFF2-40B4-BE49-F238E27FC236}">
-                <a16:creationId xmlns:a16="http://schemas.microsoft.com/office/drawing/2014/main" id="{9DCE34B0-45E6-4878-B34F-0BD4B1BCD04B}"/>
+                <a16:creationId xmlns:a16="http://schemas.microsoft.com/office/drawing/2014/main" id="{BB23D679-B096-48AD-814D-052BCD67D975}"/>
               </a:ext>
             </a:extLst>
           </p:cNvPr>
@@ -30803,8 +30803,8 @@
         </p:blipFill>
         <p:spPr>
           <a:xfrm>
-            <a:off x="7131188" y="28697999"/>
-            <a:ext cx="1591442" cy="1400470"/>
+            <a:off x="14060418" y="25547920"/>
+            <a:ext cx="1551856" cy="1365634"/>
           </a:xfrm>
           <a:prstGeom prst="rect">
             <a:avLst/>
@@ -30813,10 +30813,10 @@
       </p:pic>
       <p:pic>
         <p:nvPicPr>
-          <p:cNvPr id="100" name="Рисунок 99">
+          <p:cNvPr id="104" name="Рисунок 103">
             <a:extLst>
               <a:ext uri="{FF2B5EF4-FFF2-40B4-BE49-F238E27FC236}">
-                <a16:creationId xmlns:a16="http://schemas.microsoft.com/office/drawing/2014/main" id="{BB23D679-B096-48AD-814D-052BCD67D975}"/>
+                <a16:creationId xmlns:a16="http://schemas.microsoft.com/office/drawing/2014/main" id="{E497D0F4-13DB-4A20-92F3-120C221DE171}"/>
               </a:ext>
             </a:extLst>
           </p:cNvPr>
@@ -30839,8 +30839,8 @@
         </p:blipFill>
         <p:spPr>
           <a:xfrm>
-            <a:off x="14060418" y="25547920"/>
-            <a:ext cx="1551856" cy="1365634"/>
+            <a:off x="14089745" y="27117065"/>
+            <a:ext cx="1449211" cy="1275306"/>
           </a:xfrm>
           <a:prstGeom prst="rect">
             <a:avLst/>
@@ -30849,10 +30849,10 @@
       </p:pic>
       <p:pic>
         <p:nvPicPr>
-          <p:cNvPr id="104" name="Рисунок 103">
+          <p:cNvPr id="56" name="Рисунок 55">
             <a:extLst>
               <a:ext uri="{FF2B5EF4-FFF2-40B4-BE49-F238E27FC236}">
-                <a16:creationId xmlns:a16="http://schemas.microsoft.com/office/drawing/2014/main" id="{E497D0F4-13DB-4A20-92F3-120C221DE171}"/>
+                <a16:creationId xmlns:a16="http://schemas.microsoft.com/office/drawing/2014/main" id="{5A4CEDF1-ABFC-4A87-BA90-9C2998F37A19}"/>
               </a:ext>
             </a:extLst>
           </p:cNvPr>
@@ -30875,8 +30875,8 @@
         </p:blipFill>
         <p:spPr>
           <a:xfrm>
-            <a:off x="14089745" y="27117065"/>
-            <a:ext cx="1449211" cy="1275306"/>
+            <a:off x="11849528" y="30270883"/>
+            <a:ext cx="1455753" cy="1279782"/>
           </a:xfrm>
           <a:prstGeom prst="rect">
             <a:avLst/>
@@ -30885,10 +30885,10 @@
       </p:pic>
       <p:pic>
         <p:nvPicPr>
-          <p:cNvPr id="56" name="Рисунок 55">
+          <p:cNvPr id="461" name="Рисунок 460">
             <a:extLst>
               <a:ext uri="{FF2B5EF4-FFF2-40B4-BE49-F238E27FC236}">
-                <a16:creationId xmlns:a16="http://schemas.microsoft.com/office/drawing/2014/main" id="{5A4CEDF1-ABFC-4A87-BA90-9C2998F37A19}"/>
+                <a16:creationId xmlns:a16="http://schemas.microsoft.com/office/drawing/2014/main" id="{7B094472-72E0-434B-A30F-5D07DC7D5D98}"/>
               </a:ext>
             </a:extLst>
           </p:cNvPr>
@@ -30911,8 +30911,8 @@
         </p:blipFill>
         <p:spPr>
           <a:xfrm>
-            <a:off x="11849528" y="30270883"/>
-            <a:ext cx="1455753" cy="1279782"/>
+            <a:off x="377477" y="27150095"/>
+            <a:ext cx="1345763" cy="1345763"/>
           </a:xfrm>
           <a:prstGeom prst="rect">
             <a:avLst/>
@@ -30921,10 +30921,10 @@
       </p:pic>
       <p:pic>
         <p:nvPicPr>
-          <p:cNvPr id="461" name="Рисунок 460">
+          <p:cNvPr id="36" name="Рисунок 35">
             <a:extLst>
               <a:ext uri="{FF2B5EF4-FFF2-40B4-BE49-F238E27FC236}">
-                <a16:creationId xmlns:a16="http://schemas.microsoft.com/office/drawing/2014/main" id="{7B094472-72E0-434B-A30F-5D07DC7D5D98}"/>
+                <a16:creationId xmlns:a16="http://schemas.microsoft.com/office/drawing/2014/main" id="{0D70FF66-D551-4586-98E9-DDA1B0F1F8C8}"/>
               </a:ext>
             </a:extLst>
           </p:cNvPr>
@@ -30947,8 +30947,8 @@
         </p:blipFill>
         <p:spPr>
           <a:xfrm>
-            <a:off x="377477" y="27150095"/>
-            <a:ext cx="1345763" cy="1345763"/>
+            <a:off x="28627610" y="14848494"/>
+            <a:ext cx="1518189" cy="1336007"/>
           </a:xfrm>
           <a:prstGeom prst="rect">
             <a:avLst/>
@@ -30957,10 +30957,10 @@
       </p:pic>
       <p:pic>
         <p:nvPicPr>
-          <p:cNvPr id="36" name="Рисунок 35">
+          <p:cNvPr id="465" name="Рисунок 464">
             <a:extLst>
               <a:ext uri="{FF2B5EF4-FFF2-40B4-BE49-F238E27FC236}">
-                <a16:creationId xmlns:a16="http://schemas.microsoft.com/office/drawing/2014/main" id="{0D70FF66-D551-4586-98E9-DDA1B0F1F8C8}"/>
+                <a16:creationId xmlns:a16="http://schemas.microsoft.com/office/drawing/2014/main" id="{7A2F2883-F4B4-4A9A-960A-0E43DA3468D1}"/>
               </a:ext>
             </a:extLst>
           </p:cNvPr>
@@ -30983,8 +30983,8 @@
         </p:blipFill>
         <p:spPr>
           <a:xfrm>
-            <a:off x="28627610" y="14848494"/>
-            <a:ext cx="1518189" cy="1336007"/>
+            <a:off x="28605849" y="16335143"/>
+            <a:ext cx="1546622" cy="1361028"/>
           </a:xfrm>
           <a:prstGeom prst="rect">
             <a:avLst/>
@@ -30993,10 +30993,10 @@
       </p:pic>
       <p:pic>
         <p:nvPicPr>
-          <p:cNvPr id="465" name="Рисунок 464">
+          <p:cNvPr id="469" name="Рисунок 468">
             <a:extLst>
               <a:ext uri="{FF2B5EF4-FFF2-40B4-BE49-F238E27FC236}">
-                <a16:creationId xmlns:a16="http://schemas.microsoft.com/office/drawing/2014/main" id="{7A2F2883-F4B4-4A9A-960A-0E43DA3468D1}"/>
+                <a16:creationId xmlns:a16="http://schemas.microsoft.com/office/drawing/2014/main" id="{BA17065D-6293-47A0-89CC-F1BEA396AC4B}"/>
               </a:ext>
             </a:extLst>
           </p:cNvPr>
@@ -31019,8 +31019,8 @@
         </p:blipFill>
         <p:spPr>
           <a:xfrm>
-            <a:off x="28605849" y="16335143"/>
-            <a:ext cx="1546622" cy="1361028"/>
+            <a:off x="28668202" y="17751799"/>
+            <a:ext cx="1470201" cy="1293777"/>
           </a:xfrm>
           <a:prstGeom prst="rect">
             <a:avLst/>
@@ -31029,10 +31029,10 @@
       </p:pic>
       <p:pic>
         <p:nvPicPr>
-          <p:cNvPr id="469" name="Рисунок 468">
+          <p:cNvPr id="478" name="Рисунок 477">
             <a:extLst>
               <a:ext uri="{FF2B5EF4-FFF2-40B4-BE49-F238E27FC236}">
-                <a16:creationId xmlns:a16="http://schemas.microsoft.com/office/drawing/2014/main" id="{BA17065D-6293-47A0-89CC-F1BEA396AC4B}"/>
+                <a16:creationId xmlns:a16="http://schemas.microsoft.com/office/drawing/2014/main" id="{0A5B62B3-4CCA-4F1B-8FE5-1935C2855865}"/>
               </a:ext>
             </a:extLst>
           </p:cNvPr>
@@ -31055,8 +31055,8 @@
         </p:blipFill>
         <p:spPr>
           <a:xfrm>
-            <a:off x="28668202" y="17751799"/>
-            <a:ext cx="1470201" cy="1293777"/>
+            <a:off x="30867867" y="17784774"/>
+            <a:ext cx="1470201" cy="1293778"/>
           </a:xfrm>
           <a:prstGeom prst="rect">
             <a:avLst/>
@@ -31065,10 +31065,10 @@
       </p:pic>
       <p:pic>
         <p:nvPicPr>
-          <p:cNvPr id="478" name="Рисунок 477">
+          <p:cNvPr id="67" name="Рисунок 66">
             <a:extLst>
               <a:ext uri="{FF2B5EF4-FFF2-40B4-BE49-F238E27FC236}">
-                <a16:creationId xmlns:a16="http://schemas.microsoft.com/office/drawing/2014/main" id="{0A5B62B3-4CCA-4F1B-8FE5-1935C2855865}"/>
+                <a16:creationId xmlns:a16="http://schemas.microsoft.com/office/drawing/2014/main" id="{92396C34-4D3A-4363-A6BF-5DD899A01FC6}"/>
               </a:ext>
             </a:extLst>
           </p:cNvPr>
@@ -31091,8 +31091,8 @@
         </p:blipFill>
         <p:spPr>
           <a:xfrm>
-            <a:off x="30867867" y="17784774"/>
-            <a:ext cx="1470201" cy="1293778"/>
+            <a:off x="4866715" y="25427903"/>
+            <a:ext cx="1586783" cy="1535597"/>
           </a:xfrm>
           <a:prstGeom prst="rect">
             <a:avLst/>
@@ -31101,10 +31101,10 @@
       </p:pic>
       <p:pic>
         <p:nvPicPr>
-          <p:cNvPr id="67" name="Рисунок 66">
+          <p:cNvPr id="71" name="Рисунок 70">
             <a:extLst>
               <a:ext uri="{FF2B5EF4-FFF2-40B4-BE49-F238E27FC236}">
-                <a16:creationId xmlns:a16="http://schemas.microsoft.com/office/drawing/2014/main" id="{92396C34-4D3A-4363-A6BF-5DD899A01FC6}"/>
+                <a16:creationId xmlns:a16="http://schemas.microsoft.com/office/drawing/2014/main" id="{EFD079B3-E620-4EA2-A008-7A6248EA12FB}"/>
               </a:ext>
             </a:extLst>
           </p:cNvPr>
@@ -31127,8 +31127,8 @@
         </p:blipFill>
         <p:spPr>
           <a:xfrm>
-            <a:off x="4866715" y="25427903"/>
-            <a:ext cx="1586783" cy="1535597"/>
+            <a:off x="3761639" y="30245835"/>
+            <a:ext cx="1624410" cy="1429481"/>
           </a:xfrm>
           <a:prstGeom prst="rect">
             <a:avLst/>
@@ -31137,10 +31137,10 @@
       </p:pic>
       <p:pic>
         <p:nvPicPr>
-          <p:cNvPr id="71" name="Рисунок 70">
+          <p:cNvPr id="75" name="Рисунок 74">
             <a:extLst>
               <a:ext uri="{FF2B5EF4-FFF2-40B4-BE49-F238E27FC236}">
-                <a16:creationId xmlns:a16="http://schemas.microsoft.com/office/drawing/2014/main" id="{EFD079B3-E620-4EA2-A008-7A6248EA12FB}"/>
+                <a16:creationId xmlns:a16="http://schemas.microsoft.com/office/drawing/2014/main" id="{8544C273-37BF-4661-B289-E372FB7825D2}"/>
               </a:ext>
             </a:extLst>
           </p:cNvPr>
@@ -31163,8 +31163,8 @@
         </p:blipFill>
         <p:spPr>
           <a:xfrm>
-            <a:off x="3761639" y="30245835"/>
-            <a:ext cx="1624410" cy="1429481"/>
+            <a:off x="2704675" y="25612880"/>
+            <a:ext cx="1530216" cy="1253474"/>
           </a:xfrm>
           <a:prstGeom prst="rect">
             <a:avLst/>
@@ -31173,10 +31173,10 @@
       </p:pic>
       <p:pic>
         <p:nvPicPr>
-          <p:cNvPr id="75" name="Рисунок 74">
+          <p:cNvPr id="91" name="Рисунок 90">
             <a:extLst>
               <a:ext uri="{FF2B5EF4-FFF2-40B4-BE49-F238E27FC236}">
-                <a16:creationId xmlns:a16="http://schemas.microsoft.com/office/drawing/2014/main" id="{8544C273-37BF-4661-B289-E372FB7825D2}"/>
+                <a16:creationId xmlns:a16="http://schemas.microsoft.com/office/drawing/2014/main" id="{1D1F5D3A-EDB0-460E-8D37-0540C7F2EFE9}"/>
               </a:ext>
             </a:extLst>
           </p:cNvPr>
@@ -31199,8 +31199,8 @@
         </p:blipFill>
         <p:spPr>
           <a:xfrm>
-            <a:off x="2704675" y="25612880"/>
-            <a:ext cx="1530216" cy="1253474"/>
+            <a:off x="16549820" y="25276921"/>
+            <a:ext cx="1543741" cy="1677981"/>
           </a:xfrm>
           <a:prstGeom prst="rect">
             <a:avLst/>
@@ -31209,10 +31209,10 @@
       </p:pic>
       <p:pic>
         <p:nvPicPr>
-          <p:cNvPr id="91" name="Рисунок 90">
+          <p:cNvPr id="96" name="Рисунок 95">
             <a:extLst>
               <a:ext uri="{FF2B5EF4-FFF2-40B4-BE49-F238E27FC236}">
-                <a16:creationId xmlns:a16="http://schemas.microsoft.com/office/drawing/2014/main" id="{1D1F5D3A-EDB0-460E-8D37-0540C7F2EFE9}"/>
+                <a16:creationId xmlns:a16="http://schemas.microsoft.com/office/drawing/2014/main" id="{CB12D510-BB93-46F7-B1E8-65AB99E0A083}"/>
               </a:ext>
             </a:extLst>
           </p:cNvPr>
@@ -31235,8 +31235,8 @@
         </p:blipFill>
         <p:spPr>
           <a:xfrm>
-            <a:off x="16549820" y="25276921"/>
-            <a:ext cx="1543741" cy="1677981"/>
+            <a:off x="27222347" y="23893158"/>
+            <a:ext cx="1368420" cy="1417292"/>
           </a:xfrm>
           <a:prstGeom prst="rect">
             <a:avLst/>
@@ -31245,10 +31245,10 @@
       </p:pic>
       <p:pic>
         <p:nvPicPr>
-          <p:cNvPr id="96" name="Рисунок 95">
+          <p:cNvPr id="103" name="Рисунок 102">
             <a:extLst>
               <a:ext uri="{FF2B5EF4-FFF2-40B4-BE49-F238E27FC236}">
-                <a16:creationId xmlns:a16="http://schemas.microsoft.com/office/drawing/2014/main" id="{CB12D510-BB93-46F7-B1E8-65AB99E0A083}"/>
+                <a16:creationId xmlns:a16="http://schemas.microsoft.com/office/drawing/2014/main" id="{470B7F22-E64F-4864-8B1C-B89BB0E72D7F}"/>
               </a:ext>
             </a:extLst>
           </p:cNvPr>
@@ -31271,8 +31271,8 @@
         </p:blipFill>
         <p:spPr>
           <a:xfrm>
-            <a:off x="27222347" y="23893158"/>
-            <a:ext cx="1368420" cy="1417292"/>
+            <a:off x="29465422" y="27117065"/>
+            <a:ext cx="1523580" cy="1352391"/>
           </a:xfrm>
           <a:prstGeom prst="rect">
             <a:avLst/>
@@ -31281,10 +31281,10 @@
       </p:pic>
       <p:pic>
         <p:nvPicPr>
-          <p:cNvPr id="103" name="Рисунок 102">
+          <p:cNvPr id="107" name="Рисунок 106">
             <a:extLst>
               <a:ext uri="{FF2B5EF4-FFF2-40B4-BE49-F238E27FC236}">
-                <a16:creationId xmlns:a16="http://schemas.microsoft.com/office/drawing/2014/main" id="{470B7F22-E64F-4864-8B1C-B89BB0E72D7F}"/>
+                <a16:creationId xmlns:a16="http://schemas.microsoft.com/office/drawing/2014/main" id="{444B6E66-13C4-4918-9E60-A35EB64DE420}"/>
               </a:ext>
             </a:extLst>
           </p:cNvPr>
@@ -31307,8 +31307,8 @@
         </p:blipFill>
         <p:spPr>
           <a:xfrm>
-            <a:off x="29465422" y="27117065"/>
-            <a:ext cx="1523580" cy="1352391"/>
+            <a:off x="22011075" y="27042947"/>
+            <a:ext cx="1486015" cy="1486015"/>
           </a:xfrm>
           <a:prstGeom prst="rect">
             <a:avLst/>
@@ -31317,10 +31317,10 @@
       </p:pic>
       <p:pic>
         <p:nvPicPr>
-          <p:cNvPr id="107" name="Рисунок 106">
+          <p:cNvPr id="62" name="Рисунок 61">
             <a:extLst>
               <a:ext uri="{FF2B5EF4-FFF2-40B4-BE49-F238E27FC236}">
-                <a16:creationId xmlns:a16="http://schemas.microsoft.com/office/drawing/2014/main" id="{444B6E66-13C4-4918-9E60-A35EB64DE420}"/>
+                <a16:creationId xmlns:a16="http://schemas.microsoft.com/office/drawing/2014/main" id="{05AF6F68-809C-418C-BF81-B35A16ACBBD7}"/>
               </a:ext>
             </a:extLst>
           </p:cNvPr>
@@ -31343,8 +31343,8 @@
         </p:blipFill>
         <p:spPr>
           <a:xfrm>
-            <a:off x="22011075" y="27042947"/>
-            <a:ext cx="1486015" cy="1486015"/>
+            <a:off x="42401474" y="14736715"/>
+            <a:ext cx="1629446" cy="1303556"/>
           </a:xfrm>
           <a:prstGeom prst="rect">
             <a:avLst/>
@@ -31353,10 +31353,10 @@
       </p:pic>
       <p:pic>
         <p:nvPicPr>
-          <p:cNvPr id="62" name="Рисунок 61">
+          <p:cNvPr id="473" name="Рисунок 472">
             <a:extLst>
               <a:ext uri="{FF2B5EF4-FFF2-40B4-BE49-F238E27FC236}">
-                <a16:creationId xmlns:a16="http://schemas.microsoft.com/office/drawing/2014/main" id="{05AF6F68-809C-418C-BF81-B35A16ACBBD7}"/>
+                <a16:creationId xmlns:a16="http://schemas.microsoft.com/office/drawing/2014/main" id="{269E0CEC-06CF-4EC9-9E96-52D2AD2204C0}"/>
               </a:ext>
             </a:extLst>
           </p:cNvPr>
@@ -31379,8 +31379,8 @@
         </p:blipFill>
         <p:spPr>
           <a:xfrm>
-            <a:off x="42401474" y="14736715"/>
-            <a:ext cx="1629446" cy="1303556"/>
+            <a:off x="39937452" y="14692140"/>
+            <a:ext cx="1671246" cy="1336996"/>
           </a:xfrm>
           <a:prstGeom prst="rect">
             <a:avLst/>
@@ -31389,10 +31389,10 @@
       </p:pic>
       <p:pic>
         <p:nvPicPr>
-          <p:cNvPr id="473" name="Рисунок 472">
+          <p:cNvPr id="486" name="Рисунок 485">
             <a:extLst>
               <a:ext uri="{FF2B5EF4-FFF2-40B4-BE49-F238E27FC236}">
-                <a16:creationId xmlns:a16="http://schemas.microsoft.com/office/drawing/2014/main" id="{269E0CEC-06CF-4EC9-9E96-52D2AD2204C0}"/>
+                <a16:creationId xmlns:a16="http://schemas.microsoft.com/office/drawing/2014/main" id="{55A025F4-8D54-4D6E-92B8-CF4A72B7174C}"/>
               </a:ext>
             </a:extLst>
           </p:cNvPr>
@@ -31415,8 +31415,8 @@
         </p:blipFill>
         <p:spPr>
           <a:xfrm>
-            <a:off x="39937452" y="14692140"/>
-            <a:ext cx="1671246" cy="1336996"/>
+            <a:off x="37740211" y="13009060"/>
+            <a:ext cx="1666295" cy="1666295"/>
           </a:xfrm>
           <a:prstGeom prst="rect">
             <a:avLst/>
@@ -31425,10 +31425,10 @@
       </p:pic>
       <p:pic>
         <p:nvPicPr>
-          <p:cNvPr id="486" name="Рисунок 485">
+          <p:cNvPr id="504" name="Рисунок 503">
             <a:extLst>
               <a:ext uri="{FF2B5EF4-FFF2-40B4-BE49-F238E27FC236}">
-                <a16:creationId xmlns:a16="http://schemas.microsoft.com/office/drawing/2014/main" id="{55A025F4-8D54-4D6E-92B8-CF4A72B7174C}"/>
+                <a16:creationId xmlns:a16="http://schemas.microsoft.com/office/drawing/2014/main" id="{2FB57A87-64D2-4568-BE9D-31BC43A9E019}"/>
               </a:ext>
             </a:extLst>
           </p:cNvPr>
@@ -31451,8 +31451,8 @@
         </p:blipFill>
         <p:spPr>
           <a:xfrm>
-            <a:off x="37740211" y="13009060"/>
-            <a:ext cx="1666295" cy="1666295"/>
+            <a:off x="38796802" y="22160007"/>
+            <a:ext cx="1659304" cy="1659304"/>
           </a:xfrm>
           <a:prstGeom prst="rect">
             <a:avLst/>
@@ -31461,10 +31461,10 @@
       </p:pic>
       <p:pic>
         <p:nvPicPr>
-          <p:cNvPr id="504" name="Рисунок 503">
+          <p:cNvPr id="66" name="Рисунок 65">
             <a:extLst>
               <a:ext uri="{FF2B5EF4-FFF2-40B4-BE49-F238E27FC236}">
-                <a16:creationId xmlns:a16="http://schemas.microsoft.com/office/drawing/2014/main" id="{2FB57A87-64D2-4568-BE9D-31BC43A9E019}"/>
+                <a16:creationId xmlns:a16="http://schemas.microsoft.com/office/drawing/2014/main" id="{AE1BF7EA-EF0B-480C-9B35-BD110754F8CC}"/>
               </a:ext>
             </a:extLst>
           </p:cNvPr>
@@ -31487,8 +31487,8 @@
         </p:blipFill>
         <p:spPr>
           <a:xfrm>
-            <a:off x="38796802" y="22160007"/>
-            <a:ext cx="1659304" cy="1659304"/>
+            <a:off x="38871924" y="20590159"/>
+            <a:ext cx="1503442" cy="1503442"/>
           </a:xfrm>
           <a:prstGeom prst="rect">
             <a:avLst/>
@@ -31497,10 +31497,10 @@
       </p:pic>
       <p:pic>
         <p:nvPicPr>
-          <p:cNvPr id="66" name="Рисунок 65">
+          <p:cNvPr id="73" name="Рисунок 72">
             <a:extLst>
               <a:ext uri="{FF2B5EF4-FFF2-40B4-BE49-F238E27FC236}">
-                <a16:creationId xmlns:a16="http://schemas.microsoft.com/office/drawing/2014/main" id="{AE1BF7EA-EF0B-480C-9B35-BD110754F8CC}"/>
+                <a16:creationId xmlns:a16="http://schemas.microsoft.com/office/drawing/2014/main" id="{85A15DA6-54CB-4A54-9354-795C03C91BE7}"/>
               </a:ext>
             </a:extLst>
           </p:cNvPr>
@@ -31523,8 +31523,8 @@
         </p:blipFill>
         <p:spPr>
           <a:xfrm>
-            <a:off x="38871924" y="20590159"/>
-            <a:ext cx="1503442" cy="1503442"/>
+            <a:off x="41073457" y="22307133"/>
+            <a:ext cx="1544192" cy="1446664"/>
           </a:xfrm>
           <a:prstGeom prst="rect">
             <a:avLst/>
@@ -31533,10 +31533,10 @@
       </p:pic>
       <p:pic>
         <p:nvPicPr>
-          <p:cNvPr id="73" name="Рисунок 72">
+          <p:cNvPr id="79" name="Рисунок 78">
             <a:extLst>
               <a:ext uri="{FF2B5EF4-FFF2-40B4-BE49-F238E27FC236}">
-                <a16:creationId xmlns:a16="http://schemas.microsoft.com/office/drawing/2014/main" id="{85A15DA6-54CB-4A54-9354-795C03C91BE7}"/>
+                <a16:creationId xmlns:a16="http://schemas.microsoft.com/office/drawing/2014/main" id="{73D14D28-7E15-408E-9FE4-81FDE1BA6BA9}"/>
               </a:ext>
             </a:extLst>
           </p:cNvPr>
@@ -31559,8 +31559,8 @@
         </p:blipFill>
         <p:spPr>
           <a:xfrm>
-            <a:off x="41073457" y="22307133"/>
-            <a:ext cx="1544192" cy="1446664"/>
+            <a:off x="36533428" y="22133339"/>
+            <a:ext cx="1621150" cy="1621150"/>
           </a:xfrm>
           <a:prstGeom prst="rect">
             <a:avLst/>
@@ -31569,10 +31569,10 @@
       </p:pic>
       <p:pic>
         <p:nvPicPr>
-          <p:cNvPr id="79" name="Рисунок 78">
+          <p:cNvPr id="93" name="Рисунок 92">
             <a:extLst>
               <a:ext uri="{FF2B5EF4-FFF2-40B4-BE49-F238E27FC236}">
-                <a16:creationId xmlns:a16="http://schemas.microsoft.com/office/drawing/2014/main" id="{73D14D28-7E15-408E-9FE4-81FDE1BA6BA9}"/>
+                <a16:creationId xmlns:a16="http://schemas.microsoft.com/office/drawing/2014/main" id="{88B9012D-555D-401C-940E-94C41383C766}"/>
               </a:ext>
             </a:extLst>
           </p:cNvPr>
@@ -31595,8 +31595,8 @@
         </p:blipFill>
         <p:spPr>
           <a:xfrm>
-            <a:off x="36533428" y="22133339"/>
-            <a:ext cx="1621150" cy="1621150"/>
+            <a:off x="37800386" y="14631159"/>
+            <a:ext cx="1567455" cy="1567455"/>
           </a:xfrm>
           <a:prstGeom prst="rect">
             <a:avLst/>
@@ -31605,10 +31605,10 @@
       </p:pic>
       <p:pic>
         <p:nvPicPr>
-          <p:cNvPr id="93" name="Рисунок 92">
+          <p:cNvPr id="106" name="Рисунок 105">
             <a:extLst>
               <a:ext uri="{FF2B5EF4-FFF2-40B4-BE49-F238E27FC236}">
-                <a16:creationId xmlns:a16="http://schemas.microsoft.com/office/drawing/2014/main" id="{88B9012D-555D-401C-940E-94C41383C766}"/>
+                <a16:creationId xmlns:a16="http://schemas.microsoft.com/office/drawing/2014/main" id="{C4DB79EF-58A7-4C82-B677-541404B011F5}"/>
               </a:ext>
             </a:extLst>
           </p:cNvPr>
@@ -31631,8 +31631,8 @@
         </p:blipFill>
         <p:spPr>
           <a:xfrm>
-            <a:off x="37800386" y="14631159"/>
-            <a:ext cx="1567455" cy="1567455"/>
+            <a:off x="33033951" y="14444940"/>
+            <a:ext cx="1813040" cy="1813040"/>
           </a:xfrm>
           <a:prstGeom prst="rect">
             <a:avLst/>
@@ -31641,10 +31641,10 @@
       </p:pic>
       <p:pic>
         <p:nvPicPr>
-          <p:cNvPr id="106" name="Рисунок 105">
+          <p:cNvPr id="111" name="Рисунок 110">
             <a:extLst>
               <a:ext uri="{FF2B5EF4-FFF2-40B4-BE49-F238E27FC236}">
-                <a16:creationId xmlns:a16="http://schemas.microsoft.com/office/drawing/2014/main" id="{C4DB79EF-58A7-4C82-B677-541404B011F5}"/>
+                <a16:creationId xmlns:a16="http://schemas.microsoft.com/office/drawing/2014/main" id="{E0B96E46-5009-4BDD-8114-D12B16CD85D6}"/>
               </a:ext>
             </a:extLst>
           </p:cNvPr>
@@ -31667,8 +31667,8 @@
         </p:blipFill>
         <p:spPr>
           <a:xfrm>
-            <a:off x="33033951" y="14444940"/>
-            <a:ext cx="1813040" cy="1813040"/>
+            <a:off x="41176138" y="9820556"/>
+            <a:ext cx="1671822" cy="1471204"/>
           </a:xfrm>
           <a:prstGeom prst="rect">
             <a:avLst/>
@@ -31677,10 +31677,10 @@
       </p:pic>
       <p:pic>
         <p:nvPicPr>
-          <p:cNvPr id="111" name="Рисунок 110">
+          <p:cNvPr id="115" name="Рисунок 114">
             <a:extLst>
               <a:ext uri="{FF2B5EF4-FFF2-40B4-BE49-F238E27FC236}">
-                <a16:creationId xmlns:a16="http://schemas.microsoft.com/office/drawing/2014/main" id="{E0B96E46-5009-4BDD-8114-D12B16CD85D6}"/>
+                <a16:creationId xmlns:a16="http://schemas.microsoft.com/office/drawing/2014/main" id="{103EE8A4-4315-4078-80D2-C6601C4AF739}"/>
               </a:ext>
             </a:extLst>
           </p:cNvPr>
@@ -31703,8 +31703,8 @@
         </p:blipFill>
         <p:spPr>
           <a:xfrm>
-            <a:off x="41176138" y="9820556"/>
-            <a:ext cx="1671822" cy="1471204"/>
+            <a:off x="37843950" y="16322448"/>
+            <a:ext cx="1433844" cy="1272738"/>
           </a:xfrm>
           <a:prstGeom prst="rect">
             <a:avLst/>
@@ -31713,10 +31713,10 @@
       </p:pic>
       <p:pic>
         <p:nvPicPr>
-          <p:cNvPr id="115" name="Рисунок 114">
+          <p:cNvPr id="468" name="Рисунок 467">
             <a:extLst>
               <a:ext uri="{FF2B5EF4-FFF2-40B4-BE49-F238E27FC236}">
-                <a16:creationId xmlns:a16="http://schemas.microsoft.com/office/drawing/2014/main" id="{103EE8A4-4315-4078-80D2-C6601C4AF739}"/>
+                <a16:creationId xmlns:a16="http://schemas.microsoft.com/office/drawing/2014/main" id="{D84C7EC2-67C5-4732-A88C-06CB327BD40C}"/>
               </a:ext>
             </a:extLst>
           </p:cNvPr>
@@ -31739,8 +31739,188 @@
         </p:blipFill>
         <p:spPr>
           <a:xfrm>
-            <a:off x="37843950" y="16322448"/>
-            <a:ext cx="1433844" cy="1272738"/>
+            <a:off x="50953059" y="9879904"/>
+            <a:ext cx="1631055" cy="1388131"/>
+          </a:xfrm>
+          <a:prstGeom prst="rect">
+            <a:avLst/>
+          </a:prstGeom>
+        </p:spPr>
+      </p:pic>
+      <p:pic>
+        <p:nvPicPr>
+          <p:cNvPr id="492" name="Рисунок 491">
+            <a:extLst>
+              <a:ext uri="{FF2B5EF4-FFF2-40B4-BE49-F238E27FC236}">
+                <a16:creationId xmlns:a16="http://schemas.microsoft.com/office/drawing/2014/main" id="{32CA85D5-BBA5-4071-9E6A-7CC142A5852B}"/>
+              </a:ext>
+            </a:extLst>
+          </p:cNvPr>
+          <p:cNvPicPr>
+            <a:picLocks noChangeAspect="1"/>
+          </p:cNvPicPr>
+          <p:nvPr/>
+        </p:nvPicPr>
+        <p:blipFill>
+          <a:blip r:embed="rId106">
+            <a:extLst>
+              <a:ext uri="{28A0092B-C50C-407E-A947-70E740481C1C}">
+                <a14:useLocalDpi xmlns:a14="http://schemas.microsoft.com/office/drawing/2010/main" val="0"/>
+              </a:ext>
+            </a:extLst>
+          </a:blip>
+          <a:stretch>
+            <a:fillRect/>
+          </a:stretch>
+        </p:blipFill>
+        <p:spPr>
+          <a:xfrm>
+            <a:off x="51002235" y="14499159"/>
+            <a:ext cx="1519793" cy="1322220"/>
+          </a:xfrm>
+          <a:prstGeom prst="rect">
+            <a:avLst/>
+          </a:prstGeom>
+        </p:spPr>
+      </p:pic>
+      <p:pic>
+        <p:nvPicPr>
+          <p:cNvPr id="81" name="Рисунок 80">
+            <a:extLst>
+              <a:ext uri="{FF2B5EF4-FFF2-40B4-BE49-F238E27FC236}">
+                <a16:creationId xmlns:a16="http://schemas.microsoft.com/office/drawing/2014/main" id="{8403C0D5-C849-458B-83FA-9E22DE16D0D7}"/>
+              </a:ext>
+            </a:extLst>
+          </p:cNvPr>
+          <p:cNvPicPr>
+            <a:picLocks noChangeAspect="1"/>
+          </p:cNvPicPr>
+          <p:nvPr/>
+        </p:nvPicPr>
+        <p:blipFill>
+          <a:blip r:embed="rId107">
+            <a:extLst>
+              <a:ext uri="{28A0092B-C50C-407E-A947-70E740481C1C}">
+                <a14:useLocalDpi xmlns:a14="http://schemas.microsoft.com/office/drawing/2010/main" val="0"/>
+              </a:ext>
+            </a:extLst>
+          </a:blip>
+          <a:stretch>
+            <a:fillRect/>
+          </a:stretch>
+        </p:blipFill>
+        <p:spPr>
+          <a:xfrm>
+            <a:off x="48556859" y="9909020"/>
+            <a:ext cx="1382948" cy="1145473"/>
+          </a:xfrm>
+          <a:prstGeom prst="rect">
+            <a:avLst/>
+          </a:prstGeom>
+        </p:spPr>
+      </p:pic>
+      <p:pic>
+        <p:nvPicPr>
+          <p:cNvPr id="108" name="Рисунок 107">
+            <a:extLst>
+              <a:ext uri="{FF2B5EF4-FFF2-40B4-BE49-F238E27FC236}">
+                <a16:creationId xmlns:a16="http://schemas.microsoft.com/office/drawing/2014/main" id="{6AC586F1-706E-476B-A9CA-A32B5A66A128}"/>
+              </a:ext>
+            </a:extLst>
+          </p:cNvPr>
+          <p:cNvPicPr>
+            <a:picLocks noChangeAspect="1"/>
+          </p:cNvPicPr>
+          <p:nvPr/>
+        </p:nvPicPr>
+        <p:blipFill>
+          <a:blip r:embed="rId108">
+            <a:extLst>
+              <a:ext uri="{28A0092B-C50C-407E-A947-70E740481C1C}">
+                <a14:useLocalDpi xmlns:a14="http://schemas.microsoft.com/office/drawing/2010/main" val="0"/>
+              </a:ext>
+            </a:extLst>
+          </a:blip>
+          <a:stretch>
+            <a:fillRect/>
+          </a:stretch>
+        </p:blipFill>
+        <p:spPr>
+          <a:xfrm>
+            <a:off x="47999159" y="12974871"/>
+            <a:ext cx="2517269" cy="1302035"/>
+          </a:xfrm>
+          <a:prstGeom prst="rect">
+            <a:avLst/>
+          </a:prstGeom>
+        </p:spPr>
+      </p:pic>
+      <p:pic>
+        <p:nvPicPr>
+          <p:cNvPr id="112" name="Рисунок 111">
+            <a:extLst>
+              <a:ext uri="{FF2B5EF4-FFF2-40B4-BE49-F238E27FC236}">
+                <a16:creationId xmlns:a16="http://schemas.microsoft.com/office/drawing/2014/main" id="{29A6F000-6F75-4447-8F0F-2496695C4E8A}"/>
+              </a:ext>
+            </a:extLst>
+          </p:cNvPr>
+          <p:cNvPicPr>
+            <a:picLocks noChangeAspect="1"/>
+          </p:cNvPicPr>
+          <p:nvPr/>
+        </p:nvPicPr>
+        <p:blipFill>
+          <a:blip r:embed="rId109">
+            <a:extLst>
+              <a:ext uri="{28A0092B-C50C-407E-A947-70E740481C1C}">
+                <a14:useLocalDpi xmlns:a14="http://schemas.microsoft.com/office/drawing/2010/main" val="0"/>
+              </a:ext>
+            </a:extLst>
+          </a:blip>
+          <a:stretch>
+            <a:fillRect/>
+          </a:stretch>
+        </p:blipFill>
+        <p:spPr>
+          <a:xfrm>
+            <a:off x="46008275" y="14523857"/>
+            <a:ext cx="1411982" cy="1411982"/>
+          </a:xfrm>
+          <a:prstGeom prst="rect">
+            <a:avLst/>
+          </a:prstGeom>
+        </p:spPr>
+      </p:pic>
+      <p:pic>
+        <p:nvPicPr>
+          <p:cNvPr id="118" name="Рисунок 117">
+            <a:extLst>
+              <a:ext uri="{FF2B5EF4-FFF2-40B4-BE49-F238E27FC236}">
+                <a16:creationId xmlns:a16="http://schemas.microsoft.com/office/drawing/2014/main" id="{65B8B213-5C95-4377-A23F-ABD2C007BFB3}"/>
+              </a:ext>
+            </a:extLst>
+          </p:cNvPr>
+          <p:cNvPicPr>
+            <a:picLocks noChangeAspect="1"/>
+          </p:cNvPicPr>
+          <p:nvPr/>
+        </p:nvPicPr>
+        <p:blipFill>
+          <a:blip r:embed="rId110">
+            <a:extLst>
+              <a:ext uri="{28A0092B-C50C-407E-A947-70E740481C1C}">
+                <a14:useLocalDpi xmlns:a14="http://schemas.microsoft.com/office/drawing/2010/main" val="0"/>
+              </a:ext>
+            </a:extLst>
+          </a:blip>
+          <a:stretch>
+            <a:fillRect/>
+          </a:stretch>
+        </p:blipFill>
+        <p:spPr>
+          <a:xfrm>
+            <a:off x="43710116" y="8075153"/>
+            <a:ext cx="1507172" cy="1326311"/>
           </a:xfrm>
           <a:prstGeom prst="rect">
             <a:avLst/>

--- a/Наработки/диздоки/Бирма/Бирма - иконки.pptx
+++ b/Наработки/диздоки/Бирма/Бирма - иконки.pptx
@@ -209,7 +209,7 @@
             <a:fld id="{33E3D7F9-E251-484C-A6FF-FA958879DF69}" type="datetimeFigureOut">
               <a:rPr lang="ru-RU" smtClean="0"/>
               <a:pPr/>
-              <a:t>23.04.2024</a:t>
+              <a:t>02.05.2024</a:t>
             </a:fld>
             <a:endParaRPr lang="ru-RU"/>
           </a:p>
@@ -699,7 +699,7 @@
             <a:fld id="{85A5DE44-605B-4D3B-B2B7-94543DF81A36}" type="datetimeFigureOut">
               <a:rPr lang="ru-RU" smtClean="0"/>
               <a:pPr/>
-              <a:t>23.04.2024</a:t>
+              <a:t>02.05.2024</a:t>
             </a:fld>
             <a:endParaRPr lang="ru-RU"/>
           </a:p>
@@ -871,7 +871,7 @@
             <a:fld id="{85A5DE44-605B-4D3B-B2B7-94543DF81A36}" type="datetimeFigureOut">
               <a:rPr lang="ru-RU" smtClean="0"/>
               <a:pPr/>
-              <a:t>23.04.2024</a:t>
+              <a:t>02.05.2024</a:t>
             </a:fld>
             <a:endParaRPr lang="ru-RU"/>
           </a:p>
@@ -1053,7 +1053,7 @@
             <a:fld id="{85A5DE44-605B-4D3B-B2B7-94543DF81A36}" type="datetimeFigureOut">
               <a:rPr lang="ru-RU" smtClean="0"/>
               <a:pPr/>
-              <a:t>23.04.2024</a:t>
+              <a:t>02.05.2024</a:t>
             </a:fld>
             <a:endParaRPr lang="ru-RU"/>
           </a:p>
@@ -1225,7 +1225,7 @@
             <a:fld id="{85A5DE44-605B-4D3B-B2B7-94543DF81A36}" type="datetimeFigureOut">
               <a:rPr lang="ru-RU" smtClean="0"/>
               <a:pPr/>
-              <a:t>23.04.2024</a:t>
+              <a:t>02.05.2024</a:t>
             </a:fld>
             <a:endParaRPr lang="ru-RU"/>
           </a:p>
@@ -1473,7 +1473,7 @@
             <a:fld id="{85A5DE44-605B-4D3B-B2B7-94543DF81A36}" type="datetimeFigureOut">
               <a:rPr lang="ru-RU" smtClean="0"/>
               <a:pPr/>
-              <a:t>23.04.2024</a:t>
+              <a:t>02.05.2024</a:t>
             </a:fld>
             <a:endParaRPr lang="ru-RU"/>
           </a:p>
@@ -1707,7 +1707,7 @@
             <a:fld id="{85A5DE44-605B-4D3B-B2B7-94543DF81A36}" type="datetimeFigureOut">
               <a:rPr lang="ru-RU" smtClean="0"/>
               <a:pPr/>
-              <a:t>23.04.2024</a:t>
+              <a:t>02.05.2024</a:t>
             </a:fld>
             <a:endParaRPr lang="ru-RU"/>
           </a:p>
@@ -2076,7 +2076,7 @@
             <a:fld id="{85A5DE44-605B-4D3B-B2B7-94543DF81A36}" type="datetimeFigureOut">
               <a:rPr lang="ru-RU" smtClean="0"/>
               <a:pPr/>
-              <a:t>23.04.2024</a:t>
+              <a:t>02.05.2024</a:t>
             </a:fld>
             <a:endParaRPr lang="ru-RU"/>
           </a:p>
@@ -2196,7 +2196,7 @@
             <a:fld id="{85A5DE44-605B-4D3B-B2B7-94543DF81A36}" type="datetimeFigureOut">
               <a:rPr lang="ru-RU" smtClean="0"/>
               <a:pPr/>
-              <a:t>23.04.2024</a:t>
+              <a:t>02.05.2024</a:t>
             </a:fld>
             <a:endParaRPr lang="ru-RU"/>
           </a:p>
@@ -2293,7 +2293,7 @@
             <a:fld id="{85A5DE44-605B-4D3B-B2B7-94543DF81A36}" type="datetimeFigureOut">
               <a:rPr lang="ru-RU" smtClean="0"/>
               <a:pPr/>
-              <a:t>23.04.2024</a:t>
+              <a:t>02.05.2024</a:t>
             </a:fld>
             <a:endParaRPr lang="ru-RU"/>
           </a:p>
@@ -2572,7 +2572,7 @@
             <a:fld id="{85A5DE44-605B-4D3B-B2B7-94543DF81A36}" type="datetimeFigureOut">
               <a:rPr lang="ru-RU" smtClean="0"/>
               <a:pPr/>
-              <a:t>23.04.2024</a:t>
+              <a:t>02.05.2024</a:t>
             </a:fld>
             <a:endParaRPr lang="ru-RU"/>
           </a:p>
@@ -2831,7 +2831,7 @@
             <a:fld id="{85A5DE44-605B-4D3B-B2B7-94543DF81A36}" type="datetimeFigureOut">
               <a:rPr lang="ru-RU" smtClean="0"/>
               <a:pPr/>
-              <a:t>23.04.2024</a:t>
+              <a:t>02.05.2024</a:t>
             </a:fld>
             <a:endParaRPr lang="ru-RU"/>
           </a:p>
@@ -3046,7 +3046,7 @@
             <a:fld id="{85A5DE44-605B-4D3B-B2B7-94543DF81A36}" type="datetimeFigureOut">
               <a:rPr lang="ru-RU" smtClean="0"/>
               <a:pPr/>
-              <a:t>23.04.2024</a:t>
+              <a:t>02.05.2024</a:t>
             </a:fld>
             <a:endParaRPr lang="ru-RU"/>
           </a:p>
@@ -31921,6 +31921,186 @@
           <a:xfrm>
             <a:off x="43710116" y="8075153"/>
             <a:ext cx="1507172" cy="1326311"/>
+          </a:xfrm>
+          <a:prstGeom prst="rect">
+            <a:avLst/>
+          </a:prstGeom>
+        </p:spPr>
+      </p:pic>
+      <p:pic>
+        <p:nvPicPr>
+          <p:cNvPr id="25" name="Рисунок 24">
+            <a:extLst>
+              <a:ext uri="{FF2B5EF4-FFF2-40B4-BE49-F238E27FC236}">
+                <a16:creationId xmlns:a16="http://schemas.microsoft.com/office/drawing/2014/main" id="{0D3339D3-2677-4E65-8086-A3FA3F19AE08}"/>
+              </a:ext>
+            </a:extLst>
+          </p:cNvPr>
+          <p:cNvPicPr>
+            <a:picLocks noChangeAspect="1"/>
+          </p:cNvPicPr>
+          <p:nvPr/>
+        </p:nvPicPr>
+        <p:blipFill>
+          <a:blip r:embed="rId111">
+            <a:extLst>
+              <a:ext uri="{28A0092B-C50C-407E-A947-70E740481C1C}">
+                <a14:useLocalDpi xmlns:a14="http://schemas.microsoft.com/office/drawing/2010/main" val="0"/>
+              </a:ext>
+            </a:extLst>
+          </a:blip>
+          <a:stretch>
+            <a:fillRect/>
+          </a:stretch>
+        </p:blipFill>
+        <p:spPr>
+          <a:xfrm>
+            <a:off x="35370703" y="8015691"/>
+            <a:ext cx="1674693" cy="1427129"/>
+          </a:xfrm>
+          <a:prstGeom prst="rect">
+            <a:avLst/>
+          </a:prstGeom>
+        </p:spPr>
+      </p:pic>
+      <p:pic>
+        <p:nvPicPr>
+          <p:cNvPr id="64" name="Рисунок 63">
+            <a:extLst>
+              <a:ext uri="{FF2B5EF4-FFF2-40B4-BE49-F238E27FC236}">
+                <a16:creationId xmlns:a16="http://schemas.microsoft.com/office/drawing/2014/main" id="{17BCDE7D-6C5E-4946-8A8A-58DF1FDF32D0}"/>
+              </a:ext>
+            </a:extLst>
+          </p:cNvPr>
+          <p:cNvPicPr>
+            <a:picLocks noChangeAspect="1"/>
+          </p:cNvPicPr>
+          <p:nvPr/>
+        </p:nvPicPr>
+        <p:blipFill>
+          <a:blip r:embed="rId112">
+            <a:extLst>
+              <a:ext uri="{28A0092B-C50C-407E-A947-70E740481C1C}">
+                <a14:useLocalDpi xmlns:a14="http://schemas.microsoft.com/office/drawing/2010/main" val="0"/>
+              </a:ext>
+            </a:extLst>
+          </a:blip>
+          <a:stretch>
+            <a:fillRect/>
+          </a:stretch>
+        </p:blipFill>
+        <p:spPr>
+          <a:xfrm>
+            <a:off x="34403594" y="9800891"/>
+            <a:ext cx="1361060" cy="1376353"/>
+          </a:xfrm>
+          <a:prstGeom prst="rect">
+            <a:avLst/>
+          </a:prstGeom>
+        </p:spPr>
+      </p:pic>
+      <p:pic>
+        <p:nvPicPr>
+          <p:cNvPr id="77" name="Рисунок 76">
+            <a:extLst>
+              <a:ext uri="{FF2B5EF4-FFF2-40B4-BE49-F238E27FC236}">
+                <a16:creationId xmlns:a16="http://schemas.microsoft.com/office/drawing/2014/main" id="{18A4E22C-A1CB-4F9C-B746-698214D4822A}"/>
+              </a:ext>
+            </a:extLst>
+          </p:cNvPr>
+          <p:cNvPicPr>
+            <a:picLocks noChangeAspect="1"/>
+          </p:cNvPicPr>
+          <p:nvPr/>
+        </p:nvPicPr>
+        <p:blipFill>
+          <a:blip r:embed="rId113">
+            <a:extLst>
+              <a:ext uri="{28A0092B-C50C-407E-A947-70E740481C1C}">
+                <a14:useLocalDpi xmlns:a14="http://schemas.microsoft.com/office/drawing/2010/main" val="0"/>
+              </a:ext>
+            </a:extLst>
+          </a:blip>
+          <a:stretch>
+            <a:fillRect/>
+          </a:stretch>
+        </p:blipFill>
+        <p:spPr>
+          <a:xfrm>
+            <a:off x="36698825" y="9865925"/>
+            <a:ext cx="1311262" cy="1325996"/>
+          </a:xfrm>
+          <a:prstGeom prst="rect">
+            <a:avLst/>
+          </a:prstGeom>
+        </p:spPr>
+      </p:pic>
+      <p:pic>
+        <p:nvPicPr>
+          <p:cNvPr id="110" name="Рисунок 109">
+            <a:extLst>
+              <a:ext uri="{FF2B5EF4-FFF2-40B4-BE49-F238E27FC236}">
+                <a16:creationId xmlns:a16="http://schemas.microsoft.com/office/drawing/2014/main" id="{58C23109-2181-4AF3-BAA2-4E8358108E31}"/>
+              </a:ext>
+            </a:extLst>
+          </p:cNvPr>
+          <p:cNvPicPr>
+            <a:picLocks noChangeAspect="1"/>
+          </p:cNvPicPr>
+          <p:nvPr/>
+        </p:nvPicPr>
+        <p:blipFill>
+          <a:blip r:embed="rId114">
+            <a:extLst>
+              <a:ext uri="{28A0092B-C50C-407E-A947-70E740481C1C}">
+                <a14:useLocalDpi xmlns:a14="http://schemas.microsoft.com/office/drawing/2010/main" val="0"/>
+              </a:ext>
+            </a:extLst>
+          </a:blip>
+          <a:stretch>
+            <a:fillRect/>
+          </a:stretch>
+        </p:blipFill>
+        <p:spPr>
+          <a:xfrm>
+            <a:off x="37800386" y="11533803"/>
+            <a:ext cx="1515071" cy="1318112"/>
+          </a:xfrm>
+          <a:prstGeom prst="rect">
+            <a:avLst/>
+          </a:prstGeom>
+        </p:spPr>
+      </p:pic>
+      <p:pic>
+        <p:nvPicPr>
+          <p:cNvPr id="123" name="Рисунок 122">
+            <a:extLst>
+              <a:ext uri="{FF2B5EF4-FFF2-40B4-BE49-F238E27FC236}">
+                <a16:creationId xmlns:a16="http://schemas.microsoft.com/office/drawing/2014/main" id="{CDC58BE0-3B8A-4A25-B695-9DDB7DEE2C25}"/>
+              </a:ext>
+            </a:extLst>
+          </p:cNvPr>
+          <p:cNvPicPr>
+            <a:picLocks noChangeAspect="1"/>
+          </p:cNvPicPr>
+          <p:nvPr/>
+        </p:nvPicPr>
+        <p:blipFill>
+          <a:blip r:embed="rId115">
+            <a:extLst>
+              <a:ext uri="{28A0092B-C50C-407E-A947-70E740481C1C}">
+                <a14:useLocalDpi xmlns:a14="http://schemas.microsoft.com/office/drawing/2010/main" val="0"/>
+              </a:ext>
+            </a:extLst>
+          </a:blip>
+          <a:stretch>
+            <a:fillRect/>
+          </a:stretch>
+        </p:blipFill>
+        <p:spPr>
+          <a:xfrm>
+            <a:off x="35500854" y="16291579"/>
+            <a:ext cx="1419787" cy="1435740"/>
           </a:xfrm>
           <a:prstGeom prst="rect">
             <a:avLst/>
